--- a/presentation_group1.pptx
+++ b/presentation_group1.pptx
@@ -2,7 +2,7 @@
 <file path=ppt/presentation.xml><?xml version="1.0" encoding="utf-8"?>
 <p:presentation xmlns:a="http://schemas.openxmlformats.org/drawingml/2006/main" xmlns:r="http://schemas.openxmlformats.org/officeDocument/2006/relationships" xmlns:p="http://schemas.openxmlformats.org/presentationml/2006/main" saveSubsetFonts="1">
   <p:sldMasterIdLst>
-    <p:sldMasterId id="2147483648" r:id="rId1"/>
+    <p:sldMasterId id="2147483660" r:id="rId1"/>
   </p:sldMasterIdLst>
   <p:sldIdLst>
     <p:sldId id="256" r:id="rId2"/>
@@ -17,9 +17,9 @@
   <p:notesSz cx="6858000" cy="9144000"/>
   <p:defaultTextStyle>
     <a:defPPr>
-      <a:defRPr lang="en-FI"/>
+      <a:defRPr lang="en-US"/>
     </a:defPPr>
-    <a:lvl1pPr marL="0" algn="l" defTabSz="914400" rtl="0" eaLnBrk="1" latinLnBrk="0" hangingPunct="1">
+    <a:lvl1pPr marL="0" algn="l" defTabSz="457200" rtl="0" eaLnBrk="1" latinLnBrk="0" hangingPunct="1">
       <a:defRPr sz="1800" kern="1200">
         <a:solidFill>
           <a:schemeClr val="tx1"/>
@@ -29,7 +29,7 @@
         <a:cs typeface="+mn-cs"/>
       </a:defRPr>
     </a:lvl1pPr>
-    <a:lvl2pPr marL="457200" algn="l" defTabSz="914400" rtl="0" eaLnBrk="1" latinLnBrk="0" hangingPunct="1">
+    <a:lvl2pPr marL="457200" algn="l" defTabSz="457200" rtl="0" eaLnBrk="1" latinLnBrk="0" hangingPunct="1">
       <a:defRPr sz="1800" kern="1200">
         <a:solidFill>
           <a:schemeClr val="tx1"/>
@@ -39,7 +39,7 @@
         <a:cs typeface="+mn-cs"/>
       </a:defRPr>
     </a:lvl2pPr>
-    <a:lvl3pPr marL="914400" algn="l" defTabSz="914400" rtl="0" eaLnBrk="1" latinLnBrk="0" hangingPunct="1">
+    <a:lvl3pPr marL="914400" algn="l" defTabSz="457200" rtl="0" eaLnBrk="1" latinLnBrk="0" hangingPunct="1">
       <a:defRPr sz="1800" kern="1200">
         <a:solidFill>
           <a:schemeClr val="tx1"/>
@@ -49,7 +49,7 @@
         <a:cs typeface="+mn-cs"/>
       </a:defRPr>
     </a:lvl3pPr>
-    <a:lvl4pPr marL="1371600" algn="l" defTabSz="914400" rtl="0" eaLnBrk="1" latinLnBrk="0" hangingPunct="1">
+    <a:lvl4pPr marL="1371600" algn="l" defTabSz="457200" rtl="0" eaLnBrk="1" latinLnBrk="0" hangingPunct="1">
       <a:defRPr sz="1800" kern="1200">
         <a:solidFill>
           <a:schemeClr val="tx1"/>
@@ -59,7 +59,7 @@
         <a:cs typeface="+mn-cs"/>
       </a:defRPr>
     </a:lvl4pPr>
-    <a:lvl5pPr marL="1828800" algn="l" defTabSz="914400" rtl="0" eaLnBrk="1" latinLnBrk="0" hangingPunct="1">
+    <a:lvl5pPr marL="1828800" algn="l" defTabSz="457200" rtl="0" eaLnBrk="1" latinLnBrk="0" hangingPunct="1">
       <a:defRPr sz="1800" kern="1200">
         <a:solidFill>
           <a:schemeClr val="tx1"/>
@@ -69,7 +69,7 @@
         <a:cs typeface="+mn-cs"/>
       </a:defRPr>
     </a:lvl5pPr>
-    <a:lvl6pPr marL="2286000" algn="l" defTabSz="914400" rtl="0" eaLnBrk="1" latinLnBrk="0" hangingPunct="1">
+    <a:lvl6pPr marL="2286000" algn="l" defTabSz="457200" rtl="0" eaLnBrk="1" latinLnBrk="0" hangingPunct="1">
       <a:defRPr sz="1800" kern="1200">
         <a:solidFill>
           <a:schemeClr val="tx1"/>
@@ -79,7 +79,7 @@
         <a:cs typeface="+mn-cs"/>
       </a:defRPr>
     </a:lvl6pPr>
-    <a:lvl7pPr marL="2743200" algn="l" defTabSz="914400" rtl="0" eaLnBrk="1" latinLnBrk="0" hangingPunct="1">
+    <a:lvl7pPr marL="2743200" algn="l" defTabSz="457200" rtl="0" eaLnBrk="1" latinLnBrk="0" hangingPunct="1">
       <a:defRPr sz="1800" kern="1200">
         <a:solidFill>
           <a:schemeClr val="tx1"/>
@@ -89,7 +89,7 @@
         <a:cs typeface="+mn-cs"/>
       </a:defRPr>
     </a:lvl7pPr>
-    <a:lvl8pPr marL="3200400" algn="l" defTabSz="914400" rtl="0" eaLnBrk="1" latinLnBrk="0" hangingPunct="1">
+    <a:lvl8pPr marL="3200400" algn="l" defTabSz="457200" rtl="0" eaLnBrk="1" latinLnBrk="0" hangingPunct="1">
       <a:defRPr sz="1800" kern="1200">
         <a:solidFill>
           <a:schemeClr val="tx1"/>
@@ -99,7 +99,7 @@
         <a:cs typeface="+mn-cs"/>
       </a:defRPr>
     </a:lvl8pPr>
-    <a:lvl9pPr marL="3657600" algn="l" defTabSz="914400" rtl="0" eaLnBrk="1" latinLnBrk="0" hangingPunct="1">
+    <a:lvl9pPr marL="3657600" algn="l" defTabSz="457200" rtl="0" eaLnBrk="1" latinLnBrk="0" hangingPunct="1">
       <a:defRPr sz="1800" kern="1200">
         <a:solidFill>
           <a:schemeClr val="tx1"/>
@@ -110,6 +110,11 @@
       </a:defRPr>
     </a:lvl9pPr>
   </p:defaultTextStyle>
+  <p:extLst>
+    <p:ext uri="{EFAFB233-063F-42B5-8137-9DF3F51BA10A}">
+      <p15:sldGuideLst xmlns:p15="http://schemas.microsoft.com/office/powerpoint/2012/main"/>
+    </p:ext>
+  </p:extLst>
 </p:presentation>
 </file>
 
@@ -132,13 +137,7 @@
       </p:grpSpPr>
       <p:sp>
         <p:nvSpPr>
-          <p:cNvPr id="2" name="Title 1">
-            <a:extLst>
-              <a:ext uri="{FF2B5EF4-FFF2-40B4-BE49-F238E27FC236}">
-                <a16:creationId xmlns:a16="http://schemas.microsoft.com/office/drawing/2014/main" id="{8D85DE2E-3F3E-06CA-141E-94F205996347}"/>
-              </a:ext>
-            </a:extLst>
-          </p:cNvPr>
+          <p:cNvPr id="2" name="Title 1"/>
           <p:cNvSpPr>
             <a:spLocks noGrp="1"/>
           </p:cNvSpPr>
@@ -148,15 +147,17 @@
         </p:nvSpPr>
         <p:spPr>
           <a:xfrm>
-            <a:off x="1524000" y="1122363"/>
-            <a:ext cx="9144000" cy="2387600"/>
+            <a:off x="1370693" y="1769540"/>
+            <a:ext cx="9440034" cy="1828801"/>
           </a:xfrm>
         </p:spPr>
         <p:txBody>
-          <a:bodyPr anchor="b"/>
+          <a:bodyPr anchor="b">
+            <a:normAutofit/>
+          </a:bodyPr>
           <a:lstStyle>
             <a:lvl1pPr algn="ctr">
-              <a:defRPr sz="6000"/>
+              <a:defRPr sz="5400"/>
             </a:lvl1pPr>
           </a:lstStyle>
           <a:p>
@@ -164,19 +165,13 @@
               <a:rPr lang="en-US"/>
               <a:t>Click to edit Master title style</a:t>
             </a:r>
-            <a:endParaRPr lang="en-FI"/>
-          </a:p>
-        </p:txBody>
-      </p:sp>
-      <p:sp>
-        <p:nvSpPr>
-          <p:cNvPr id="3" name="Subtitle 2">
-            <a:extLst>
-              <a:ext uri="{FF2B5EF4-FFF2-40B4-BE49-F238E27FC236}">
-                <a16:creationId xmlns:a16="http://schemas.microsoft.com/office/drawing/2014/main" id="{7D4F7894-6A29-5E63-7611-0956D079504C}"/>
-              </a:ext>
-            </a:extLst>
-          </p:cNvPr>
+            <a:endParaRPr lang="en-US" dirty="0"/>
+          </a:p>
+        </p:txBody>
+      </p:sp>
+      <p:sp>
+        <p:nvSpPr>
+          <p:cNvPr id="3" name="Subtitle 2"/>
           <p:cNvSpPr>
             <a:spLocks noGrp="1"/>
           </p:cNvSpPr>
@@ -186,48 +181,100 @@
         </p:nvSpPr>
         <p:spPr>
           <a:xfrm>
-            <a:off x="1524000" y="3602038"/>
-            <a:ext cx="9144000" cy="1655762"/>
+            <a:off x="1370693" y="3598339"/>
+            <a:ext cx="9440034" cy="1049867"/>
           </a:xfrm>
         </p:spPr>
         <p:txBody>
-          <a:bodyPr/>
+          <a:bodyPr anchor="t"/>
           <a:lstStyle>
             <a:lvl1pPr marL="0" indent="0" algn="ctr">
               <a:buNone/>
-              <a:defRPr sz="2400"/>
+              <a:defRPr>
+                <a:solidFill>
+                  <a:schemeClr val="tx1"/>
+                </a:solidFill>
+              </a:defRPr>
             </a:lvl1pPr>
             <a:lvl2pPr marL="457200" indent="0" algn="ctr">
               <a:buNone/>
-              <a:defRPr sz="2000"/>
+              <a:defRPr>
+                <a:solidFill>
+                  <a:schemeClr val="tx1">
+                    <a:tint val="75000"/>
+                  </a:schemeClr>
+                </a:solidFill>
+              </a:defRPr>
             </a:lvl2pPr>
             <a:lvl3pPr marL="914400" indent="0" algn="ctr">
               <a:buNone/>
-              <a:defRPr sz="1800"/>
+              <a:defRPr>
+                <a:solidFill>
+                  <a:schemeClr val="tx1">
+                    <a:tint val="75000"/>
+                  </a:schemeClr>
+                </a:solidFill>
+              </a:defRPr>
             </a:lvl3pPr>
             <a:lvl4pPr marL="1371600" indent="0" algn="ctr">
               <a:buNone/>
-              <a:defRPr sz="1600"/>
+              <a:defRPr>
+                <a:solidFill>
+                  <a:schemeClr val="tx1">
+                    <a:tint val="75000"/>
+                  </a:schemeClr>
+                </a:solidFill>
+              </a:defRPr>
             </a:lvl4pPr>
             <a:lvl5pPr marL="1828800" indent="0" algn="ctr">
               <a:buNone/>
-              <a:defRPr sz="1600"/>
+              <a:defRPr>
+                <a:solidFill>
+                  <a:schemeClr val="tx1">
+                    <a:tint val="75000"/>
+                  </a:schemeClr>
+                </a:solidFill>
+              </a:defRPr>
             </a:lvl5pPr>
             <a:lvl6pPr marL="2286000" indent="0" algn="ctr">
               <a:buNone/>
-              <a:defRPr sz="1600"/>
+              <a:defRPr>
+                <a:solidFill>
+                  <a:schemeClr val="tx1">
+                    <a:tint val="75000"/>
+                  </a:schemeClr>
+                </a:solidFill>
+              </a:defRPr>
             </a:lvl6pPr>
             <a:lvl7pPr marL="2743200" indent="0" algn="ctr">
               <a:buNone/>
-              <a:defRPr sz="1600"/>
+              <a:defRPr>
+                <a:solidFill>
+                  <a:schemeClr val="tx1">
+                    <a:tint val="75000"/>
+                  </a:schemeClr>
+                </a:solidFill>
+              </a:defRPr>
             </a:lvl7pPr>
             <a:lvl8pPr marL="3200400" indent="0" algn="ctr">
               <a:buNone/>
-              <a:defRPr sz="1600"/>
+              <a:defRPr>
+                <a:solidFill>
+                  <a:schemeClr val="tx1">
+                    <a:tint val="75000"/>
+                  </a:schemeClr>
+                </a:solidFill>
+              </a:defRPr>
             </a:lvl8pPr>
             <a:lvl9pPr marL="3657600" indent="0" algn="ctr">
               <a:buNone/>
-              <a:defRPr sz="1600"/>
+              <a:defRPr>
+                <a:solidFill>
+                  <a:schemeClr val="tx1">
+                    <a:tint val="75000"/>
+                  </a:schemeClr>
+                </a:solidFill>
+              </a:defRPr>
             </a:lvl9pPr>
           </a:lstStyle>
           <a:p>
@@ -235,19 +282,13 @@
               <a:rPr lang="en-US"/>
               <a:t>Click to edit Master subtitle style</a:t>
             </a:r>
-            <a:endParaRPr lang="en-FI"/>
-          </a:p>
-        </p:txBody>
-      </p:sp>
-      <p:sp>
-        <p:nvSpPr>
-          <p:cNvPr id="4" name="Date Placeholder 3">
-            <a:extLst>
-              <a:ext uri="{FF2B5EF4-FFF2-40B4-BE49-F238E27FC236}">
-                <a16:creationId xmlns:a16="http://schemas.microsoft.com/office/drawing/2014/main" id="{FE4C3517-241C-C7BE-BE5A-008CA18C9333}"/>
-              </a:ext>
-            </a:extLst>
-          </p:cNvPr>
+            <a:endParaRPr lang="en-US" dirty="0"/>
+          </a:p>
+        </p:txBody>
+      </p:sp>
+      <p:sp>
+        <p:nvSpPr>
+          <p:cNvPr id="4" name="Date Placeholder 3"/>
           <p:cNvSpPr>
             <a:spLocks noGrp="1"/>
           </p:cNvSpPr>
@@ -262,7 +303,7 @@
           <a:p>
             <a:fld id="{4EF22D02-7338-4660-922A-63734C7FA6B5}" type="datetimeFigureOut">
               <a:rPr lang="en-FI" smtClean="0"/>
-              <a:t>31/07/2024</a:t>
+              <a:t>07/08/2024</a:t>
             </a:fld>
             <a:endParaRPr lang="en-FI"/>
           </a:p>
@@ -270,13 +311,7 @@
       </p:sp>
       <p:sp>
         <p:nvSpPr>
-          <p:cNvPr id="5" name="Footer Placeholder 4">
-            <a:extLst>
-              <a:ext uri="{FF2B5EF4-FFF2-40B4-BE49-F238E27FC236}">
-                <a16:creationId xmlns:a16="http://schemas.microsoft.com/office/drawing/2014/main" id="{8758FA33-5E48-CCDD-B33C-E167B801F235}"/>
-              </a:ext>
-            </a:extLst>
-          </p:cNvPr>
+          <p:cNvPr id="5" name="Footer Placeholder 4"/>
           <p:cNvSpPr>
             <a:spLocks noGrp="1"/>
           </p:cNvSpPr>
@@ -295,13 +330,7 @@
       </p:sp>
       <p:sp>
         <p:nvSpPr>
-          <p:cNvPr id="6" name="Slide Number Placeholder 5">
-            <a:extLst>
-              <a:ext uri="{FF2B5EF4-FFF2-40B4-BE49-F238E27FC236}">
-                <a16:creationId xmlns:a16="http://schemas.microsoft.com/office/drawing/2014/main" id="{6A8BE5B5-EF11-E059-A9A3-BB8E24E6FD99}"/>
-              </a:ext>
-            </a:extLst>
-          </p:cNvPr>
+          <p:cNvPr id="6" name="Slide Number Placeholder 5"/>
           <p:cNvSpPr>
             <a:spLocks noGrp="1"/>
           </p:cNvSpPr>
@@ -325,7 +354,7 @@
     </p:spTree>
     <p:extLst>
       <p:ext uri="{BB962C8B-B14F-4D97-AF65-F5344CB8AC3E}">
-        <p14:creationId xmlns:p14="http://schemas.microsoft.com/office/powerpoint/2010/main" val="2509503855"/>
+        <p14:creationId xmlns:p14="http://schemas.microsoft.com/office/powerpoint/2010/main" val="4074984742"/>
       </p:ext>
     </p:extLst>
   </p:cSld>
@@ -336,6 +365,2582 @@
 </file>
 
 <file path=ppt/slideLayouts/slideLayout10.xml><?xml version="1.0" encoding="utf-8"?>
+<p:sldLayout xmlns:a="http://schemas.openxmlformats.org/drawingml/2006/main" xmlns:r="http://schemas.openxmlformats.org/officeDocument/2006/relationships" xmlns:p="http://schemas.openxmlformats.org/presentationml/2006/main" preserve="1">
+  <p:cSld name="Panoramic Picture with Caption">
+    <p:spTree>
+      <p:nvGrpSpPr>
+        <p:cNvPr id="1" name=""/>
+        <p:cNvGrpSpPr/>
+        <p:nvPr/>
+      </p:nvGrpSpPr>
+      <p:grpSpPr>
+        <a:xfrm>
+          <a:off x="0" y="0"/>
+          <a:ext cx="0" cy="0"/>
+          <a:chOff x="0" y="0"/>
+          <a:chExt cx="0" cy="0"/>
+        </a:xfrm>
+      </p:grpSpPr>
+      <p:pic>
+        <p:nvPicPr>
+          <p:cNvPr id="16" name="Picture 15" descr="Slate-V2-HD-panoPhotoInset.png"/>
+          <p:cNvPicPr>
+            <a:picLocks noChangeAspect="1"/>
+          </p:cNvPicPr>
+          <p:nvPr/>
+        </p:nvPicPr>
+        <p:blipFill>
+          <a:blip r:embed="rId2">
+            <a:extLst>
+              <a:ext uri="{28A0092B-C50C-407E-A947-70E740481C1C}">
+                <a14:useLocalDpi xmlns:a14="http://schemas.microsoft.com/office/drawing/2010/main" val="0"/>
+              </a:ext>
+            </a:extLst>
+          </a:blip>
+          <a:stretch>
+            <a:fillRect/>
+          </a:stretch>
+        </p:blipFill>
+        <p:spPr>
+          <a:xfrm>
+            <a:off x="1013883" y="547807"/>
+            <a:ext cx="10141799" cy="3816806"/>
+          </a:xfrm>
+          <a:prstGeom prst="rect">
+            <a:avLst/>
+          </a:prstGeom>
+        </p:spPr>
+      </p:pic>
+      <p:sp>
+        <p:nvSpPr>
+          <p:cNvPr id="2" name="Title 1"/>
+          <p:cNvSpPr>
+            <a:spLocks noGrp="1"/>
+          </p:cNvSpPr>
+          <p:nvPr>
+            <p:ph type="title"/>
+          </p:nvPr>
+        </p:nvSpPr>
+        <p:spPr>
+          <a:xfrm>
+            <a:off x="913806" y="4565255"/>
+            <a:ext cx="10355326" cy="543472"/>
+          </a:xfrm>
+        </p:spPr>
+        <p:txBody>
+          <a:bodyPr anchor="b">
+            <a:normAutofit/>
+          </a:bodyPr>
+          <a:lstStyle>
+            <a:lvl1pPr algn="ctr">
+              <a:defRPr sz="2800"/>
+            </a:lvl1pPr>
+          </a:lstStyle>
+          <a:p>
+            <a:r>
+              <a:rPr lang="en-US"/>
+              <a:t>Click to edit Master title style</a:t>
+            </a:r>
+            <a:endParaRPr lang="en-US" dirty="0"/>
+          </a:p>
+        </p:txBody>
+      </p:sp>
+      <p:sp>
+        <p:nvSpPr>
+          <p:cNvPr id="3" name="Picture Placeholder 2"/>
+          <p:cNvSpPr>
+            <a:spLocks noGrp="1" noChangeAspect="1"/>
+          </p:cNvSpPr>
+          <p:nvPr>
+            <p:ph type="pic" idx="1"/>
+          </p:nvPr>
+        </p:nvSpPr>
+        <p:spPr>
+          <a:xfrm>
+            <a:off x="1169349" y="695009"/>
+            <a:ext cx="9845346" cy="3525671"/>
+          </a:xfrm>
+          <a:effectLst>
+            <a:outerShdw blurRad="38100" dist="25400" dir="4440000">
+              <a:srgbClr val="000000">
+                <a:alpha val="36000"/>
+              </a:srgbClr>
+            </a:outerShdw>
+          </a:effectLst>
+        </p:spPr>
+        <p:txBody>
+          <a:bodyPr anchor="t">
+            <a:normAutofit/>
+          </a:bodyPr>
+          <a:lstStyle>
+            <a:lvl1pPr marL="0" indent="0" algn="ctr">
+              <a:buNone/>
+              <a:defRPr sz="2000"/>
+            </a:lvl1pPr>
+            <a:lvl2pPr marL="457200" indent="0">
+              <a:buNone/>
+              <a:defRPr sz="2000"/>
+            </a:lvl2pPr>
+            <a:lvl3pPr marL="914400" indent="0">
+              <a:buNone/>
+              <a:defRPr sz="2000"/>
+            </a:lvl3pPr>
+            <a:lvl4pPr marL="1371600" indent="0">
+              <a:buNone/>
+              <a:defRPr sz="2000"/>
+            </a:lvl4pPr>
+            <a:lvl5pPr marL="1828800" indent="0">
+              <a:buNone/>
+              <a:defRPr sz="2000"/>
+            </a:lvl5pPr>
+            <a:lvl6pPr marL="2286000" indent="0">
+              <a:buNone/>
+              <a:defRPr sz="2000"/>
+            </a:lvl6pPr>
+            <a:lvl7pPr marL="2743200" indent="0">
+              <a:buNone/>
+              <a:defRPr sz="2000"/>
+            </a:lvl7pPr>
+            <a:lvl8pPr marL="3200400" indent="0">
+              <a:buNone/>
+              <a:defRPr sz="2000"/>
+            </a:lvl8pPr>
+            <a:lvl9pPr marL="3657600" indent="0">
+              <a:buNone/>
+              <a:defRPr sz="2000"/>
+            </a:lvl9pPr>
+          </a:lstStyle>
+          <a:p>
+            <a:r>
+              <a:rPr lang="en-US"/>
+              <a:t>Click icon to add picture</a:t>
+            </a:r>
+            <a:endParaRPr lang="en-US" dirty="0"/>
+          </a:p>
+        </p:txBody>
+      </p:sp>
+      <p:sp>
+        <p:nvSpPr>
+          <p:cNvPr id="4" name="Text Placeholder 3"/>
+          <p:cNvSpPr>
+            <a:spLocks noGrp="1"/>
+          </p:cNvSpPr>
+          <p:nvPr>
+            <p:ph type="body" sz="half" idx="2"/>
+          </p:nvPr>
+        </p:nvSpPr>
+        <p:spPr>
+          <a:xfrm>
+            <a:off x="913795" y="5108728"/>
+            <a:ext cx="10353762" cy="682472"/>
+          </a:xfrm>
+        </p:spPr>
+        <p:txBody>
+          <a:bodyPr anchor="t"/>
+          <a:lstStyle>
+            <a:lvl1pPr marL="0" indent="0" algn="ctr">
+              <a:buNone/>
+              <a:defRPr sz="1600"/>
+            </a:lvl1pPr>
+            <a:lvl2pPr marL="457200" indent="0">
+              <a:buNone/>
+              <a:defRPr sz="1400"/>
+            </a:lvl2pPr>
+            <a:lvl3pPr marL="914400" indent="0">
+              <a:buNone/>
+              <a:defRPr sz="1200"/>
+            </a:lvl3pPr>
+            <a:lvl4pPr marL="1371600" indent="0">
+              <a:buNone/>
+              <a:defRPr sz="1000"/>
+            </a:lvl4pPr>
+            <a:lvl5pPr marL="1828800" indent="0">
+              <a:buNone/>
+              <a:defRPr sz="1000"/>
+            </a:lvl5pPr>
+            <a:lvl6pPr marL="2286000" indent="0">
+              <a:buNone/>
+              <a:defRPr sz="1000"/>
+            </a:lvl6pPr>
+            <a:lvl7pPr marL="2743200" indent="0">
+              <a:buNone/>
+              <a:defRPr sz="1000"/>
+            </a:lvl7pPr>
+            <a:lvl8pPr marL="3200400" indent="0">
+              <a:buNone/>
+              <a:defRPr sz="1000"/>
+            </a:lvl8pPr>
+            <a:lvl9pPr marL="3657600" indent="0">
+              <a:buNone/>
+              <a:defRPr sz="1000"/>
+            </a:lvl9pPr>
+          </a:lstStyle>
+          <a:p>
+            <a:pPr lvl="0"/>
+            <a:r>
+              <a:rPr lang="en-US"/>
+              <a:t>Click to edit Master text styles</a:t>
+            </a:r>
+          </a:p>
+        </p:txBody>
+      </p:sp>
+      <p:sp>
+        <p:nvSpPr>
+          <p:cNvPr id="5" name="Date Placeholder 4"/>
+          <p:cNvSpPr>
+            <a:spLocks noGrp="1"/>
+          </p:cNvSpPr>
+          <p:nvPr>
+            <p:ph type="dt" sz="half" idx="10"/>
+          </p:nvPr>
+        </p:nvSpPr>
+        <p:spPr/>
+        <p:txBody>
+          <a:bodyPr/>
+          <a:lstStyle/>
+          <a:p>
+            <a:fld id="{4EF22D02-7338-4660-922A-63734C7FA6B5}" type="datetimeFigureOut">
+              <a:rPr lang="en-FI" smtClean="0"/>
+              <a:t>07/08/2024</a:t>
+            </a:fld>
+            <a:endParaRPr lang="en-FI"/>
+          </a:p>
+        </p:txBody>
+      </p:sp>
+      <p:sp>
+        <p:nvSpPr>
+          <p:cNvPr id="6" name="Footer Placeholder 5"/>
+          <p:cNvSpPr>
+            <a:spLocks noGrp="1"/>
+          </p:cNvSpPr>
+          <p:nvPr>
+            <p:ph type="ftr" sz="quarter" idx="11"/>
+          </p:nvPr>
+        </p:nvSpPr>
+        <p:spPr/>
+        <p:txBody>
+          <a:bodyPr/>
+          <a:lstStyle/>
+          <a:p>
+            <a:endParaRPr lang="en-FI"/>
+          </a:p>
+        </p:txBody>
+      </p:sp>
+      <p:sp>
+        <p:nvSpPr>
+          <p:cNvPr id="7" name="Slide Number Placeholder 6"/>
+          <p:cNvSpPr>
+            <a:spLocks noGrp="1"/>
+          </p:cNvSpPr>
+          <p:nvPr>
+            <p:ph type="sldNum" sz="quarter" idx="12"/>
+          </p:nvPr>
+        </p:nvSpPr>
+        <p:spPr/>
+        <p:txBody>
+          <a:bodyPr/>
+          <a:lstStyle/>
+          <a:p>
+            <a:fld id="{0BA186CC-90F5-435E-9371-06CA05F0FD18}" type="slidenum">
+              <a:rPr lang="en-FI" smtClean="0"/>
+              <a:t>‹#›</a:t>
+            </a:fld>
+            <a:endParaRPr lang="en-FI"/>
+          </a:p>
+        </p:txBody>
+      </p:sp>
+    </p:spTree>
+    <p:extLst>
+      <p:ext uri="{BB962C8B-B14F-4D97-AF65-F5344CB8AC3E}">
+        <p14:creationId xmlns:p14="http://schemas.microsoft.com/office/powerpoint/2010/main" val="2003845481"/>
+      </p:ext>
+    </p:extLst>
+  </p:cSld>
+  <p:clrMapOvr>
+    <a:masterClrMapping/>
+  </p:clrMapOvr>
+</p:sldLayout>
+</file>
+
+<file path=ppt/slideLayouts/slideLayout11.xml><?xml version="1.0" encoding="utf-8"?>
+<p:sldLayout xmlns:a="http://schemas.openxmlformats.org/drawingml/2006/main" xmlns:r="http://schemas.openxmlformats.org/officeDocument/2006/relationships" xmlns:p="http://schemas.openxmlformats.org/presentationml/2006/main" preserve="1">
+  <p:cSld name="Title and Caption">
+    <p:spTree>
+      <p:nvGrpSpPr>
+        <p:cNvPr id="1" name=""/>
+        <p:cNvGrpSpPr/>
+        <p:nvPr/>
+      </p:nvGrpSpPr>
+      <p:grpSpPr>
+        <a:xfrm>
+          <a:off x="0" y="0"/>
+          <a:ext cx="0" cy="0"/>
+          <a:chOff x="0" y="0"/>
+          <a:chExt cx="0" cy="0"/>
+        </a:xfrm>
+      </p:grpSpPr>
+      <p:sp>
+        <p:nvSpPr>
+          <p:cNvPr id="2" name="Title 1"/>
+          <p:cNvSpPr>
+            <a:spLocks noGrp="1"/>
+          </p:cNvSpPr>
+          <p:nvPr>
+            <p:ph type="title"/>
+          </p:nvPr>
+        </p:nvSpPr>
+        <p:spPr>
+          <a:xfrm>
+            <a:off x="913795" y="608437"/>
+            <a:ext cx="10353762" cy="3534344"/>
+          </a:xfrm>
+        </p:spPr>
+        <p:txBody>
+          <a:bodyPr anchor="ctr"/>
+          <a:lstStyle>
+            <a:lvl1pPr>
+              <a:defRPr sz="3200"/>
+            </a:lvl1pPr>
+          </a:lstStyle>
+          <a:p>
+            <a:r>
+              <a:rPr lang="en-US"/>
+              <a:t>Click to edit Master title style</a:t>
+            </a:r>
+            <a:endParaRPr lang="en-US" dirty="0"/>
+          </a:p>
+        </p:txBody>
+      </p:sp>
+      <p:sp>
+        <p:nvSpPr>
+          <p:cNvPr id="4" name="Text Placeholder 3"/>
+          <p:cNvSpPr>
+            <a:spLocks noGrp="1"/>
+          </p:cNvSpPr>
+          <p:nvPr>
+            <p:ph type="body" sz="half" idx="2"/>
+          </p:nvPr>
+        </p:nvSpPr>
+        <p:spPr>
+          <a:xfrm>
+            <a:off x="913794" y="4295180"/>
+            <a:ext cx="10353763" cy="1501826"/>
+          </a:xfrm>
+        </p:spPr>
+        <p:txBody>
+          <a:bodyPr anchor="ctr"/>
+          <a:lstStyle>
+            <a:lvl1pPr marL="0" indent="0" algn="ctr">
+              <a:buNone/>
+              <a:defRPr sz="1600"/>
+            </a:lvl1pPr>
+            <a:lvl2pPr marL="457200" indent="0">
+              <a:buNone/>
+              <a:defRPr sz="1400"/>
+            </a:lvl2pPr>
+            <a:lvl3pPr marL="914400" indent="0">
+              <a:buNone/>
+              <a:defRPr sz="1200"/>
+            </a:lvl3pPr>
+            <a:lvl4pPr marL="1371600" indent="0">
+              <a:buNone/>
+              <a:defRPr sz="1000"/>
+            </a:lvl4pPr>
+            <a:lvl5pPr marL="1828800" indent="0">
+              <a:buNone/>
+              <a:defRPr sz="1000"/>
+            </a:lvl5pPr>
+            <a:lvl6pPr marL="2286000" indent="0">
+              <a:buNone/>
+              <a:defRPr sz="1000"/>
+            </a:lvl6pPr>
+            <a:lvl7pPr marL="2743200" indent="0">
+              <a:buNone/>
+              <a:defRPr sz="1000"/>
+            </a:lvl7pPr>
+            <a:lvl8pPr marL="3200400" indent="0">
+              <a:buNone/>
+              <a:defRPr sz="1000"/>
+            </a:lvl8pPr>
+            <a:lvl9pPr marL="3657600" indent="0">
+              <a:buNone/>
+              <a:defRPr sz="1000"/>
+            </a:lvl9pPr>
+          </a:lstStyle>
+          <a:p>
+            <a:pPr lvl="0"/>
+            <a:r>
+              <a:rPr lang="en-US"/>
+              <a:t>Click to edit Master text styles</a:t>
+            </a:r>
+          </a:p>
+        </p:txBody>
+      </p:sp>
+      <p:sp>
+        <p:nvSpPr>
+          <p:cNvPr id="5" name="Date Placeholder 4"/>
+          <p:cNvSpPr>
+            <a:spLocks noGrp="1"/>
+          </p:cNvSpPr>
+          <p:nvPr>
+            <p:ph type="dt" sz="half" idx="10"/>
+          </p:nvPr>
+        </p:nvSpPr>
+        <p:spPr/>
+        <p:txBody>
+          <a:bodyPr/>
+          <a:lstStyle/>
+          <a:p>
+            <a:fld id="{4EF22D02-7338-4660-922A-63734C7FA6B5}" type="datetimeFigureOut">
+              <a:rPr lang="en-FI" smtClean="0"/>
+              <a:t>07/08/2024</a:t>
+            </a:fld>
+            <a:endParaRPr lang="en-FI"/>
+          </a:p>
+        </p:txBody>
+      </p:sp>
+      <p:sp>
+        <p:nvSpPr>
+          <p:cNvPr id="6" name="Footer Placeholder 5"/>
+          <p:cNvSpPr>
+            <a:spLocks noGrp="1"/>
+          </p:cNvSpPr>
+          <p:nvPr>
+            <p:ph type="ftr" sz="quarter" idx="11"/>
+          </p:nvPr>
+        </p:nvSpPr>
+        <p:spPr/>
+        <p:txBody>
+          <a:bodyPr/>
+          <a:lstStyle/>
+          <a:p>
+            <a:endParaRPr lang="en-FI"/>
+          </a:p>
+        </p:txBody>
+      </p:sp>
+      <p:sp>
+        <p:nvSpPr>
+          <p:cNvPr id="7" name="Slide Number Placeholder 6"/>
+          <p:cNvSpPr>
+            <a:spLocks noGrp="1"/>
+          </p:cNvSpPr>
+          <p:nvPr>
+            <p:ph type="sldNum" sz="quarter" idx="12"/>
+          </p:nvPr>
+        </p:nvSpPr>
+        <p:spPr/>
+        <p:txBody>
+          <a:bodyPr/>
+          <a:lstStyle/>
+          <a:p>
+            <a:fld id="{0BA186CC-90F5-435E-9371-06CA05F0FD18}" type="slidenum">
+              <a:rPr lang="en-FI" smtClean="0"/>
+              <a:t>‹#›</a:t>
+            </a:fld>
+            <a:endParaRPr lang="en-FI"/>
+          </a:p>
+        </p:txBody>
+      </p:sp>
+    </p:spTree>
+    <p:extLst>
+      <p:ext uri="{BB962C8B-B14F-4D97-AF65-F5344CB8AC3E}">
+        <p14:creationId xmlns:p14="http://schemas.microsoft.com/office/powerpoint/2010/main" val="3210310397"/>
+      </p:ext>
+    </p:extLst>
+  </p:cSld>
+  <p:clrMapOvr>
+    <a:masterClrMapping/>
+  </p:clrMapOvr>
+</p:sldLayout>
+</file>
+
+<file path=ppt/slideLayouts/slideLayout12.xml><?xml version="1.0" encoding="utf-8"?>
+<p:sldLayout xmlns:a="http://schemas.openxmlformats.org/drawingml/2006/main" xmlns:r="http://schemas.openxmlformats.org/officeDocument/2006/relationships" xmlns:p="http://schemas.openxmlformats.org/presentationml/2006/main" preserve="1">
+  <p:cSld name="Quote with Caption">
+    <p:spTree>
+      <p:nvGrpSpPr>
+        <p:cNvPr id="1" name=""/>
+        <p:cNvGrpSpPr/>
+        <p:nvPr/>
+      </p:nvGrpSpPr>
+      <p:grpSpPr>
+        <a:xfrm>
+          <a:off x="0" y="0"/>
+          <a:ext cx="0" cy="0"/>
+          <a:chOff x="0" y="0"/>
+          <a:chExt cx="0" cy="0"/>
+        </a:xfrm>
+      </p:grpSpPr>
+      <p:sp>
+        <p:nvSpPr>
+          <p:cNvPr id="2" name="Title 1"/>
+          <p:cNvSpPr>
+            <a:spLocks noGrp="1"/>
+          </p:cNvSpPr>
+          <p:nvPr>
+            <p:ph type="title"/>
+          </p:nvPr>
+        </p:nvSpPr>
+        <p:spPr>
+          <a:xfrm>
+            <a:off x="1446212" y="609600"/>
+            <a:ext cx="9302752" cy="2992904"/>
+          </a:xfrm>
+        </p:spPr>
+        <p:txBody>
+          <a:bodyPr anchor="ctr"/>
+          <a:lstStyle>
+            <a:lvl1pPr>
+              <a:defRPr sz="3200"/>
+            </a:lvl1pPr>
+          </a:lstStyle>
+          <a:p>
+            <a:r>
+              <a:rPr lang="en-US"/>
+              <a:t>Click to edit Master title style</a:t>
+            </a:r>
+            <a:endParaRPr lang="en-US" dirty="0"/>
+          </a:p>
+        </p:txBody>
+      </p:sp>
+      <p:sp>
+        <p:nvSpPr>
+          <p:cNvPr id="12" name="Text Placeholder 3"/>
+          <p:cNvSpPr>
+            <a:spLocks noGrp="1"/>
+          </p:cNvSpPr>
+          <p:nvPr>
+            <p:ph type="body" sz="half" idx="13"/>
+          </p:nvPr>
+        </p:nvSpPr>
+        <p:spPr>
+          <a:xfrm>
+            <a:off x="1720644" y="3610032"/>
+            <a:ext cx="8752299" cy="532749"/>
+          </a:xfrm>
+        </p:spPr>
+        <p:txBody>
+          <a:bodyPr anchor="t">
+            <a:normAutofit/>
+          </a:bodyPr>
+          <a:lstStyle>
+            <a:lvl1pPr marL="0" indent="0" algn="r">
+              <a:buNone/>
+              <a:defRPr sz="1400"/>
+            </a:lvl1pPr>
+            <a:lvl2pPr marL="457200" indent="0">
+              <a:buNone/>
+              <a:defRPr sz="1400"/>
+            </a:lvl2pPr>
+            <a:lvl3pPr marL="914400" indent="0">
+              <a:buNone/>
+              <a:defRPr sz="1200"/>
+            </a:lvl3pPr>
+            <a:lvl4pPr marL="1371600" indent="0">
+              <a:buNone/>
+              <a:defRPr sz="1000"/>
+            </a:lvl4pPr>
+            <a:lvl5pPr marL="1828800" indent="0">
+              <a:buNone/>
+              <a:defRPr sz="1000"/>
+            </a:lvl5pPr>
+            <a:lvl6pPr marL="2286000" indent="0">
+              <a:buNone/>
+              <a:defRPr sz="1000"/>
+            </a:lvl6pPr>
+            <a:lvl7pPr marL="2743200" indent="0">
+              <a:buNone/>
+              <a:defRPr sz="1000"/>
+            </a:lvl7pPr>
+            <a:lvl8pPr marL="3200400" indent="0">
+              <a:buNone/>
+              <a:defRPr sz="1000"/>
+            </a:lvl8pPr>
+            <a:lvl9pPr marL="3657600" indent="0">
+              <a:buNone/>
+              <a:defRPr sz="1000"/>
+            </a:lvl9pPr>
+          </a:lstStyle>
+          <a:p>
+            <a:pPr lvl="0"/>
+            <a:r>
+              <a:rPr lang="en-US"/>
+              <a:t>Click to edit Master text styles</a:t>
+            </a:r>
+          </a:p>
+        </p:txBody>
+      </p:sp>
+      <p:sp>
+        <p:nvSpPr>
+          <p:cNvPr id="4" name="Text Placeholder 3"/>
+          <p:cNvSpPr>
+            <a:spLocks noGrp="1"/>
+          </p:cNvSpPr>
+          <p:nvPr>
+            <p:ph type="body" sz="half" idx="2"/>
+          </p:nvPr>
+        </p:nvSpPr>
+        <p:spPr>
+          <a:xfrm>
+            <a:off x="913794" y="4304353"/>
+            <a:ext cx="10353763" cy="1489496"/>
+          </a:xfrm>
+        </p:spPr>
+        <p:txBody>
+          <a:bodyPr anchor="ctr">
+            <a:normAutofit/>
+          </a:bodyPr>
+          <a:lstStyle>
+            <a:lvl1pPr marL="0" indent="0" algn="ctr">
+              <a:buNone/>
+              <a:defRPr sz="1600"/>
+            </a:lvl1pPr>
+            <a:lvl2pPr marL="457200" indent="0">
+              <a:buNone/>
+              <a:defRPr sz="1400"/>
+            </a:lvl2pPr>
+            <a:lvl3pPr marL="914400" indent="0">
+              <a:buNone/>
+              <a:defRPr sz="1200"/>
+            </a:lvl3pPr>
+            <a:lvl4pPr marL="1371600" indent="0">
+              <a:buNone/>
+              <a:defRPr sz="1000"/>
+            </a:lvl4pPr>
+            <a:lvl5pPr marL="1828800" indent="0">
+              <a:buNone/>
+              <a:defRPr sz="1000"/>
+            </a:lvl5pPr>
+            <a:lvl6pPr marL="2286000" indent="0">
+              <a:buNone/>
+              <a:defRPr sz="1000"/>
+            </a:lvl6pPr>
+            <a:lvl7pPr marL="2743200" indent="0">
+              <a:buNone/>
+              <a:defRPr sz="1000"/>
+            </a:lvl7pPr>
+            <a:lvl8pPr marL="3200400" indent="0">
+              <a:buNone/>
+              <a:defRPr sz="1000"/>
+            </a:lvl8pPr>
+            <a:lvl9pPr marL="3657600" indent="0">
+              <a:buNone/>
+              <a:defRPr sz="1000"/>
+            </a:lvl9pPr>
+          </a:lstStyle>
+          <a:p>
+            <a:pPr lvl="0"/>
+            <a:r>
+              <a:rPr lang="en-US"/>
+              <a:t>Click to edit Master text styles</a:t>
+            </a:r>
+          </a:p>
+        </p:txBody>
+      </p:sp>
+      <p:sp>
+        <p:nvSpPr>
+          <p:cNvPr id="5" name="Date Placeholder 4"/>
+          <p:cNvSpPr>
+            <a:spLocks noGrp="1"/>
+          </p:cNvSpPr>
+          <p:nvPr>
+            <p:ph type="dt" sz="half" idx="10"/>
+          </p:nvPr>
+        </p:nvSpPr>
+        <p:spPr/>
+        <p:txBody>
+          <a:bodyPr/>
+          <a:lstStyle/>
+          <a:p>
+            <a:fld id="{4EF22D02-7338-4660-922A-63734C7FA6B5}" type="datetimeFigureOut">
+              <a:rPr lang="en-FI" smtClean="0"/>
+              <a:t>07/08/2024</a:t>
+            </a:fld>
+            <a:endParaRPr lang="en-FI"/>
+          </a:p>
+        </p:txBody>
+      </p:sp>
+      <p:sp>
+        <p:nvSpPr>
+          <p:cNvPr id="6" name="Footer Placeholder 5"/>
+          <p:cNvSpPr>
+            <a:spLocks noGrp="1"/>
+          </p:cNvSpPr>
+          <p:nvPr>
+            <p:ph type="ftr" sz="quarter" idx="11"/>
+          </p:nvPr>
+        </p:nvSpPr>
+        <p:spPr/>
+        <p:txBody>
+          <a:bodyPr/>
+          <a:lstStyle/>
+          <a:p>
+            <a:endParaRPr lang="en-FI"/>
+          </a:p>
+        </p:txBody>
+      </p:sp>
+      <p:sp>
+        <p:nvSpPr>
+          <p:cNvPr id="7" name="Slide Number Placeholder 6"/>
+          <p:cNvSpPr>
+            <a:spLocks noGrp="1"/>
+          </p:cNvSpPr>
+          <p:nvPr>
+            <p:ph type="sldNum" sz="quarter" idx="12"/>
+          </p:nvPr>
+        </p:nvSpPr>
+        <p:spPr/>
+        <p:txBody>
+          <a:bodyPr/>
+          <a:lstStyle/>
+          <a:p>
+            <a:fld id="{0BA186CC-90F5-435E-9371-06CA05F0FD18}" type="slidenum">
+              <a:rPr lang="en-FI" smtClean="0"/>
+              <a:t>‹#›</a:t>
+            </a:fld>
+            <a:endParaRPr lang="en-FI"/>
+          </a:p>
+        </p:txBody>
+      </p:sp>
+      <p:sp>
+        <p:nvSpPr>
+          <p:cNvPr id="11" name="TextBox 10"/>
+          <p:cNvSpPr txBox="1"/>
+          <p:nvPr/>
+        </p:nvSpPr>
+        <p:spPr>
+          <a:xfrm>
+            <a:off x="990600" y="884796"/>
+            <a:ext cx="609600" cy="584776"/>
+          </a:xfrm>
+          <a:prstGeom prst="rect">
+            <a:avLst/>
+          </a:prstGeom>
+        </p:spPr>
+        <p:txBody>
+          <a:bodyPr vert="horz" lIns="91440" tIns="45720" rIns="91440" bIns="45720" rtlCol="0" anchor="ctr">
+            <a:noAutofit/>
+          </a:bodyPr>
+          <a:lstStyle>
+            <a:lvl1pPr>
+              <a:spcBef>
+                <a:spcPct val="0"/>
+              </a:spcBef>
+              <a:buNone/>
+              <a:defRPr sz="3200" b="0" cap="all">
+                <a:ln w="3175" cmpd="sng">
+                  <a:noFill/>
+                </a:ln>
+                <a:effectLst>
+                  <a:glow rad="38100">
+                    <a:schemeClr val="bg1">
+                      <a:lumMod val="65000"/>
+                      <a:lumOff val="35000"/>
+                      <a:alpha val="40000"/>
+                    </a:schemeClr>
+                  </a:glow>
+                  <a:outerShdw blurRad="28575" dist="38100" dir="14040000" algn="tl" rotWithShape="0">
+                    <a:srgbClr val="000000">
+                      <a:alpha val="25000"/>
+                    </a:srgbClr>
+                  </a:outerShdw>
+                </a:effectLst>
+              </a:defRPr>
+            </a:lvl1pPr>
+            <a:lvl2pPr>
+              <a:defRPr>
+                <a:solidFill>
+                  <a:schemeClr val="tx2"/>
+                </a:solidFill>
+              </a:defRPr>
+            </a:lvl2pPr>
+            <a:lvl3pPr>
+              <a:defRPr>
+                <a:solidFill>
+                  <a:schemeClr val="tx2"/>
+                </a:solidFill>
+              </a:defRPr>
+            </a:lvl3pPr>
+            <a:lvl4pPr>
+              <a:defRPr>
+                <a:solidFill>
+                  <a:schemeClr val="tx2"/>
+                </a:solidFill>
+              </a:defRPr>
+            </a:lvl4pPr>
+            <a:lvl5pPr>
+              <a:defRPr>
+                <a:solidFill>
+                  <a:schemeClr val="tx2"/>
+                </a:solidFill>
+              </a:defRPr>
+            </a:lvl5pPr>
+            <a:lvl6pPr>
+              <a:defRPr>
+                <a:solidFill>
+                  <a:schemeClr val="tx2"/>
+                </a:solidFill>
+              </a:defRPr>
+            </a:lvl6pPr>
+            <a:lvl7pPr>
+              <a:defRPr>
+                <a:solidFill>
+                  <a:schemeClr val="tx2"/>
+                </a:solidFill>
+              </a:defRPr>
+            </a:lvl7pPr>
+            <a:lvl8pPr>
+              <a:defRPr>
+                <a:solidFill>
+                  <a:schemeClr val="tx2"/>
+                </a:solidFill>
+              </a:defRPr>
+            </a:lvl8pPr>
+            <a:lvl9pPr>
+              <a:defRPr>
+                <a:solidFill>
+                  <a:schemeClr val="tx2"/>
+                </a:solidFill>
+              </a:defRPr>
+            </a:lvl9pPr>
+          </a:lstStyle>
+          <a:p>
+            <a:pPr lvl="0"/>
+            <a:r>
+              <a:rPr lang="en-US" sz="8000" dirty="0">
+                <a:solidFill>
+                  <a:schemeClr val="tx1"/>
+                </a:solidFill>
+                <a:effectLst/>
+              </a:rPr>
+              <a:t>“</a:t>
+            </a:r>
+          </a:p>
+        </p:txBody>
+      </p:sp>
+      <p:sp>
+        <p:nvSpPr>
+          <p:cNvPr id="13" name="TextBox 12"/>
+          <p:cNvSpPr txBox="1"/>
+          <p:nvPr/>
+        </p:nvSpPr>
+        <p:spPr>
+          <a:xfrm>
+            <a:off x="10504716" y="2928258"/>
+            <a:ext cx="609600" cy="584776"/>
+          </a:xfrm>
+          <a:prstGeom prst="rect">
+            <a:avLst/>
+          </a:prstGeom>
+        </p:spPr>
+        <p:txBody>
+          <a:bodyPr vert="horz" lIns="91440" tIns="45720" rIns="91440" bIns="45720" rtlCol="0" anchor="ctr">
+            <a:noAutofit/>
+          </a:bodyPr>
+          <a:lstStyle>
+            <a:lvl1pPr>
+              <a:spcBef>
+                <a:spcPct val="0"/>
+              </a:spcBef>
+              <a:buNone/>
+              <a:defRPr sz="3200" b="0" cap="all">
+                <a:ln w="3175" cmpd="sng">
+                  <a:noFill/>
+                </a:ln>
+                <a:effectLst>
+                  <a:glow rad="38100">
+                    <a:schemeClr val="bg1">
+                      <a:lumMod val="65000"/>
+                      <a:lumOff val="35000"/>
+                      <a:alpha val="40000"/>
+                    </a:schemeClr>
+                  </a:glow>
+                  <a:outerShdw blurRad="28575" dist="38100" dir="14040000" algn="tl" rotWithShape="0">
+                    <a:srgbClr val="000000">
+                      <a:alpha val="25000"/>
+                    </a:srgbClr>
+                  </a:outerShdw>
+                </a:effectLst>
+              </a:defRPr>
+            </a:lvl1pPr>
+            <a:lvl2pPr>
+              <a:defRPr>
+                <a:solidFill>
+                  <a:schemeClr val="tx2"/>
+                </a:solidFill>
+              </a:defRPr>
+            </a:lvl2pPr>
+            <a:lvl3pPr>
+              <a:defRPr>
+                <a:solidFill>
+                  <a:schemeClr val="tx2"/>
+                </a:solidFill>
+              </a:defRPr>
+            </a:lvl3pPr>
+            <a:lvl4pPr>
+              <a:defRPr>
+                <a:solidFill>
+                  <a:schemeClr val="tx2"/>
+                </a:solidFill>
+              </a:defRPr>
+            </a:lvl4pPr>
+            <a:lvl5pPr>
+              <a:defRPr>
+                <a:solidFill>
+                  <a:schemeClr val="tx2"/>
+                </a:solidFill>
+              </a:defRPr>
+            </a:lvl5pPr>
+            <a:lvl6pPr>
+              <a:defRPr>
+                <a:solidFill>
+                  <a:schemeClr val="tx2"/>
+                </a:solidFill>
+              </a:defRPr>
+            </a:lvl6pPr>
+            <a:lvl7pPr>
+              <a:defRPr>
+                <a:solidFill>
+                  <a:schemeClr val="tx2"/>
+                </a:solidFill>
+              </a:defRPr>
+            </a:lvl7pPr>
+            <a:lvl8pPr>
+              <a:defRPr>
+                <a:solidFill>
+                  <a:schemeClr val="tx2"/>
+                </a:solidFill>
+              </a:defRPr>
+            </a:lvl8pPr>
+            <a:lvl9pPr>
+              <a:defRPr>
+                <a:solidFill>
+                  <a:schemeClr val="tx2"/>
+                </a:solidFill>
+              </a:defRPr>
+            </a:lvl9pPr>
+          </a:lstStyle>
+          <a:p>
+            <a:pPr lvl="0" algn="r"/>
+            <a:r>
+              <a:rPr lang="en-US" sz="8000" dirty="0">
+                <a:solidFill>
+                  <a:schemeClr val="tx1"/>
+                </a:solidFill>
+                <a:effectLst/>
+              </a:rPr>
+              <a:t>”</a:t>
+            </a:r>
+          </a:p>
+        </p:txBody>
+      </p:sp>
+    </p:spTree>
+    <p:extLst>
+      <p:ext uri="{BB962C8B-B14F-4D97-AF65-F5344CB8AC3E}">
+        <p14:creationId xmlns:p14="http://schemas.microsoft.com/office/powerpoint/2010/main" val="2242827258"/>
+      </p:ext>
+    </p:extLst>
+  </p:cSld>
+  <p:clrMapOvr>
+    <a:masterClrMapping/>
+  </p:clrMapOvr>
+</p:sldLayout>
+</file>
+
+<file path=ppt/slideLayouts/slideLayout13.xml><?xml version="1.0" encoding="utf-8"?>
+<p:sldLayout xmlns:a="http://schemas.openxmlformats.org/drawingml/2006/main" xmlns:r="http://schemas.openxmlformats.org/officeDocument/2006/relationships" xmlns:p="http://schemas.openxmlformats.org/presentationml/2006/main" preserve="1">
+  <p:cSld name="Name Card">
+    <p:spTree>
+      <p:nvGrpSpPr>
+        <p:cNvPr id="1" name=""/>
+        <p:cNvGrpSpPr/>
+        <p:nvPr/>
+      </p:nvGrpSpPr>
+      <p:grpSpPr>
+        <a:xfrm>
+          <a:off x="0" y="0"/>
+          <a:ext cx="0" cy="0"/>
+          <a:chOff x="0" y="0"/>
+          <a:chExt cx="0" cy="0"/>
+        </a:xfrm>
+      </p:grpSpPr>
+      <p:sp>
+        <p:nvSpPr>
+          <p:cNvPr id="2" name="Title 1"/>
+          <p:cNvSpPr>
+            <a:spLocks noGrp="1"/>
+          </p:cNvSpPr>
+          <p:nvPr>
+            <p:ph type="title"/>
+          </p:nvPr>
+        </p:nvSpPr>
+        <p:spPr>
+          <a:xfrm>
+            <a:off x="913794" y="2126942"/>
+            <a:ext cx="10353763" cy="2511835"/>
+          </a:xfrm>
+        </p:spPr>
+        <p:txBody>
+          <a:bodyPr anchor="b"/>
+          <a:lstStyle>
+            <a:lvl1pPr>
+              <a:defRPr sz="3200"/>
+            </a:lvl1pPr>
+          </a:lstStyle>
+          <a:p>
+            <a:r>
+              <a:rPr lang="en-US"/>
+              <a:t>Click to edit Master title style</a:t>
+            </a:r>
+            <a:endParaRPr lang="en-US" dirty="0"/>
+          </a:p>
+        </p:txBody>
+      </p:sp>
+      <p:sp>
+        <p:nvSpPr>
+          <p:cNvPr id="4" name="Text Placeholder 3"/>
+          <p:cNvSpPr>
+            <a:spLocks noGrp="1"/>
+          </p:cNvSpPr>
+          <p:nvPr>
+            <p:ph type="body" sz="half" idx="2"/>
+          </p:nvPr>
+        </p:nvSpPr>
+        <p:spPr>
+          <a:xfrm>
+            <a:off x="913784" y="4650556"/>
+            <a:ext cx="10352199" cy="1140644"/>
+          </a:xfrm>
+        </p:spPr>
+        <p:txBody>
+          <a:bodyPr anchor="t"/>
+          <a:lstStyle>
+            <a:lvl1pPr marL="0" indent="0" algn="ctr">
+              <a:buNone/>
+              <a:defRPr sz="1600"/>
+            </a:lvl1pPr>
+            <a:lvl2pPr marL="457200" indent="0">
+              <a:buNone/>
+              <a:defRPr sz="1400"/>
+            </a:lvl2pPr>
+            <a:lvl3pPr marL="914400" indent="0">
+              <a:buNone/>
+              <a:defRPr sz="1200"/>
+            </a:lvl3pPr>
+            <a:lvl4pPr marL="1371600" indent="0">
+              <a:buNone/>
+              <a:defRPr sz="1000"/>
+            </a:lvl4pPr>
+            <a:lvl5pPr marL="1828800" indent="0">
+              <a:buNone/>
+              <a:defRPr sz="1000"/>
+            </a:lvl5pPr>
+            <a:lvl6pPr marL="2286000" indent="0">
+              <a:buNone/>
+              <a:defRPr sz="1000"/>
+            </a:lvl6pPr>
+            <a:lvl7pPr marL="2743200" indent="0">
+              <a:buNone/>
+              <a:defRPr sz="1000"/>
+            </a:lvl7pPr>
+            <a:lvl8pPr marL="3200400" indent="0">
+              <a:buNone/>
+              <a:defRPr sz="1000"/>
+            </a:lvl8pPr>
+            <a:lvl9pPr marL="3657600" indent="0">
+              <a:buNone/>
+              <a:defRPr sz="1000"/>
+            </a:lvl9pPr>
+          </a:lstStyle>
+          <a:p>
+            <a:pPr lvl="0"/>
+            <a:r>
+              <a:rPr lang="en-US"/>
+              <a:t>Click to edit Master text styles</a:t>
+            </a:r>
+          </a:p>
+        </p:txBody>
+      </p:sp>
+      <p:sp>
+        <p:nvSpPr>
+          <p:cNvPr id="5" name="Date Placeholder 4"/>
+          <p:cNvSpPr>
+            <a:spLocks noGrp="1"/>
+          </p:cNvSpPr>
+          <p:nvPr>
+            <p:ph type="dt" sz="half" idx="10"/>
+          </p:nvPr>
+        </p:nvSpPr>
+        <p:spPr/>
+        <p:txBody>
+          <a:bodyPr/>
+          <a:lstStyle/>
+          <a:p>
+            <a:fld id="{4EF22D02-7338-4660-922A-63734C7FA6B5}" type="datetimeFigureOut">
+              <a:rPr lang="en-FI" smtClean="0"/>
+              <a:t>07/08/2024</a:t>
+            </a:fld>
+            <a:endParaRPr lang="en-FI"/>
+          </a:p>
+        </p:txBody>
+      </p:sp>
+      <p:sp>
+        <p:nvSpPr>
+          <p:cNvPr id="6" name="Footer Placeholder 5"/>
+          <p:cNvSpPr>
+            <a:spLocks noGrp="1"/>
+          </p:cNvSpPr>
+          <p:nvPr>
+            <p:ph type="ftr" sz="quarter" idx="11"/>
+          </p:nvPr>
+        </p:nvSpPr>
+        <p:spPr/>
+        <p:txBody>
+          <a:bodyPr/>
+          <a:lstStyle/>
+          <a:p>
+            <a:endParaRPr lang="en-FI"/>
+          </a:p>
+        </p:txBody>
+      </p:sp>
+      <p:sp>
+        <p:nvSpPr>
+          <p:cNvPr id="7" name="Slide Number Placeholder 6"/>
+          <p:cNvSpPr>
+            <a:spLocks noGrp="1"/>
+          </p:cNvSpPr>
+          <p:nvPr>
+            <p:ph type="sldNum" sz="quarter" idx="12"/>
+          </p:nvPr>
+        </p:nvSpPr>
+        <p:spPr/>
+        <p:txBody>
+          <a:bodyPr/>
+          <a:lstStyle/>
+          <a:p>
+            <a:fld id="{0BA186CC-90F5-435E-9371-06CA05F0FD18}" type="slidenum">
+              <a:rPr lang="en-FI" smtClean="0"/>
+              <a:t>‹#›</a:t>
+            </a:fld>
+            <a:endParaRPr lang="en-FI"/>
+          </a:p>
+        </p:txBody>
+      </p:sp>
+    </p:spTree>
+    <p:extLst>
+      <p:ext uri="{BB962C8B-B14F-4D97-AF65-F5344CB8AC3E}">
+        <p14:creationId xmlns:p14="http://schemas.microsoft.com/office/powerpoint/2010/main" val="4196967882"/>
+      </p:ext>
+    </p:extLst>
+  </p:cSld>
+  <p:clrMapOvr>
+    <a:masterClrMapping/>
+  </p:clrMapOvr>
+</p:sldLayout>
+</file>
+
+<file path=ppt/slideLayouts/slideLayout14.xml><?xml version="1.0" encoding="utf-8"?>
+<p:sldLayout xmlns:a="http://schemas.openxmlformats.org/drawingml/2006/main" xmlns:r="http://schemas.openxmlformats.org/officeDocument/2006/relationships" xmlns:p="http://schemas.openxmlformats.org/presentationml/2006/main" preserve="1">
+  <p:cSld name="3 Column">
+    <p:spTree>
+      <p:nvGrpSpPr>
+        <p:cNvPr id="1" name=""/>
+        <p:cNvGrpSpPr/>
+        <p:nvPr/>
+      </p:nvGrpSpPr>
+      <p:grpSpPr>
+        <a:xfrm>
+          <a:off x="0" y="0"/>
+          <a:ext cx="0" cy="0"/>
+          <a:chOff x="0" y="0"/>
+          <a:chExt cx="0" cy="0"/>
+        </a:xfrm>
+      </p:grpSpPr>
+      <p:sp>
+        <p:nvSpPr>
+          <p:cNvPr id="15" name="Title 1"/>
+          <p:cNvSpPr>
+            <a:spLocks noGrp="1"/>
+          </p:cNvSpPr>
+          <p:nvPr>
+            <p:ph type="title"/>
+          </p:nvPr>
+        </p:nvSpPr>
+        <p:spPr>
+          <a:xfrm>
+            <a:off x="913795" y="609600"/>
+            <a:ext cx="10353762" cy="970450"/>
+          </a:xfrm>
+        </p:spPr>
+        <p:txBody>
+          <a:bodyPr/>
+          <a:lstStyle/>
+          <a:p>
+            <a:r>
+              <a:rPr lang="en-US"/>
+              <a:t>Click to edit Master title style</a:t>
+            </a:r>
+            <a:endParaRPr lang="en-US" dirty="0"/>
+          </a:p>
+        </p:txBody>
+      </p:sp>
+      <p:sp>
+        <p:nvSpPr>
+          <p:cNvPr id="7" name="Text Placeholder 2"/>
+          <p:cNvSpPr>
+            <a:spLocks noGrp="1"/>
+          </p:cNvSpPr>
+          <p:nvPr>
+            <p:ph type="body" idx="1"/>
+          </p:nvPr>
+        </p:nvSpPr>
+        <p:spPr>
+          <a:xfrm>
+            <a:off x="913795" y="1885950"/>
+            <a:ext cx="3300984" cy="576262"/>
+          </a:xfrm>
+        </p:spPr>
+        <p:txBody>
+          <a:bodyPr anchor="b">
+            <a:noAutofit/>
+          </a:bodyPr>
+          <a:lstStyle>
+            <a:lvl1pPr marL="0" indent="0" algn="ctr">
+              <a:buNone/>
+              <a:defRPr sz="2400" b="0">
+                <a:solidFill>
+                  <a:schemeClr val="tx1"/>
+                </a:solidFill>
+              </a:defRPr>
+            </a:lvl1pPr>
+            <a:lvl2pPr marL="457200" indent="0">
+              <a:buNone/>
+              <a:defRPr sz="2000" b="1"/>
+            </a:lvl2pPr>
+            <a:lvl3pPr marL="914400" indent="0">
+              <a:buNone/>
+              <a:defRPr sz="1800" b="1"/>
+            </a:lvl3pPr>
+            <a:lvl4pPr marL="1371600" indent="0">
+              <a:buNone/>
+              <a:defRPr sz="1600" b="1"/>
+            </a:lvl4pPr>
+            <a:lvl5pPr marL="1828800" indent="0">
+              <a:buNone/>
+              <a:defRPr sz="1600" b="1"/>
+            </a:lvl5pPr>
+            <a:lvl6pPr marL="2286000" indent="0">
+              <a:buNone/>
+              <a:defRPr sz="1600" b="1"/>
+            </a:lvl6pPr>
+            <a:lvl7pPr marL="2743200" indent="0">
+              <a:buNone/>
+              <a:defRPr sz="1600" b="1"/>
+            </a:lvl7pPr>
+            <a:lvl8pPr marL="3200400" indent="0">
+              <a:buNone/>
+              <a:defRPr sz="1600" b="1"/>
+            </a:lvl8pPr>
+            <a:lvl9pPr marL="3657600" indent="0">
+              <a:buNone/>
+              <a:defRPr sz="1600" b="1"/>
+            </a:lvl9pPr>
+          </a:lstStyle>
+          <a:p>
+            <a:pPr lvl="0"/>
+            <a:r>
+              <a:rPr lang="en-US"/>
+              <a:t>Click to edit Master text styles</a:t>
+            </a:r>
+          </a:p>
+        </p:txBody>
+      </p:sp>
+      <p:sp>
+        <p:nvSpPr>
+          <p:cNvPr id="8" name="Text Placeholder 3"/>
+          <p:cNvSpPr>
+            <a:spLocks noGrp="1"/>
+          </p:cNvSpPr>
+          <p:nvPr>
+            <p:ph type="body" sz="half" idx="15"/>
+          </p:nvPr>
+        </p:nvSpPr>
+        <p:spPr>
+          <a:xfrm>
+            <a:off x="913795" y="2571750"/>
+            <a:ext cx="3300984" cy="3219450"/>
+          </a:xfrm>
+        </p:spPr>
+        <p:txBody>
+          <a:bodyPr anchor="t">
+            <a:normAutofit/>
+          </a:bodyPr>
+          <a:lstStyle>
+            <a:lvl1pPr marL="0" indent="0" algn="ctr">
+              <a:buNone/>
+              <a:defRPr sz="1400"/>
+            </a:lvl1pPr>
+            <a:lvl2pPr marL="457200" indent="0">
+              <a:buNone/>
+              <a:defRPr sz="1200"/>
+            </a:lvl2pPr>
+            <a:lvl3pPr marL="914400" indent="0">
+              <a:buNone/>
+              <a:defRPr sz="1000"/>
+            </a:lvl3pPr>
+            <a:lvl4pPr marL="1371600" indent="0">
+              <a:buNone/>
+              <a:defRPr sz="900"/>
+            </a:lvl4pPr>
+            <a:lvl5pPr marL="1828800" indent="0">
+              <a:buNone/>
+              <a:defRPr sz="900"/>
+            </a:lvl5pPr>
+            <a:lvl6pPr marL="2286000" indent="0">
+              <a:buNone/>
+              <a:defRPr sz="900"/>
+            </a:lvl6pPr>
+            <a:lvl7pPr marL="2743200" indent="0">
+              <a:buNone/>
+              <a:defRPr sz="900"/>
+            </a:lvl7pPr>
+            <a:lvl8pPr marL="3200400" indent="0">
+              <a:buNone/>
+              <a:defRPr sz="900"/>
+            </a:lvl8pPr>
+            <a:lvl9pPr marL="3657600" indent="0">
+              <a:buNone/>
+              <a:defRPr sz="900"/>
+            </a:lvl9pPr>
+          </a:lstStyle>
+          <a:p>
+            <a:pPr lvl="0"/>
+            <a:r>
+              <a:rPr lang="en-US"/>
+              <a:t>Click to edit Master text styles</a:t>
+            </a:r>
+          </a:p>
+        </p:txBody>
+      </p:sp>
+      <p:sp>
+        <p:nvSpPr>
+          <p:cNvPr id="9" name="Text Placeholder 4"/>
+          <p:cNvSpPr>
+            <a:spLocks noGrp="1"/>
+          </p:cNvSpPr>
+          <p:nvPr>
+            <p:ph type="body" sz="quarter" idx="3"/>
+          </p:nvPr>
+        </p:nvSpPr>
+        <p:spPr>
+          <a:xfrm>
+            <a:off x="4446711" y="1885950"/>
+            <a:ext cx="3300984" cy="576262"/>
+          </a:xfrm>
+        </p:spPr>
+        <p:txBody>
+          <a:bodyPr anchor="b">
+            <a:noAutofit/>
+          </a:bodyPr>
+          <a:lstStyle>
+            <a:lvl1pPr marL="0" indent="0" algn="ctr">
+              <a:buNone/>
+              <a:defRPr sz="2400" b="0">
+                <a:solidFill>
+                  <a:schemeClr val="tx1"/>
+                </a:solidFill>
+              </a:defRPr>
+            </a:lvl1pPr>
+            <a:lvl2pPr marL="457200" indent="0">
+              <a:buNone/>
+              <a:defRPr sz="2000" b="1"/>
+            </a:lvl2pPr>
+            <a:lvl3pPr marL="914400" indent="0">
+              <a:buNone/>
+              <a:defRPr sz="1800" b="1"/>
+            </a:lvl3pPr>
+            <a:lvl4pPr marL="1371600" indent="0">
+              <a:buNone/>
+              <a:defRPr sz="1600" b="1"/>
+            </a:lvl4pPr>
+            <a:lvl5pPr marL="1828800" indent="0">
+              <a:buNone/>
+              <a:defRPr sz="1600" b="1"/>
+            </a:lvl5pPr>
+            <a:lvl6pPr marL="2286000" indent="0">
+              <a:buNone/>
+              <a:defRPr sz="1600" b="1"/>
+            </a:lvl6pPr>
+            <a:lvl7pPr marL="2743200" indent="0">
+              <a:buNone/>
+              <a:defRPr sz="1600" b="1"/>
+            </a:lvl7pPr>
+            <a:lvl8pPr marL="3200400" indent="0">
+              <a:buNone/>
+              <a:defRPr sz="1600" b="1"/>
+            </a:lvl8pPr>
+            <a:lvl9pPr marL="3657600" indent="0">
+              <a:buNone/>
+              <a:defRPr sz="1600" b="1"/>
+            </a:lvl9pPr>
+          </a:lstStyle>
+          <a:p>
+            <a:pPr lvl="0"/>
+            <a:r>
+              <a:rPr lang="en-US"/>
+              <a:t>Click to edit Master text styles</a:t>
+            </a:r>
+          </a:p>
+        </p:txBody>
+      </p:sp>
+      <p:sp>
+        <p:nvSpPr>
+          <p:cNvPr id="10" name="Text Placeholder 3"/>
+          <p:cNvSpPr>
+            <a:spLocks noGrp="1"/>
+          </p:cNvSpPr>
+          <p:nvPr>
+            <p:ph type="body" sz="half" idx="16"/>
+          </p:nvPr>
+        </p:nvSpPr>
+        <p:spPr>
+          <a:xfrm>
+            <a:off x="4441435" y="2571750"/>
+            <a:ext cx="3300984" cy="3219450"/>
+          </a:xfrm>
+        </p:spPr>
+        <p:txBody>
+          <a:bodyPr anchor="t">
+            <a:normAutofit/>
+          </a:bodyPr>
+          <a:lstStyle>
+            <a:lvl1pPr marL="0" indent="0" algn="ctr">
+              <a:buNone/>
+              <a:defRPr sz="1400"/>
+            </a:lvl1pPr>
+            <a:lvl2pPr marL="457200" indent="0">
+              <a:buNone/>
+              <a:defRPr sz="1200"/>
+            </a:lvl2pPr>
+            <a:lvl3pPr marL="914400" indent="0">
+              <a:buNone/>
+              <a:defRPr sz="1000"/>
+            </a:lvl3pPr>
+            <a:lvl4pPr marL="1371600" indent="0">
+              <a:buNone/>
+              <a:defRPr sz="900"/>
+            </a:lvl4pPr>
+            <a:lvl5pPr marL="1828800" indent="0">
+              <a:buNone/>
+              <a:defRPr sz="900"/>
+            </a:lvl5pPr>
+            <a:lvl6pPr marL="2286000" indent="0">
+              <a:buNone/>
+              <a:defRPr sz="900"/>
+            </a:lvl6pPr>
+            <a:lvl7pPr marL="2743200" indent="0">
+              <a:buNone/>
+              <a:defRPr sz="900"/>
+            </a:lvl7pPr>
+            <a:lvl8pPr marL="3200400" indent="0">
+              <a:buNone/>
+              <a:defRPr sz="900"/>
+            </a:lvl8pPr>
+            <a:lvl9pPr marL="3657600" indent="0">
+              <a:buNone/>
+              <a:defRPr sz="900"/>
+            </a:lvl9pPr>
+          </a:lstStyle>
+          <a:p>
+            <a:pPr lvl="0"/>
+            <a:r>
+              <a:rPr lang="en-US"/>
+              <a:t>Click to edit Master text styles</a:t>
+            </a:r>
+          </a:p>
+        </p:txBody>
+      </p:sp>
+      <p:sp>
+        <p:nvSpPr>
+          <p:cNvPr id="11" name="Text Placeholder 4"/>
+          <p:cNvSpPr>
+            <a:spLocks noGrp="1"/>
+          </p:cNvSpPr>
+          <p:nvPr>
+            <p:ph type="body" sz="quarter" idx="13"/>
+          </p:nvPr>
+        </p:nvSpPr>
+        <p:spPr>
+          <a:xfrm>
+            <a:off x="7966572" y="1885950"/>
+            <a:ext cx="3300984" cy="576262"/>
+          </a:xfrm>
+        </p:spPr>
+        <p:txBody>
+          <a:bodyPr anchor="b">
+            <a:noAutofit/>
+          </a:bodyPr>
+          <a:lstStyle>
+            <a:lvl1pPr marL="0" indent="0" algn="ctr">
+              <a:buNone/>
+              <a:defRPr sz="2400" b="0">
+                <a:solidFill>
+                  <a:schemeClr val="tx1"/>
+                </a:solidFill>
+              </a:defRPr>
+            </a:lvl1pPr>
+            <a:lvl2pPr marL="457200" indent="0">
+              <a:buNone/>
+              <a:defRPr sz="2000" b="1"/>
+            </a:lvl2pPr>
+            <a:lvl3pPr marL="914400" indent="0">
+              <a:buNone/>
+              <a:defRPr sz="1800" b="1"/>
+            </a:lvl3pPr>
+            <a:lvl4pPr marL="1371600" indent="0">
+              <a:buNone/>
+              <a:defRPr sz="1600" b="1"/>
+            </a:lvl4pPr>
+            <a:lvl5pPr marL="1828800" indent="0">
+              <a:buNone/>
+              <a:defRPr sz="1600" b="1"/>
+            </a:lvl5pPr>
+            <a:lvl6pPr marL="2286000" indent="0">
+              <a:buNone/>
+              <a:defRPr sz="1600" b="1"/>
+            </a:lvl6pPr>
+            <a:lvl7pPr marL="2743200" indent="0">
+              <a:buNone/>
+              <a:defRPr sz="1600" b="1"/>
+            </a:lvl7pPr>
+            <a:lvl8pPr marL="3200400" indent="0">
+              <a:buNone/>
+              <a:defRPr sz="1600" b="1"/>
+            </a:lvl8pPr>
+            <a:lvl9pPr marL="3657600" indent="0">
+              <a:buNone/>
+              <a:defRPr sz="1600" b="1"/>
+            </a:lvl9pPr>
+          </a:lstStyle>
+          <a:p>
+            <a:pPr lvl="0"/>
+            <a:r>
+              <a:rPr lang="en-US"/>
+              <a:t>Click to edit Master text styles</a:t>
+            </a:r>
+          </a:p>
+        </p:txBody>
+      </p:sp>
+      <p:sp>
+        <p:nvSpPr>
+          <p:cNvPr id="12" name="Text Placeholder 3"/>
+          <p:cNvSpPr>
+            <a:spLocks noGrp="1"/>
+          </p:cNvSpPr>
+          <p:nvPr>
+            <p:ph type="body" sz="half" idx="17"/>
+          </p:nvPr>
+        </p:nvSpPr>
+        <p:spPr>
+          <a:xfrm>
+            <a:off x="7966572" y="2571750"/>
+            <a:ext cx="3300984" cy="3219450"/>
+          </a:xfrm>
+        </p:spPr>
+        <p:txBody>
+          <a:bodyPr anchor="t">
+            <a:normAutofit/>
+          </a:bodyPr>
+          <a:lstStyle>
+            <a:lvl1pPr marL="0" indent="0" algn="ctr">
+              <a:buNone/>
+              <a:defRPr sz="1400"/>
+            </a:lvl1pPr>
+            <a:lvl2pPr marL="457200" indent="0">
+              <a:buNone/>
+              <a:defRPr sz="1200"/>
+            </a:lvl2pPr>
+            <a:lvl3pPr marL="914400" indent="0">
+              <a:buNone/>
+              <a:defRPr sz="1000"/>
+            </a:lvl3pPr>
+            <a:lvl4pPr marL="1371600" indent="0">
+              <a:buNone/>
+              <a:defRPr sz="900"/>
+            </a:lvl4pPr>
+            <a:lvl5pPr marL="1828800" indent="0">
+              <a:buNone/>
+              <a:defRPr sz="900"/>
+            </a:lvl5pPr>
+            <a:lvl6pPr marL="2286000" indent="0">
+              <a:buNone/>
+              <a:defRPr sz="900"/>
+            </a:lvl6pPr>
+            <a:lvl7pPr marL="2743200" indent="0">
+              <a:buNone/>
+              <a:defRPr sz="900"/>
+            </a:lvl7pPr>
+            <a:lvl8pPr marL="3200400" indent="0">
+              <a:buNone/>
+              <a:defRPr sz="900"/>
+            </a:lvl8pPr>
+            <a:lvl9pPr marL="3657600" indent="0">
+              <a:buNone/>
+              <a:defRPr sz="900"/>
+            </a:lvl9pPr>
+          </a:lstStyle>
+          <a:p>
+            <a:pPr lvl="0"/>
+            <a:r>
+              <a:rPr lang="en-US"/>
+              <a:t>Click to edit Master text styles</a:t>
+            </a:r>
+          </a:p>
+        </p:txBody>
+      </p:sp>
+      <p:sp>
+        <p:nvSpPr>
+          <p:cNvPr id="3" name="Date Placeholder 2"/>
+          <p:cNvSpPr>
+            <a:spLocks noGrp="1"/>
+          </p:cNvSpPr>
+          <p:nvPr>
+            <p:ph type="dt" sz="half" idx="10"/>
+          </p:nvPr>
+        </p:nvSpPr>
+        <p:spPr/>
+        <p:txBody>
+          <a:bodyPr/>
+          <a:lstStyle/>
+          <a:p>
+            <a:fld id="{4EF22D02-7338-4660-922A-63734C7FA6B5}" type="datetimeFigureOut">
+              <a:rPr lang="en-FI" smtClean="0"/>
+              <a:t>07/08/2024</a:t>
+            </a:fld>
+            <a:endParaRPr lang="en-FI"/>
+          </a:p>
+        </p:txBody>
+      </p:sp>
+      <p:sp>
+        <p:nvSpPr>
+          <p:cNvPr id="4" name="Footer Placeholder 3"/>
+          <p:cNvSpPr>
+            <a:spLocks noGrp="1"/>
+          </p:cNvSpPr>
+          <p:nvPr>
+            <p:ph type="ftr" sz="quarter" idx="11"/>
+          </p:nvPr>
+        </p:nvSpPr>
+        <p:spPr/>
+        <p:txBody>
+          <a:bodyPr/>
+          <a:lstStyle/>
+          <a:p>
+            <a:endParaRPr lang="en-FI"/>
+          </a:p>
+        </p:txBody>
+      </p:sp>
+      <p:sp>
+        <p:nvSpPr>
+          <p:cNvPr id="5" name="Slide Number Placeholder 4"/>
+          <p:cNvSpPr>
+            <a:spLocks noGrp="1"/>
+          </p:cNvSpPr>
+          <p:nvPr>
+            <p:ph type="sldNum" sz="quarter" idx="12"/>
+          </p:nvPr>
+        </p:nvSpPr>
+        <p:spPr/>
+        <p:txBody>
+          <a:bodyPr/>
+          <a:lstStyle/>
+          <a:p>
+            <a:fld id="{0BA186CC-90F5-435E-9371-06CA05F0FD18}" type="slidenum">
+              <a:rPr lang="en-FI" smtClean="0"/>
+              <a:t>‹#›</a:t>
+            </a:fld>
+            <a:endParaRPr lang="en-FI"/>
+          </a:p>
+        </p:txBody>
+      </p:sp>
+    </p:spTree>
+    <p:extLst>
+      <p:ext uri="{BB962C8B-B14F-4D97-AF65-F5344CB8AC3E}">
+        <p14:creationId xmlns:p14="http://schemas.microsoft.com/office/powerpoint/2010/main" val="3289083645"/>
+      </p:ext>
+    </p:extLst>
+  </p:cSld>
+  <p:clrMapOvr>
+    <a:masterClrMapping/>
+  </p:clrMapOvr>
+</p:sldLayout>
+</file>
+
+<file path=ppt/slideLayouts/slideLayout15.xml><?xml version="1.0" encoding="utf-8"?>
+<p:sldLayout xmlns:a="http://schemas.openxmlformats.org/drawingml/2006/main" xmlns:r="http://schemas.openxmlformats.org/officeDocument/2006/relationships" xmlns:p="http://schemas.openxmlformats.org/presentationml/2006/main" preserve="1">
+  <p:cSld name="3 Picture Column">
+    <p:spTree>
+      <p:nvGrpSpPr>
+        <p:cNvPr id="1" name=""/>
+        <p:cNvGrpSpPr/>
+        <p:nvPr/>
+      </p:nvGrpSpPr>
+      <p:grpSpPr>
+        <a:xfrm>
+          <a:off x="0" y="0"/>
+          <a:ext cx="0" cy="0"/>
+          <a:chOff x="0" y="0"/>
+          <a:chExt cx="0" cy="0"/>
+        </a:xfrm>
+      </p:grpSpPr>
+      <p:pic>
+        <p:nvPicPr>
+          <p:cNvPr id="2" name="Picture 1" descr="Slate-V2-HD-3colPhotoInset.png"/>
+          <p:cNvPicPr>
+            <a:picLocks noChangeAspect="1"/>
+          </p:cNvPicPr>
+          <p:nvPr/>
+        </p:nvPicPr>
+        <p:blipFill>
+          <a:blip r:embed="rId2">
+            <a:extLst>
+              <a:ext uri="{28A0092B-C50C-407E-A947-70E740481C1C}">
+                <a14:useLocalDpi xmlns:a14="http://schemas.microsoft.com/office/drawing/2010/main" val="0"/>
+              </a:ext>
+            </a:extLst>
+          </a:blip>
+          <a:stretch>
+            <a:fillRect/>
+          </a:stretch>
+        </p:blipFill>
+        <p:spPr>
+          <a:xfrm>
+            <a:off x="897962" y="1818214"/>
+            <a:ext cx="3339972" cy="1847851"/>
+          </a:xfrm>
+          <a:prstGeom prst="rect">
+            <a:avLst/>
+          </a:prstGeom>
+        </p:spPr>
+      </p:pic>
+      <p:pic>
+        <p:nvPicPr>
+          <p:cNvPr id="36" name="Picture 35" descr="Slate-V2-HD-3colPhotoInset.png"/>
+          <p:cNvPicPr>
+            <a:picLocks noChangeAspect="1"/>
+          </p:cNvPicPr>
+          <p:nvPr/>
+        </p:nvPicPr>
+        <p:blipFill>
+          <a:blip r:embed="rId2">
+            <a:extLst>
+              <a:ext uri="{28A0092B-C50C-407E-A947-70E740481C1C}">
+                <a14:useLocalDpi xmlns:a14="http://schemas.microsoft.com/office/drawing/2010/main" val="0"/>
+              </a:ext>
+            </a:extLst>
+          </a:blip>
+          <a:stretch>
+            <a:fillRect/>
+          </a:stretch>
+        </p:blipFill>
+        <p:spPr>
+          <a:xfrm>
+            <a:off x="4403800" y="1818214"/>
+            <a:ext cx="3339972" cy="1847851"/>
+          </a:xfrm>
+          <a:prstGeom prst="rect">
+            <a:avLst/>
+          </a:prstGeom>
+        </p:spPr>
+      </p:pic>
+      <p:pic>
+        <p:nvPicPr>
+          <p:cNvPr id="37" name="Picture 36" descr="Slate-V2-HD-3colPhotoInset.png"/>
+          <p:cNvPicPr>
+            <a:picLocks noChangeAspect="1"/>
+          </p:cNvPicPr>
+          <p:nvPr/>
+        </p:nvPicPr>
+        <p:blipFill>
+          <a:blip r:embed="rId2">
+            <a:extLst>
+              <a:ext uri="{28A0092B-C50C-407E-A947-70E740481C1C}">
+                <a14:useLocalDpi xmlns:a14="http://schemas.microsoft.com/office/drawing/2010/main" val="0"/>
+              </a:ext>
+            </a:extLst>
+          </a:blip>
+          <a:stretch>
+            <a:fillRect/>
+          </a:stretch>
+        </p:blipFill>
+        <p:spPr>
+          <a:xfrm>
+            <a:off x="7936051" y="1818214"/>
+            <a:ext cx="3339972" cy="1847851"/>
+          </a:xfrm>
+          <a:prstGeom prst="rect">
+            <a:avLst/>
+          </a:prstGeom>
+        </p:spPr>
+      </p:pic>
+      <p:sp>
+        <p:nvSpPr>
+          <p:cNvPr id="30" name="Title 1"/>
+          <p:cNvSpPr>
+            <a:spLocks noGrp="1"/>
+          </p:cNvSpPr>
+          <p:nvPr>
+            <p:ph type="title"/>
+          </p:nvPr>
+        </p:nvSpPr>
+        <p:spPr>
+          <a:xfrm>
+            <a:off x="913794" y="609600"/>
+            <a:ext cx="10353763" cy="970450"/>
+          </a:xfrm>
+        </p:spPr>
+        <p:txBody>
+          <a:bodyPr/>
+          <a:lstStyle/>
+          <a:p>
+            <a:r>
+              <a:rPr lang="en-US"/>
+              <a:t>Click to edit Master title style</a:t>
+            </a:r>
+            <a:endParaRPr lang="en-US" dirty="0"/>
+          </a:p>
+        </p:txBody>
+      </p:sp>
+      <p:sp>
+        <p:nvSpPr>
+          <p:cNvPr id="19" name="Text Placeholder 2"/>
+          <p:cNvSpPr>
+            <a:spLocks noGrp="1"/>
+          </p:cNvSpPr>
+          <p:nvPr>
+            <p:ph type="body" idx="1"/>
+          </p:nvPr>
+        </p:nvSpPr>
+        <p:spPr>
+          <a:xfrm>
+            <a:off x="913795" y="3904106"/>
+            <a:ext cx="3300984" cy="576262"/>
+          </a:xfrm>
+        </p:spPr>
+        <p:txBody>
+          <a:bodyPr anchor="b">
+            <a:noAutofit/>
+          </a:bodyPr>
+          <a:lstStyle>
+            <a:lvl1pPr marL="0" indent="0" algn="ctr">
+              <a:buNone/>
+              <a:defRPr sz="2000" b="0">
+                <a:solidFill>
+                  <a:schemeClr val="tx1"/>
+                </a:solidFill>
+              </a:defRPr>
+            </a:lvl1pPr>
+            <a:lvl2pPr marL="457200" indent="0">
+              <a:buNone/>
+              <a:defRPr sz="2000" b="1"/>
+            </a:lvl2pPr>
+            <a:lvl3pPr marL="914400" indent="0">
+              <a:buNone/>
+              <a:defRPr sz="1800" b="1"/>
+            </a:lvl3pPr>
+            <a:lvl4pPr marL="1371600" indent="0">
+              <a:buNone/>
+              <a:defRPr sz="1600" b="1"/>
+            </a:lvl4pPr>
+            <a:lvl5pPr marL="1828800" indent="0">
+              <a:buNone/>
+              <a:defRPr sz="1600" b="1"/>
+            </a:lvl5pPr>
+            <a:lvl6pPr marL="2286000" indent="0">
+              <a:buNone/>
+              <a:defRPr sz="1600" b="1"/>
+            </a:lvl6pPr>
+            <a:lvl7pPr marL="2743200" indent="0">
+              <a:buNone/>
+              <a:defRPr sz="1600" b="1"/>
+            </a:lvl7pPr>
+            <a:lvl8pPr marL="3200400" indent="0">
+              <a:buNone/>
+              <a:defRPr sz="1600" b="1"/>
+            </a:lvl8pPr>
+            <a:lvl9pPr marL="3657600" indent="0">
+              <a:buNone/>
+              <a:defRPr sz="1600" b="1"/>
+            </a:lvl9pPr>
+          </a:lstStyle>
+          <a:p>
+            <a:pPr lvl="0"/>
+            <a:r>
+              <a:rPr lang="en-US"/>
+              <a:t>Click to edit Master text styles</a:t>
+            </a:r>
+          </a:p>
+        </p:txBody>
+      </p:sp>
+      <p:sp>
+        <p:nvSpPr>
+          <p:cNvPr id="20" name="Picture Placeholder 2"/>
+          <p:cNvSpPr>
+            <a:spLocks noGrp="1" noChangeAspect="1"/>
+          </p:cNvSpPr>
+          <p:nvPr>
+            <p:ph type="pic" idx="15"/>
+          </p:nvPr>
+        </p:nvSpPr>
+        <p:spPr>
+          <a:xfrm>
+            <a:off x="1018102" y="1938918"/>
+            <a:ext cx="3092368" cy="1602954"/>
+          </a:xfrm>
+          <a:prstGeom prst="roundRect">
+            <a:avLst>
+              <a:gd name="adj" fmla="val 1858"/>
+            </a:avLst>
+          </a:prstGeom>
+          <a:effectLst>
+            <a:outerShdw blurRad="38100" dist="25400" dir="4440000">
+              <a:srgbClr val="000000">
+                <a:alpha val="36000"/>
+              </a:srgbClr>
+            </a:outerShdw>
+          </a:effectLst>
+        </p:spPr>
+        <p:txBody>
+          <a:bodyPr anchor="t">
+            <a:normAutofit/>
+          </a:bodyPr>
+          <a:lstStyle>
+            <a:lvl1pPr marL="0" indent="0" algn="ctr">
+              <a:buNone/>
+              <a:defRPr sz="1600"/>
+            </a:lvl1pPr>
+            <a:lvl2pPr marL="457200" indent="0">
+              <a:buNone/>
+              <a:defRPr sz="1600"/>
+            </a:lvl2pPr>
+            <a:lvl3pPr marL="914400" indent="0">
+              <a:buNone/>
+              <a:defRPr sz="1600"/>
+            </a:lvl3pPr>
+            <a:lvl4pPr marL="1371600" indent="0">
+              <a:buNone/>
+              <a:defRPr sz="1600"/>
+            </a:lvl4pPr>
+            <a:lvl5pPr marL="1828800" indent="0">
+              <a:buNone/>
+              <a:defRPr sz="1600"/>
+            </a:lvl5pPr>
+            <a:lvl6pPr marL="2286000" indent="0">
+              <a:buNone/>
+              <a:defRPr sz="1600"/>
+            </a:lvl6pPr>
+            <a:lvl7pPr marL="2743200" indent="0">
+              <a:buNone/>
+              <a:defRPr sz="1600"/>
+            </a:lvl7pPr>
+            <a:lvl8pPr marL="3200400" indent="0">
+              <a:buNone/>
+              <a:defRPr sz="1600"/>
+            </a:lvl8pPr>
+            <a:lvl9pPr marL="3657600" indent="0">
+              <a:buNone/>
+              <a:defRPr sz="1600"/>
+            </a:lvl9pPr>
+          </a:lstStyle>
+          <a:p>
+            <a:r>
+              <a:rPr lang="en-US"/>
+              <a:t>Click icon to add picture</a:t>
+            </a:r>
+            <a:endParaRPr lang="en-US" dirty="0"/>
+          </a:p>
+        </p:txBody>
+      </p:sp>
+      <p:sp>
+        <p:nvSpPr>
+          <p:cNvPr id="21" name="Text Placeholder 3"/>
+          <p:cNvSpPr>
+            <a:spLocks noGrp="1"/>
+          </p:cNvSpPr>
+          <p:nvPr>
+            <p:ph type="body" sz="half" idx="18"/>
+          </p:nvPr>
+        </p:nvSpPr>
+        <p:spPr>
+          <a:xfrm>
+            <a:off x="913795" y="4480368"/>
+            <a:ext cx="3300984" cy="1310833"/>
+          </a:xfrm>
+        </p:spPr>
+        <p:txBody>
+          <a:bodyPr anchor="t">
+            <a:normAutofit/>
+          </a:bodyPr>
+          <a:lstStyle>
+            <a:lvl1pPr marL="0" indent="0" algn="ctr">
+              <a:buNone/>
+              <a:defRPr sz="1400"/>
+            </a:lvl1pPr>
+            <a:lvl2pPr marL="457200" indent="0">
+              <a:buNone/>
+              <a:defRPr sz="1200"/>
+            </a:lvl2pPr>
+            <a:lvl3pPr marL="914400" indent="0">
+              <a:buNone/>
+              <a:defRPr sz="1000"/>
+            </a:lvl3pPr>
+            <a:lvl4pPr marL="1371600" indent="0">
+              <a:buNone/>
+              <a:defRPr sz="900"/>
+            </a:lvl4pPr>
+            <a:lvl5pPr marL="1828800" indent="0">
+              <a:buNone/>
+              <a:defRPr sz="900"/>
+            </a:lvl5pPr>
+            <a:lvl6pPr marL="2286000" indent="0">
+              <a:buNone/>
+              <a:defRPr sz="900"/>
+            </a:lvl6pPr>
+            <a:lvl7pPr marL="2743200" indent="0">
+              <a:buNone/>
+              <a:defRPr sz="900"/>
+            </a:lvl7pPr>
+            <a:lvl8pPr marL="3200400" indent="0">
+              <a:buNone/>
+              <a:defRPr sz="900"/>
+            </a:lvl8pPr>
+            <a:lvl9pPr marL="3657600" indent="0">
+              <a:buNone/>
+              <a:defRPr sz="900"/>
+            </a:lvl9pPr>
+          </a:lstStyle>
+          <a:p>
+            <a:pPr lvl="0"/>
+            <a:r>
+              <a:rPr lang="en-US"/>
+              <a:t>Click to edit Master text styles</a:t>
+            </a:r>
+          </a:p>
+        </p:txBody>
+      </p:sp>
+      <p:sp>
+        <p:nvSpPr>
+          <p:cNvPr id="22" name="Text Placeholder 4"/>
+          <p:cNvSpPr>
+            <a:spLocks noGrp="1"/>
+          </p:cNvSpPr>
+          <p:nvPr>
+            <p:ph type="body" sz="quarter" idx="3"/>
+          </p:nvPr>
+        </p:nvSpPr>
+        <p:spPr>
+          <a:xfrm>
+            <a:off x="4442788" y="3904106"/>
+            <a:ext cx="3300984" cy="576262"/>
+          </a:xfrm>
+        </p:spPr>
+        <p:txBody>
+          <a:bodyPr anchor="b">
+            <a:noAutofit/>
+          </a:bodyPr>
+          <a:lstStyle>
+            <a:lvl1pPr marL="0" indent="0" algn="ctr">
+              <a:buNone/>
+              <a:defRPr sz="2000" b="0">
+                <a:solidFill>
+                  <a:schemeClr val="tx1"/>
+                </a:solidFill>
+              </a:defRPr>
+            </a:lvl1pPr>
+            <a:lvl2pPr marL="457200" indent="0">
+              <a:buNone/>
+              <a:defRPr sz="2000" b="1"/>
+            </a:lvl2pPr>
+            <a:lvl3pPr marL="914400" indent="0">
+              <a:buNone/>
+              <a:defRPr sz="1800" b="1"/>
+            </a:lvl3pPr>
+            <a:lvl4pPr marL="1371600" indent="0">
+              <a:buNone/>
+              <a:defRPr sz="1600" b="1"/>
+            </a:lvl4pPr>
+            <a:lvl5pPr marL="1828800" indent="0">
+              <a:buNone/>
+              <a:defRPr sz="1600" b="1"/>
+            </a:lvl5pPr>
+            <a:lvl6pPr marL="2286000" indent="0">
+              <a:buNone/>
+              <a:defRPr sz="1600" b="1"/>
+            </a:lvl6pPr>
+            <a:lvl7pPr marL="2743200" indent="0">
+              <a:buNone/>
+              <a:defRPr sz="1600" b="1"/>
+            </a:lvl7pPr>
+            <a:lvl8pPr marL="3200400" indent="0">
+              <a:buNone/>
+              <a:defRPr sz="1600" b="1"/>
+            </a:lvl8pPr>
+            <a:lvl9pPr marL="3657600" indent="0">
+              <a:buNone/>
+              <a:defRPr sz="1600" b="1"/>
+            </a:lvl9pPr>
+          </a:lstStyle>
+          <a:p>
+            <a:pPr lvl="0"/>
+            <a:r>
+              <a:rPr lang="en-US"/>
+              <a:t>Click to edit Master text styles</a:t>
+            </a:r>
+          </a:p>
+        </p:txBody>
+      </p:sp>
+      <p:sp>
+        <p:nvSpPr>
+          <p:cNvPr id="23" name="Picture Placeholder 2"/>
+          <p:cNvSpPr>
+            <a:spLocks noGrp="1" noChangeAspect="1"/>
+          </p:cNvSpPr>
+          <p:nvPr>
+            <p:ph type="pic" idx="21"/>
+          </p:nvPr>
+        </p:nvSpPr>
+        <p:spPr>
+          <a:xfrm>
+            <a:off x="4545743" y="1939094"/>
+            <a:ext cx="3092368" cy="1608164"/>
+          </a:xfrm>
+          <a:prstGeom prst="roundRect">
+            <a:avLst>
+              <a:gd name="adj" fmla="val 1858"/>
+            </a:avLst>
+          </a:prstGeom>
+          <a:effectLst>
+            <a:outerShdw blurRad="38100" dist="25400" dir="4440000">
+              <a:srgbClr val="000000">
+                <a:alpha val="36000"/>
+              </a:srgbClr>
+            </a:outerShdw>
+          </a:effectLst>
+        </p:spPr>
+        <p:txBody>
+          <a:bodyPr anchor="t">
+            <a:normAutofit/>
+          </a:bodyPr>
+          <a:lstStyle>
+            <a:lvl1pPr marL="0" indent="0" algn="ctr">
+              <a:buNone/>
+              <a:defRPr sz="1600"/>
+            </a:lvl1pPr>
+            <a:lvl2pPr marL="457200" indent="0">
+              <a:buNone/>
+              <a:defRPr sz="1600"/>
+            </a:lvl2pPr>
+            <a:lvl3pPr marL="914400" indent="0">
+              <a:buNone/>
+              <a:defRPr sz="1600"/>
+            </a:lvl3pPr>
+            <a:lvl4pPr marL="1371600" indent="0">
+              <a:buNone/>
+              <a:defRPr sz="1600"/>
+            </a:lvl4pPr>
+            <a:lvl5pPr marL="1828800" indent="0">
+              <a:buNone/>
+              <a:defRPr sz="1600"/>
+            </a:lvl5pPr>
+            <a:lvl6pPr marL="2286000" indent="0">
+              <a:buNone/>
+              <a:defRPr sz="1600"/>
+            </a:lvl6pPr>
+            <a:lvl7pPr marL="2743200" indent="0">
+              <a:buNone/>
+              <a:defRPr sz="1600"/>
+            </a:lvl7pPr>
+            <a:lvl8pPr marL="3200400" indent="0">
+              <a:buNone/>
+              <a:defRPr sz="1600"/>
+            </a:lvl8pPr>
+            <a:lvl9pPr marL="3657600" indent="0">
+              <a:buNone/>
+              <a:defRPr sz="1600"/>
+            </a:lvl9pPr>
+          </a:lstStyle>
+          <a:p>
+            <a:r>
+              <a:rPr lang="en-US"/>
+              <a:t>Click icon to add picture</a:t>
+            </a:r>
+            <a:endParaRPr lang="en-US" dirty="0"/>
+          </a:p>
+        </p:txBody>
+      </p:sp>
+      <p:sp>
+        <p:nvSpPr>
+          <p:cNvPr id="24" name="Text Placeholder 3"/>
+          <p:cNvSpPr>
+            <a:spLocks noGrp="1"/>
+          </p:cNvSpPr>
+          <p:nvPr>
+            <p:ph type="body" sz="half" idx="19"/>
+          </p:nvPr>
+        </p:nvSpPr>
+        <p:spPr>
+          <a:xfrm>
+            <a:off x="4441435" y="4480367"/>
+            <a:ext cx="3300984" cy="1310833"/>
+          </a:xfrm>
+        </p:spPr>
+        <p:txBody>
+          <a:bodyPr anchor="t">
+            <a:normAutofit/>
+          </a:bodyPr>
+          <a:lstStyle>
+            <a:lvl1pPr marL="0" indent="0" algn="ctr">
+              <a:buNone/>
+              <a:defRPr sz="1400"/>
+            </a:lvl1pPr>
+            <a:lvl2pPr marL="457200" indent="0">
+              <a:buNone/>
+              <a:defRPr sz="1200"/>
+            </a:lvl2pPr>
+            <a:lvl3pPr marL="914400" indent="0">
+              <a:buNone/>
+              <a:defRPr sz="1000"/>
+            </a:lvl3pPr>
+            <a:lvl4pPr marL="1371600" indent="0">
+              <a:buNone/>
+              <a:defRPr sz="900"/>
+            </a:lvl4pPr>
+            <a:lvl5pPr marL="1828800" indent="0">
+              <a:buNone/>
+              <a:defRPr sz="900"/>
+            </a:lvl5pPr>
+            <a:lvl6pPr marL="2286000" indent="0">
+              <a:buNone/>
+              <a:defRPr sz="900"/>
+            </a:lvl6pPr>
+            <a:lvl7pPr marL="2743200" indent="0">
+              <a:buNone/>
+              <a:defRPr sz="900"/>
+            </a:lvl7pPr>
+            <a:lvl8pPr marL="3200400" indent="0">
+              <a:buNone/>
+              <a:defRPr sz="900"/>
+            </a:lvl8pPr>
+            <a:lvl9pPr marL="3657600" indent="0">
+              <a:buNone/>
+              <a:defRPr sz="900"/>
+            </a:lvl9pPr>
+          </a:lstStyle>
+          <a:p>
+            <a:pPr lvl="0"/>
+            <a:r>
+              <a:rPr lang="en-US"/>
+              <a:t>Click to edit Master text styles</a:t>
+            </a:r>
+          </a:p>
+        </p:txBody>
+      </p:sp>
+      <p:sp>
+        <p:nvSpPr>
+          <p:cNvPr id="25" name="Text Placeholder 4"/>
+          <p:cNvSpPr>
+            <a:spLocks noGrp="1"/>
+          </p:cNvSpPr>
+          <p:nvPr>
+            <p:ph type="body" sz="quarter" idx="13"/>
+          </p:nvPr>
+        </p:nvSpPr>
+        <p:spPr>
+          <a:xfrm>
+            <a:off x="7966697" y="3904106"/>
+            <a:ext cx="3300984" cy="576262"/>
+          </a:xfrm>
+        </p:spPr>
+        <p:txBody>
+          <a:bodyPr anchor="b">
+            <a:noAutofit/>
+          </a:bodyPr>
+          <a:lstStyle>
+            <a:lvl1pPr marL="0" indent="0" algn="ctr">
+              <a:buNone/>
+              <a:defRPr sz="2000" b="0">
+                <a:solidFill>
+                  <a:schemeClr val="tx1"/>
+                </a:solidFill>
+              </a:defRPr>
+            </a:lvl1pPr>
+            <a:lvl2pPr marL="457200" indent="0">
+              <a:buNone/>
+              <a:defRPr sz="2000" b="1"/>
+            </a:lvl2pPr>
+            <a:lvl3pPr marL="914400" indent="0">
+              <a:buNone/>
+              <a:defRPr sz="1800" b="1"/>
+            </a:lvl3pPr>
+            <a:lvl4pPr marL="1371600" indent="0">
+              <a:buNone/>
+              <a:defRPr sz="1600" b="1"/>
+            </a:lvl4pPr>
+            <a:lvl5pPr marL="1828800" indent="0">
+              <a:buNone/>
+              <a:defRPr sz="1600" b="1"/>
+            </a:lvl5pPr>
+            <a:lvl6pPr marL="2286000" indent="0">
+              <a:buNone/>
+              <a:defRPr sz="1600" b="1"/>
+            </a:lvl6pPr>
+            <a:lvl7pPr marL="2743200" indent="0">
+              <a:buNone/>
+              <a:defRPr sz="1600" b="1"/>
+            </a:lvl7pPr>
+            <a:lvl8pPr marL="3200400" indent="0">
+              <a:buNone/>
+              <a:defRPr sz="1600" b="1"/>
+            </a:lvl8pPr>
+            <a:lvl9pPr marL="3657600" indent="0">
+              <a:buNone/>
+              <a:defRPr sz="1600" b="1"/>
+            </a:lvl9pPr>
+          </a:lstStyle>
+          <a:p>
+            <a:pPr lvl="0"/>
+            <a:r>
+              <a:rPr lang="en-US"/>
+              <a:t>Click to edit Master text styles</a:t>
+            </a:r>
+          </a:p>
+        </p:txBody>
+      </p:sp>
+      <p:sp>
+        <p:nvSpPr>
+          <p:cNvPr id="26" name="Picture Placeholder 2"/>
+          <p:cNvSpPr>
+            <a:spLocks noGrp="1" noChangeAspect="1"/>
+          </p:cNvSpPr>
+          <p:nvPr>
+            <p:ph type="pic" idx="22"/>
+          </p:nvPr>
+        </p:nvSpPr>
+        <p:spPr>
+          <a:xfrm>
+            <a:off x="8075698" y="1934432"/>
+            <a:ext cx="3092368" cy="1607294"/>
+          </a:xfrm>
+          <a:prstGeom prst="roundRect">
+            <a:avLst>
+              <a:gd name="adj" fmla="val 1858"/>
+            </a:avLst>
+          </a:prstGeom>
+          <a:effectLst>
+            <a:outerShdw blurRad="38100" dist="25400" dir="4440000">
+              <a:srgbClr val="000000">
+                <a:alpha val="36000"/>
+              </a:srgbClr>
+            </a:outerShdw>
+          </a:effectLst>
+        </p:spPr>
+        <p:txBody>
+          <a:bodyPr anchor="t">
+            <a:normAutofit/>
+          </a:bodyPr>
+          <a:lstStyle>
+            <a:lvl1pPr marL="0" indent="0" algn="ctr">
+              <a:buNone/>
+              <a:defRPr sz="1600"/>
+            </a:lvl1pPr>
+            <a:lvl2pPr marL="457200" indent="0">
+              <a:buNone/>
+              <a:defRPr sz="1600"/>
+            </a:lvl2pPr>
+            <a:lvl3pPr marL="914400" indent="0">
+              <a:buNone/>
+              <a:defRPr sz="1600"/>
+            </a:lvl3pPr>
+            <a:lvl4pPr marL="1371600" indent="0">
+              <a:buNone/>
+              <a:defRPr sz="1600"/>
+            </a:lvl4pPr>
+            <a:lvl5pPr marL="1828800" indent="0">
+              <a:buNone/>
+              <a:defRPr sz="1600"/>
+            </a:lvl5pPr>
+            <a:lvl6pPr marL="2286000" indent="0">
+              <a:buNone/>
+              <a:defRPr sz="1600"/>
+            </a:lvl6pPr>
+            <a:lvl7pPr marL="2743200" indent="0">
+              <a:buNone/>
+              <a:defRPr sz="1600"/>
+            </a:lvl7pPr>
+            <a:lvl8pPr marL="3200400" indent="0">
+              <a:buNone/>
+              <a:defRPr sz="1600"/>
+            </a:lvl8pPr>
+            <a:lvl9pPr marL="3657600" indent="0">
+              <a:buNone/>
+              <a:defRPr sz="1600"/>
+            </a:lvl9pPr>
+          </a:lstStyle>
+          <a:p>
+            <a:r>
+              <a:rPr lang="en-US"/>
+              <a:t>Click icon to add picture</a:t>
+            </a:r>
+            <a:endParaRPr lang="en-US" dirty="0"/>
+          </a:p>
+        </p:txBody>
+      </p:sp>
+      <p:sp>
+        <p:nvSpPr>
+          <p:cNvPr id="27" name="Text Placeholder 3"/>
+          <p:cNvSpPr>
+            <a:spLocks noGrp="1"/>
+          </p:cNvSpPr>
+          <p:nvPr>
+            <p:ph type="body" sz="half" idx="20"/>
+          </p:nvPr>
+        </p:nvSpPr>
+        <p:spPr>
+          <a:xfrm>
+            <a:off x="7966572" y="4480365"/>
+            <a:ext cx="3300984" cy="1310835"/>
+          </a:xfrm>
+        </p:spPr>
+        <p:txBody>
+          <a:bodyPr anchor="t">
+            <a:normAutofit/>
+          </a:bodyPr>
+          <a:lstStyle>
+            <a:lvl1pPr marL="0" indent="0" algn="ctr">
+              <a:buNone/>
+              <a:defRPr sz="1400"/>
+            </a:lvl1pPr>
+            <a:lvl2pPr marL="457200" indent="0">
+              <a:buNone/>
+              <a:defRPr sz="1200"/>
+            </a:lvl2pPr>
+            <a:lvl3pPr marL="914400" indent="0">
+              <a:buNone/>
+              <a:defRPr sz="1000"/>
+            </a:lvl3pPr>
+            <a:lvl4pPr marL="1371600" indent="0">
+              <a:buNone/>
+              <a:defRPr sz="900"/>
+            </a:lvl4pPr>
+            <a:lvl5pPr marL="1828800" indent="0">
+              <a:buNone/>
+              <a:defRPr sz="900"/>
+            </a:lvl5pPr>
+            <a:lvl6pPr marL="2286000" indent="0">
+              <a:buNone/>
+              <a:defRPr sz="900"/>
+            </a:lvl6pPr>
+            <a:lvl7pPr marL="2743200" indent="0">
+              <a:buNone/>
+              <a:defRPr sz="900"/>
+            </a:lvl7pPr>
+            <a:lvl8pPr marL="3200400" indent="0">
+              <a:buNone/>
+              <a:defRPr sz="900"/>
+            </a:lvl8pPr>
+            <a:lvl9pPr marL="3657600" indent="0">
+              <a:buNone/>
+              <a:defRPr sz="900"/>
+            </a:lvl9pPr>
+          </a:lstStyle>
+          <a:p>
+            <a:pPr lvl="0"/>
+            <a:r>
+              <a:rPr lang="en-US"/>
+              <a:t>Click to edit Master text styles</a:t>
+            </a:r>
+          </a:p>
+        </p:txBody>
+      </p:sp>
+      <p:sp>
+        <p:nvSpPr>
+          <p:cNvPr id="3" name="Date Placeholder 2"/>
+          <p:cNvSpPr>
+            <a:spLocks noGrp="1"/>
+          </p:cNvSpPr>
+          <p:nvPr>
+            <p:ph type="dt" sz="half" idx="10"/>
+          </p:nvPr>
+        </p:nvSpPr>
+        <p:spPr/>
+        <p:txBody>
+          <a:bodyPr/>
+          <a:lstStyle/>
+          <a:p>
+            <a:fld id="{4EF22D02-7338-4660-922A-63734C7FA6B5}" type="datetimeFigureOut">
+              <a:rPr lang="en-FI" smtClean="0"/>
+              <a:t>07/08/2024</a:t>
+            </a:fld>
+            <a:endParaRPr lang="en-FI"/>
+          </a:p>
+        </p:txBody>
+      </p:sp>
+      <p:sp>
+        <p:nvSpPr>
+          <p:cNvPr id="4" name="Footer Placeholder 3"/>
+          <p:cNvSpPr>
+            <a:spLocks noGrp="1"/>
+          </p:cNvSpPr>
+          <p:nvPr>
+            <p:ph type="ftr" sz="quarter" idx="11"/>
+          </p:nvPr>
+        </p:nvSpPr>
+        <p:spPr/>
+        <p:txBody>
+          <a:bodyPr/>
+          <a:lstStyle/>
+          <a:p>
+            <a:endParaRPr lang="en-FI"/>
+          </a:p>
+        </p:txBody>
+      </p:sp>
+      <p:sp>
+        <p:nvSpPr>
+          <p:cNvPr id="5" name="Slide Number Placeholder 4"/>
+          <p:cNvSpPr>
+            <a:spLocks noGrp="1"/>
+          </p:cNvSpPr>
+          <p:nvPr>
+            <p:ph type="sldNum" sz="quarter" idx="12"/>
+          </p:nvPr>
+        </p:nvSpPr>
+        <p:spPr/>
+        <p:txBody>
+          <a:bodyPr/>
+          <a:lstStyle/>
+          <a:p>
+            <a:fld id="{0BA186CC-90F5-435E-9371-06CA05F0FD18}" type="slidenum">
+              <a:rPr lang="en-FI" smtClean="0"/>
+              <a:t>‹#›</a:t>
+            </a:fld>
+            <a:endParaRPr lang="en-FI"/>
+          </a:p>
+        </p:txBody>
+      </p:sp>
+    </p:spTree>
+    <p:extLst>
+      <p:ext uri="{BB962C8B-B14F-4D97-AF65-F5344CB8AC3E}">
+        <p14:creationId xmlns:p14="http://schemas.microsoft.com/office/powerpoint/2010/main" val="1622028103"/>
+      </p:ext>
+    </p:extLst>
+  </p:cSld>
+  <p:clrMapOvr>
+    <a:masterClrMapping/>
+  </p:clrMapOvr>
+</p:sldLayout>
+</file>
+
+<file path=ppt/slideLayouts/slideLayout16.xml><?xml version="1.0" encoding="utf-8"?>
 <p:sldLayout xmlns:a="http://schemas.openxmlformats.org/drawingml/2006/main" xmlns:r="http://schemas.openxmlformats.org/officeDocument/2006/relationships" xmlns:p="http://schemas.openxmlformats.org/presentationml/2006/main" type="vertTx" preserve="1">
   <p:cSld name="Title and Vertical Text">
     <p:spTree>
@@ -354,13 +2959,7 @@
       </p:grpSpPr>
       <p:sp>
         <p:nvSpPr>
-          <p:cNvPr id="2" name="Title 1">
-            <a:extLst>
-              <a:ext uri="{FF2B5EF4-FFF2-40B4-BE49-F238E27FC236}">
-                <a16:creationId xmlns:a16="http://schemas.microsoft.com/office/drawing/2014/main" id="{4AF5CDD8-81A2-107F-4118-DCEB1B945450}"/>
-              </a:ext>
-            </a:extLst>
-          </p:cNvPr>
+          <p:cNvPr id="2" name="Title 1"/>
           <p:cNvSpPr>
             <a:spLocks noGrp="1"/>
           </p:cNvSpPr>
@@ -377,19 +2976,13 @@
               <a:rPr lang="en-US"/>
               <a:t>Click to edit Master title style</a:t>
             </a:r>
-            <a:endParaRPr lang="en-FI"/>
-          </a:p>
-        </p:txBody>
-      </p:sp>
-      <p:sp>
-        <p:nvSpPr>
-          <p:cNvPr id="3" name="Vertical Text Placeholder 2">
-            <a:extLst>
-              <a:ext uri="{FF2B5EF4-FFF2-40B4-BE49-F238E27FC236}">
-                <a16:creationId xmlns:a16="http://schemas.microsoft.com/office/drawing/2014/main" id="{061150A8-0826-04F1-8102-75626922B62F}"/>
-              </a:ext>
-            </a:extLst>
-          </p:cNvPr>
+            <a:endParaRPr lang="en-US" dirty="0"/>
+          </a:p>
+        </p:txBody>
+      </p:sp>
+      <p:sp>
+        <p:nvSpPr>
+          <p:cNvPr id="3" name="Vertical Text Placeholder 2"/>
           <p:cNvSpPr>
             <a:spLocks noGrp="1"/>
           </p:cNvSpPr>
@@ -399,7 +2992,7 @@
         </p:nvSpPr>
         <p:spPr/>
         <p:txBody>
-          <a:bodyPr vert="eaVert"/>
+          <a:bodyPr vert="eaVert" anchor="t"/>
           <a:lstStyle/>
           <a:p>
             <a:pPr lvl="0"/>
@@ -435,19 +3028,13 @@
               <a:rPr lang="en-US"/>
               <a:t>Fifth level</a:t>
             </a:r>
-            <a:endParaRPr lang="en-FI"/>
-          </a:p>
-        </p:txBody>
-      </p:sp>
-      <p:sp>
-        <p:nvSpPr>
-          <p:cNvPr id="4" name="Date Placeholder 3">
-            <a:extLst>
-              <a:ext uri="{FF2B5EF4-FFF2-40B4-BE49-F238E27FC236}">
-                <a16:creationId xmlns:a16="http://schemas.microsoft.com/office/drawing/2014/main" id="{68485AD7-BA40-2F9D-4B8C-D154F767913B}"/>
-              </a:ext>
-            </a:extLst>
-          </p:cNvPr>
+            <a:endParaRPr lang="en-US" dirty="0"/>
+          </a:p>
+        </p:txBody>
+      </p:sp>
+      <p:sp>
+        <p:nvSpPr>
+          <p:cNvPr id="4" name="Date Placeholder 3"/>
           <p:cNvSpPr>
             <a:spLocks noGrp="1"/>
           </p:cNvSpPr>
@@ -462,7 +3049,7 @@
           <a:p>
             <a:fld id="{4EF22D02-7338-4660-922A-63734C7FA6B5}" type="datetimeFigureOut">
               <a:rPr lang="en-FI" smtClean="0"/>
-              <a:t>31/07/2024</a:t>
+              <a:t>07/08/2024</a:t>
             </a:fld>
             <a:endParaRPr lang="en-FI"/>
           </a:p>
@@ -470,13 +3057,7 @@
       </p:sp>
       <p:sp>
         <p:nvSpPr>
-          <p:cNvPr id="5" name="Footer Placeholder 4">
-            <a:extLst>
-              <a:ext uri="{FF2B5EF4-FFF2-40B4-BE49-F238E27FC236}">
-                <a16:creationId xmlns:a16="http://schemas.microsoft.com/office/drawing/2014/main" id="{66520E76-DF42-6FBB-1972-29CFA8BFC690}"/>
-              </a:ext>
-            </a:extLst>
-          </p:cNvPr>
+          <p:cNvPr id="5" name="Footer Placeholder 4"/>
           <p:cNvSpPr>
             <a:spLocks noGrp="1"/>
           </p:cNvSpPr>
@@ -495,13 +3076,7 @@
       </p:sp>
       <p:sp>
         <p:nvSpPr>
-          <p:cNvPr id="6" name="Slide Number Placeholder 5">
-            <a:extLst>
-              <a:ext uri="{FF2B5EF4-FFF2-40B4-BE49-F238E27FC236}">
-                <a16:creationId xmlns:a16="http://schemas.microsoft.com/office/drawing/2014/main" id="{B4FB1D28-B2F4-F3A4-A3EB-36F8D4F10715}"/>
-              </a:ext>
-            </a:extLst>
-          </p:cNvPr>
+          <p:cNvPr id="6" name="Slide Number Placeholder 5"/>
           <p:cNvSpPr>
             <a:spLocks noGrp="1"/>
           </p:cNvSpPr>
@@ -525,7 +3100,7 @@
     </p:spTree>
     <p:extLst>
       <p:ext uri="{BB962C8B-B14F-4D97-AF65-F5344CB8AC3E}">
-        <p14:creationId xmlns:p14="http://schemas.microsoft.com/office/powerpoint/2010/main" val="3942859898"/>
+        <p14:creationId xmlns:p14="http://schemas.microsoft.com/office/powerpoint/2010/main" val="988113396"/>
       </p:ext>
     </p:extLst>
   </p:cSld>
@@ -535,7 +3110,7 @@
 </p:sldLayout>
 </file>
 
-<file path=ppt/slideLayouts/slideLayout11.xml><?xml version="1.0" encoding="utf-8"?>
+<file path=ppt/slideLayouts/slideLayout17.xml><?xml version="1.0" encoding="utf-8"?>
 <p:sldLayout xmlns:a="http://schemas.openxmlformats.org/drawingml/2006/main" xmlns:r="http://schemas.openxmlformats.org/officeDocument/2006/relationships" xmlns:p="http://schemas.openxmlformats.org/presentationml/2006/main" type="vertTitleAndTx" preserve="1">
   <p:cSld name="Vertical Title and Text">
     <p:spTree>
@@ -554,13 +3129,7 @@
       </p:grpSpPr>
       <p:sp>
         <p:nvSpPr>
-          <p:cNvPr id="2" name="Vertical Title 1">
-            <a:extLst>
-              <a:ext uri="{FF2B5EF4-FFF2-40B4-BE49-F238E27FC236}">
-                <a16:creationId xmlns:a16="http://schemas.microsoft.com/office/drawing/2014/main" id="{2AFB76B8-34C9-F369-0218-D9C0A69C60BC}"/>
-              </a:ext>
-            </a:extLst>
-          </p:cNvPr>
+          <p:cNvPr id="2" name="Vertical Title 1"/>
           <p:cNvSpPr>
             <a:spLocks noGrp="1"/>
           </p:cNvSpPr>
@@ -570,31 +3139,29 @@
         </p:nvSpPr>
         <p:spPr>
           <a:xfrm>
-            <a:off x="8724900" y="365125"/>
-            <a:ext cx="2628900" cy="5811838"/>
+            <a:off x="8983068" y="609599"/>
+            <a:ext cx="2284487" cy="5181601"/>
           </a:xfrm>
         </p:spPr>
         <p:txBody>
           <a:bodyPr vert="eaVert"/>
-          <a:lstStyle/>
+          <a:lstStyle>
+            <a:lvl1pPr algn="l">
+              <a:defRPr/>
+            </a:lvl1pPr>
+          </a:lstStyle>
           <a:p>
             <a:r>
               <a:rPr lang="en-US"/>
               <a:t>Click to edit Master title style</a:t>
             </a:r>
-            <a:endParaRPr lang="en-FI"/>
-          </a:p>
-        </p:txBody>
-      </p:sp>
-      <p:sp>
-        <p:nvSpPr>
-          <p:cNvPr id="3" name="Vertical Text Placeholder 2">
-            <a:extLst>
-              <a:ext uri="{FF2B5EF4-FFF2-40B4-BE49-F238E27FC236}">
-                <a16:creationId xmlns:a16="http://schemas.microsoft.com/office/drawing/2014/main" id="{5B1D0608-9321-4F98-1FA3-2F737B066C6C}"/>
-              </a:ext>
-            </a:extLst>
-          </p:cNvPr>
+            <a:endParaRPr lang="en-US" dirty="0"/>
+          </a:p>
+        </p:txBody>
+      </p:sp>
+      <p:sp>
+        <p:nvSpPr>
+          <p:cNvPr id="3" name="Vertical Text Placeholder 2"/>
           <p:cNvSpPr>
             <a:spLocks noGrp="1"/>
           </p:cNvSpPr>
@@ -604,12 +3171,12 @@
         </p:nvSpPr>
         <p:spPr>
           <a:xfrm>
-            <a:off x="838200" y="365125"/>
-            <a:ext cx="7734300" cy="5811838"/>
+            <a:off x="913796" y="609599"/>
+            <a:ext cx="7916872" cy="5181601"/>
           </a:xfrm>
         </p:spPr>
         <p:txBody>
-          <a:bodyPr vert="eaVert"/>
+          <a:bodyPr vert="eaVert" anchor="t"/>
           <a:lstStyle/>
           <a:p>
             <a:pPr lvl="0"/>
@@ -645,19 +3212,13 @@
               <a:rPr lang="en-US"/>
               <a:t>Fifth level</a:t>
             </a:r>
-            <a:endParaRPr lang="en-FI"/>
-          </a:p>
-        </p:txBody>
-      </p:sp>
-      <p:sp>
-        <p:nvSpPr>
-          <p:cNvPr id="4" name="Date Placeholder 3">
-            <a:extLst>
-              <a:ext uri="{FF2B5EF4-FFF2-40B4-BE49-F238E27FC236}">
-                <a16:creationId xmlns:a16="http://schemas.microsoft.com/office/drawing/2014/main" id="{406C92BE-7057-7C5A-4AA6-28EEB36936D9}"/>
-              </a:ext>
-            </a:extLst>
-          </p:cNvPr>
+            <a:endParaRPr lang="en-US" dirty="0"/>
+          </a:p>
+        </p:txBody>
+      </p:sp>
+      <p:sp>
+        <p:nvSpPr>
+          <p:cNvPr id="4" name="Date Placeholder 3"/>
           <p:cNvSpPr>
             <a:spLocks noGrp="1"/>
           </p:cNvSpPr>
@@ -672,7 +3233,7 @@
           <a:p>
             <a:fld id="{4EF22D02-7338-4660-922A-63734C7FA6B5}" type="datetimeFigureOut">
               <a:rPr lang="en-FI" smtClean="0"/>
-              <a:t>31/07/2024</a:t>
+              <a:t>07/08/2024</a:t>
             </a:fld>
             <a:endParaRPr lang="en-FI"/>
           </a:p>
@@ -680,13 +3241,7 @@
       </p:sp>
       <p:sp>
         <p:nvSpPr>
-          <p:cNvPr id="5" name="Footer Placeholder 4">
-            <a:extLst>
-              <a:ext uri="{FF2B5EF4-FFF2-40B4-BE49-F238E27FC236}">
-                <a16:creationId xmlns:a16="http://schemas.microsoft.com/office/drawing/2014/main" id="{8EB32CFA-F838-7980-1019-0A8C2CB2E8BA}"/>
-              </a:ext>
-            </a:extLst>
-          </p:cNvPr>
+          <p:cNvPr id="5" name="Footer Placeholder 4"/>
           <p:cNvSpPr>
             <a:spLocks noGrp="1"/>
           </p:cNvSpPr>
@@ -705,13 +3260,7 @@
       </p:sp>
       <p:sp>
         <p:nvSpPr>
-          <p:cNvPr id="6" name="Slide Number Placeholder 5">
-            <a:extLst>
-              <a:ext uri="{FF2B5EF4-FFF2-40B4-BE49-F238E27FC236}">
-                <a16:creationId xmlns:a16="http://schemas.microsoft.com/office/drawing/2014/main" id="{2328F992-4024-3F93-0B62-F0C205B9E4EB}"/>
-              </a:ext>
-            </a:extLst>
-          </p:cNvPr>
+          <p:cNvPr id="6" name="Slide Number Placeholder 5"/>
           <p:cNvSpPr>
             <a:spLocks noGrp="1"/>
           </p:cNvSpPr>
@@ -735,7 +3284,7 @@
     </p:spTree>
     <p:extLst>
       <p:ext uri="{BB962C8B-B14F-4D97-AF65-F5344CB8AC3E}">
-        <p14:creationId xmlns:p14="http://schemas.microsoft.com/office/powerpoint/2010/main" val="311802759"/>
+        <p14:creationId xmlns:p14="http://schemas.microsoft.com/office/powerpoint/2010/main" val="546780962"/>
       </p:ext>
     </p:extLst>
   </p:cSld>
@@ -764,13 +3313,7 @@
       </p:grpSpPr>
       <p:sp>
         <p:nvSpPr>
-          <p:cNvPr id="2" name="Title 1">
-            <a:extLst>
-              <a:ext uri="{FF2B5EF4-FFF2-40B4-BE49-F238E27FC236}">
-                <a16:creationId xmlns:a16="http://schemas.microsoft.com/office/drawing/2014/main" id="{7D990191-C116-982C-6D15-9465FFE8D353}"/>
-              </a:ext>
-            </a:extLst>
-          </p:cNvPr>
+          <p:cNvPr id="2" name="Title 1"/>
           <p:cNvSpPr>
             <a:spLocks noGrp="1"/>
           </p:cNvSpPr>
@@ -787,19 +3330,13 @@
               <a:rPr lang="en-US"/>
               <a:t>Click to edit Master title style</a:t>
             </a:r>
-            <a:endParaRPr lang="en-FI"/>
-          </a:p>
-        </p:txBody>
-      </p:sp>
-      <p:sp>
-        <p:nvSpPr>
-          <p:cNvPr id="3" name="Content Placeholder 2">
-            <a:extLst>
-              <a:ext uri="{FF2B5EF4-FFF2-40B4-BE49-F238E27FC236}">
-                <a16:creationId xmlns:a16="http://schemas.microsoft.com/office/drawing/2014/main" id="{32FAFF90-5E03-D952-40B3-89462410B439}"/>
-              </a:ext>
-            </a:extLst>
-          </p:cNvPr>
+            <a:endParaRPr lang="en-US" dirty="0"/>
+          </a:p>
+        </p:txBody>
+      </p:sp>
+      <p:sp>
+        <p:nvSpPr>
+          <p:cNvPr id="3" name="Content Placeholder 2"/>
           <p:cNvSpPr>
             <a:spLocks noGrp="1"/>
           </p:cNvSpPr>
@@ -845,19 +3382,13 @@
               <a:rPr lang="en-US"/>
               <a:t>Fifth level</a:t>
             </a:r>
-            <a:endParaRPr lang="en-FI"/>
-          </a:p>
-        </p:txBody>
-      </p:sp>
-      <p:sp>
-        <p:nvSpPr>
-          <p:cNvPr id="4" name="Date Placeholder 3">
-            <a:extLst>
-              <a:ext uri="{FF2B5EF4-FFF2-40B4-BE49-F238E27FC236}">
-                <a16:creationId xmlns:a16="http://schemas.microsoft.com/office/drawing/2014/main" id="{BE79A810-8588-0DD0-15E5-7E6297567FD2}"/>
-              </a:ext>
-            </a:extLst>
-          </p:cNvPr>
+            <a:endParaRPr lang="en-US" dirty="0"/>
+          </a:p>
+        </p:txBody>
+      </p:sp>
+      <p:sp>
+        <p:nvSpPr>
+          <p:cNvPr id="4" name="Date Placeholder 3"/>
           <p:cNvSpPr>
             <a:spLocks noGrp="1"/>
           </p:cNvSpPr>
@@ -872,7 +3403,7 @@
           <a:p>
             <a:fld id="{4EF22D02-7338-4660-922A-63734C7FA6B5}" type="datetimeFigureOut">
               <a:rPr lang="en-FI" smtClean="0"/>
-              <a:t>31/07/2024</a:t>
+              <a:t>07/08/2024</a:t>
             </a:fld>
             <a:endParaRPr lang="en-FI"/>
           </a:p>
@@ -880,13 +3411,7 @@
       </p:sp>
       <p:sp>
         <p:nvSpPr>
-          <p:cNvPr id="5" name="Footer Placeholder 4">
-            <a:extLst>
-              <a:ext uri="{FF2B5EF4-FFF2-40B4-BE49-F238E27FC236}">
-                <a16:creationId xmlns:a16="http://schemas.microsoft.com/office/drawing/2014/main" id="{D01EB82C-E957-FF0A-8C5F-2AFC249C2015}"/>
-              </a:ext>
-            </a:extLst>
-          </p:cNvPr>
+          <p:cNvPr id="5" name="Footer Placeholder 4"/>
           <p:cNvSpPr>
             <a:spLocks noGrp="1"/>
           </p:cNvSpPr>
@@ -905,13 +3430,7 @@
       </p:sp>
       <p:sp>
         <p:nvSpPr>
-          <p:cNvPr id="6" name="Slide Number Placeholder 5">
-            <a:extLst>
-              <a:ext uri="{FF2B5EF4-FFF2-40B4-BE49-F238E27FC236}">
-                <a16:creationId xmlns:a16="http://schemas.microsoft.com/office/drawing/2014/main" id="{903F1228-AE66-82B8-1E8A-250D9900CE98}"/>
-              </a:ext>
-            </a:extLst>
-          </p:cNvPr>
+          <p:cNvPr id="6" name="Slide Number Placeholder 5"/>
           <p:cNvSpPr>
             <a:spLocks noGrp="1"/>
           </p:cNvSpPr>
@@ -935,7 +3454,7 @@
     </p:spTree>
     <p:extLst>
       <p:ext uri="{BB962C8B-B14F-4D97-AF65-F5344CB8AC3E}">
-        <p14:creationId xmlns:p14="http://schemas.microsoft.com/office/powerpoint/2010/main" val="1305282942"/>
+        <p14:creationId xmlns:p14="http://schemas.microsoft.com/office/powerpoint/2010/main" val="1462755730"/>
       </p:ext>
     </p:extLst>
   </p:cSld>
@@ -964,13 +3483,7 @@
       </p:grpSpPr>
       <p:sp>
         <p:nvSpPr>
-          <p:cNvPr id="2" name="Title 1">
-            <a:extLst>
-              <a:ext uri="{FF2B5EF4-FFF2-40B4-BE49-F238E27FC236}">
-                <a16:creationId xmlns:a16="http://schemas.microsoft.com/office/drawing/2014/main" id="{55928E11-C434-9EC9-B4BC-743B83691C89}"/>
-              </a:ext>
-            </a:extLst>
-          </p:cNvPr>
+          <p:cNvPr id="2" name="Title 1"/>
           <p:cNvSpPr>
             <a:spLocks noGrp="1"/>
           </p:cNvSpPr>
@@ -980,15 +3493,15 @@
         </p:nvSpPr>
         <p:spPr>
           <a:xfrm>
-            <a:off x="831850" y="1709738"/>
-            <a:ext cx="10515600" cy="2852737"/>
+            <a:off x="1295401" y="1761067"/>
+            <a:ext cx="9590550" cy="1828813"/>
           </a:xfrm>
         </p:spPr>
         <p:txBody>
           <a:bodyPr anchor="b"/>
           <a:lstStyle>
-            <a:lvl1pPr>
-              <a:defRPr sz="6000"/>
+            <a:lvl1pPr algn="ctr">
+              <a:defRPr sz="4000" b="0" cap="none"/>
             </a:lvl1pPr>
           </a:lstStyle>
           <a:p>
@@ -996,19 +3509,13 @@
               <a:rPr lang="en-US"/>
               <a:t>Click to edit Master title style</a:t>
             </a:r>
-            <a:endParaRPr lang="en-FI"/>
-          </a:p>
-        </p:txBody>
-      </p:sp>
-      <p:sp>
-        <p:nvSpPr>
-          <p:cNvPr id="3" name="Text Placeholder 2">
-            <a:extLst>
-              <a:ext uri="{FF2B5EF4-FFF2-40B4-BE49-F238E27FC236}">
-                <a16:creationId xmlns:a16="http://schemas.microsoft.com/office/drawing/2014/main" id="{4C23A93D-0771-7190-DF79-18A0EC59CAE3}"/>
-              </a:ext>
-            </a:extLst>
-          </p:cNvPr>
+            <a:endParaRPr lang="en-US" dirty="0"/>
+          </a:p>
+        </p:txBody>
+      </p:sp>
+      <p:sp>
+        <p:nvSpPr>
+          <p:cNvPr id="3" name="Text Placeholder 2"/>
           <p:cNvSpPr>
             <a:spLocks noGrp="1"/>
           </p:cNvSpPr>
@@ -1018,99 +3525,97 @@
         </p:nvSpPr>
         <p:spPr>
           <a:xfrm>
-            <a:off x="831850" y="4589463"/>
-            <a:ext cx="10515600" cy="1500187"/>
+            <a:off x="1295401" y="3589879"/>
+            <a:ext cx="9590550" cy="1507054"/>
           </a:xfrm>
         </p:spPr>
         <p:txBody>
-          <a:bodyPr/>
+          <a:bodyPr anchor="t"/>
           <a:lstStyle>
-            <a:lvl1pPr marL="0" indent="0">
-              <a:buNone/>
-              <a:defRPr sz="2400">
+            <a:lvl1pPr marL="0" indent="0" algn="ctr">
+              <a:buNone/>
+              <a:defRPr sz="2000">
                 <a:solidFill>
-                  <a:schemeClr val="tx1">
-                    <a:tint val="82000"/>
-                  </a:schemeClr>
+                  <a:schemeClr val="tx1"/>
                 </a:solidFill>
               </a:defRPr>
             </a:lvl1pPr>
             <a:lvl2pPr marL="457200" indent="0">
               <a:buNone/>
-              <a:defRPr sz="2000">
+              <a:defRPr sz="1800">
                 <a:solidFill>
                   <a:schemeClr val="tx1">
-                    <a:tint val="82000"/>
+                    <a:tint val="75000"/>
                   </a:schemeClr>
                 </a:solidFill>
               </a:defRPr>
             </a:lvl2pPr>
             <a:lvl3pPr marL="914400" indent="0">
               <a:buNone/>
-              <a:defRPr sz="1800">
+              <a:defRPr sz="1600">
                 <a:solidFill>
                   <a:schemeClr val="tx1">
-                    <a:tint val="82000"/>
+                    <a:tint val="75000"/>
                   </a:schemeClr>
                 </a:solidFill>
               </a:defRPr>
             </a:lvl3pPr>
             <a:lvl4pPr marL="1371600" indent="0">
               <a:buNone/>
-              <a:defRPr sz="1600">
+              <a:defRPr sz="1400">
                 <a:solidFill>
                   <a:schemeClr val="tx1">
-                    <a:tint val="82000"/>
+                    <a:tint val="75000"/>
                   </a:schemeClr>
                 </a:solidFill>
               </a:defRPr>
             </a:lvl4pPr>
             <a:lvl5pPr marL="1828800" indent="0">
               <a:buNone/>
-              <a:defRPr sz="1600">
+              <a:defRPr sz="1400">
                 <a:solidFill>
                   <a:schemeClr val="tx1">
-                    <a:tint val="82000"/>
+                    <a:tint val="75000"/>
                   </a:schemeClr>
                 </a:solidFill>
               </a:defRPr>
             </a:lvl5pPr>
             <a:lvl6pPr marL="2286000" indent="0">
               <a:buNone/>
-              <a:defRPr sz="1600">
+              <a:defRPr sz="1400">
                 <a:solidFill>
                   <a:schemeClr val="tx1">
-                    <a:tint val="82000"/>
+                    <a:tint val="75000"/>
                   </a:schemeClr>
                 </a:solidFill>
               </a:defRPr>
             </a:lvl6pPr>
             <a:lvl7pPr marL="2743200" indent="0">
               <a:buNone/>
-              <a:defRPr sz="1600">
+              <a:defRPr sz="1400">
                 <a:solidFill>
                   <a:schemeClr val="tx1">
-                    <a:tint val="82000"/>
+                    <a:tint val="75000"/>
                   </a:schemeClr>
                 </a:solidFill>
               </a:defRPr>
             </a:lvl7pPr>
             <a:lvl8pPr marL="3200400" indent="0">
               <a:buNone/>
-              <a:defRPr sz="1600">
+              <a:defRPr sz="1400">
                 <a:solidFill>
                   <a:schemeClr val="tx1">
-                    <a:tint val="82000"/>
+                    <a:tint val="75000"/>
                   </a:schemeClr>
                 </a:solidFill>
               </a:defRPr>
             </a:lvl8pPr>
             <a:lvl9pPr marL="3657600" indent="0">
               <a:buNone/>
-              <a:defRPr sz="1600">
+              <a:defRPr sz="1400">
                 <a:solidFill>
                   <a:schemeClr val="tx1">
-                    <a:tint val="82000"/>
+                    <a:tint val="75000"/>
                   </a:schemeClr>
                 </a:solidFill>
               </a:defRPr>
@@ -1127,13 +3632,7 @@
       </p:sp>
       <p:sp>
         <p:nvSpPr>
-          <p:cNvPr id="4" name="Date Placeholder 3">
-            <a:extLst>
-              <a:ext uri="{FF2B5EF4-FFF2-40B4-BE49-F238E27FC236}">
-                <a16:creationId xmlns:a16="http://schemas.microsoft.com/office/drawing/2014/main" id="{69CE061D-D9B8-7A9D-E22D-F98667F0BD3B}"/>
-              </a:ext>
-            </a:extLst>
-          </p:cNvPr>
+          <p:cNvPr id="4" name="Date Placeholder 3"/>
           <p:cNvSpPr>
             <a:spLocks noGrp="1"/>
           </p:cNvSpPr>
@@ -1148,7 +3647,7 @@
           <a:p>
             <a:fld id="{4EF22D02-7338-4660-922A-63734C7FA6B5}" type="datetimeFigureOut">
               <a:rPr lang="en-FI" smtClean="0"/>
-              <a:t>31/07/2024</a:t>
+              <a:t>07/08/2024</a:t>
             </a:fld>
             <a:endParaRPr lang="en-FI"/>
           </a:p>
@@ -1156,13 +3655,7 @@
       </p:sp>
       <p:sp>
         <p:nvSpPr>
-          <p:cNvPr id="5" name="Footer Placeholder 4">
-            <a:extLst>
-              <a:ext uri="{FF2B5EF4-FFF2-40B4-BE49-F238E27FC236}">
-                <a16:creationId xmlns:a16="http://schemas.microsoft.com/office/drawing/2014/main" id="{5B7399BC-180F-7688-8FA3-44C82100E14D}"/>
-              </a:ext>
-            </a:extLst>
-          </p:cNvPr>
+          <p:cNvPr id="5" name="Footer Placeholder 4"/>
           <p:cNvSpPr>
             <a:spLocks noGrp="1"/>
           </p:cNvSpPr>
@@ -1181,13 +3674,7 @@
       </p:sp>
       <p:sp>
         <p:nvSpPr>
-          <p:cNvPr id="6" name="Slide Number Placeholder 5">
-            <a:extLst>
-              <a:ext uri="{FF2B5EF4-FFF2-40B4-BE49-F238E27FC236}">
-                <a16:creationId xmlns:a16="http://schemas.microsoft.com/office/drawing/2014/main" id="{AA824F2E-D861-1210-F955-6457A894239D}"/>
-              </a:ext>
-            </a:extLst>
-          </p:cNvPr>
+          <p:cNvPr id="6" name="Slide Number Placeholder 5"/>
           <p:cNvSpPr>
             <a:spLocks noGrp="1"/>
           </p:cNvSpPr>
@@ -1211,7 +3698,7 @@
     </p:spTree>
     <p:extLst>
       <p:ext uri="{BB962C8B-B14F-4D97-AF65-F5344CB8AC3E}">
-        <p14:creationId xmlns:p14="http://schemas.microsoft.com/office/powerpoint/2010/main" val="1811833874"/>
+        <p14:creationId xmlns:p14="http://schemas.microsoft.com/office/powerpoint/2010/main" val="1782619143"/>
       </p:ext>
     </p:extLst>
   </p:cSld>
@@ -1240,13 +3727,7 @@
       </p:grpSpPr>
       <p:sp>
         <p:nvSpPr>
-          <p:cNvPr id="2" name="Title 1">
-            <a:extLst>
-              <a:ext uri="{FF2B5EF4-FFF2-40B4-BE49-F238E27FC236}">
-                <a16:creationId xmlns:a16="http://schemas.microsoft.com/office/drawing/2014/main" id="{A64B598F-42DC-402B-E11A-75734F8B4B31}"/>
-              </a:ext>
-            </a:extLst>
-          </p:cNvPr>
+          <p:cNvPr id="2" name="Title 1"/>
           <p:cNvSpPr>
             <a:spLocks noGrp="1"/>
           </p:cNvSpPr>
@@ -1263,19 +3744,13 @@
               <a:rPr lang="en-US"/>
               <a:t>Click to edit Master title style</a:t>
             </a:r>
-            <a:endParaRPr lang="en-FI"/>
-          </a:p>
-        </p:txBody>
-      </p:sp>
-      <p:sp>
-        <p:nvSpPr>
-          <p:cNvPr id="3" name="Content Placeholder 2">
-            <a:extLst>
-              <a:ext uri="{FF2B5EF4-FFF2-40B4-BE49-F238E27FC236}">
-                <a16:creationId xmlns:a16="http://schemas.microsoft.com/office/drawing/2014/main" id="{1AB8311D-033E-6355-FDE7-1DC0750A22B1}"/>
-              </a:ext>
-            </a:extLst>
-          </p:cNvPr>
+            <a:endParaRPr lang="en-US" dirty="0"/>
+          </a:p>
+        </p:txBody>
+      </p:sp>
+      <p:sp>
+        <p:nvSpPr>
+          <p:cNvPr id="3" name="Content Placeholder 2"/>
           <p:cNvSpPr>
             <a:spLocks noGrp="1"/>
           </p:cNvSpPr>
@@ -1285,12 +3760,14 @@
         </p:nvSpPr>
         <p:spPr>
           <a:xfrm>
-            <a:off x="838200" y="1825625"/>
-            <a:ext cx="5181600" cy="4351338"/>
+            <a:off x="913795" y="1732449"/>
+            <a:ext cx="5060497" cy="4058750"/>
           </a:xfrm>
         </p:spPr>
         <p:txBody>
-          <a:bodyPr/>
+          <a:bodyPr anchor="t">
+            <a:normAutofit/>
+          </a:bodyPr>
           <a:lstStyle/>
           <a:p>
             <a:pPr lvl="0"/>
@@ -1326,19 +3803,13 @@
               <a:rPr lang="en-US"/>
               <a:t>Fifth level</a:t>
             </a:r>
-            <a:endParaRPr lang="en-FI"/>
-          </a:p>
-        </p:txBody>
-      </p:sp>
-      <p:sp>
-        <p:nvSpPr>
-          <p:cNvPr id="4" name="Content Placeholder 3">
-            <a:extLst>
-              <a:ext uri="{FF2B5EF4-FFF2-40B4-BE49-F238E27FC236}">
-                <a16:creationId xmlns:a16="http://schemas.microsoft.com/office/drawing/2014/main" id="{4F6BFF6B-2316-3CAF-C036-1B9A018AEDBF}"/>
-              </a:ext>
-            </a:extLst>
-          </p:cNvPr>
+            <a:endParaRPr lang="en-US" dirty="0"/>
+          </a:p>
+        </p:txBody>
+      </p:sp>
+      <p:sp>
+        <p:nvSpPr>
+          <p:cNvPr id="4" name="Content Placeholder 3"/>
           <p:cNvSpPr>
             <a:spLocks noGrp="1"/>
           </p:cNvSpPr>
@@ -1348,12 +3819,14 @@
         </p:nvSpPr>
         <p:spPr>
           <a:xfrm>
-            <a:off x="6172200" y="1825625"/>
-            <a:ext cx="5181600" cy="4351338"/>
+            <a:off x="6202892" y="1732449"/>
+            <a:ext cx="5064665" cy="4058751"/>
           </a:xfrm>
         </p:spPr>
         <p:txBody>
-          <a:bodyPr/>
+          <a:bodyPr anchor="t">
+            <a:normAutofit/>
+          </a:bodyPr>
           <a:lstStyle/>
           <a:p>
             <a:pPr lvl="0"/>
@@ -1389,19 +3862,13 @@
               <a:rPr lang="en-US"/>
               <a:t>Fifth level</a:t>
             </a:r>
-            <a:endParaRPr lang="en-FI"/>
-          </a:p>
-        </p:txBody>
-      </p:sp>
-      <p:sp>
-        <p:nvSpPr>
-          <p:cNvPr id="5" name="Date Placeholder 4">
-            <a:extLst>
-              <a:ext uri="{FF2B5EF4-FFF2-40B4-BE49-F238E27FC236}">
-                <a16:creationId xmlns:a16="http://schemas.microsoft.com/office/drawing/2014/main" id="{53E81819-AFC4-A0D3-AAA0-46AE2D95D7CE}"/>
-              </a:ext>
-            </a:extLst>
-          </p:cNvPr>
+            <a:endParaRPr lang="en-US" dirty="0"/>
+          </a:p>
+        </p:txBody>
+      </p:sp>
+      <p:sp>
+        <p:nvSpPr>
+          <p:cNvPr id="5" name="Date Placeholder 4"/>
           <p:cNvSpPr>
             <a:spLocks noGrp="1"/>
           </p:cNvSpPr>
@@ -1416,7 +3883,7 @@
           <a:p>
             <a:fld id="{4EF22D02-7338-4660-922A-63734C7FA6B5}" type="datetimeFigureOut">
               <a:rPr lang="en-FI" smtClean="0"/>
-              <a:t>31/07/2024</a:t>
+              <a:t>07/08/2024</a:t>
             </a:fld>
             <a:endParaRPr lang="en-FI"/>
           </a:p>
@@ -1424,13 +3891,7 @@
       </p:sp>
       <p:sp>
         <p:nvSpPr>
-          <p:cNvPr id="6" name="Footer Placeholder 5">
-            <a:extLst>
-              <a:ext uri="{FF2B5EF4-FFF2-40B4-BE49-F238E27FC236}">
-                <a16:creationId xmlns:a16="http://schemas.microsoft.com/office/drawing/2014/main" id="{EC103797-28AB-AB52-24E9-865B90FC55A2}"/>
-              </a:ext>
-            </a:extLst>
-          </p:cNvPr>
+          <p:cNvPr id="6" name="Footer Placeholder 5"/>
           <p:cNvSpPr>
             <a:spLocks noGrp="1"/>
           </p:cNvSpPr>
@@ -1449,13 +3910,7 @@
       </p:sp>
       <p:sp>
         <p:nvSpPr>
-          <p:cNvPr id="7" name="Slide Number Placeholder 6">
-            <a:extLst>
-              <a:ext uri="{FF2B5EF4-FFF2-40B4-BE49-F238E27FC236}">
-                <a16:creationId xmlns:a16="http://schemas.microsoft.com/office/drawing/2014/main" id="{4FA20796-9633-8B18-973F-7D4AAABC5E4C}"/>
-              </a:ext>
-            </a:extLst>
-          </p:cNvPr>
+          <p:cNvPr id="7" name="Slide Number Placeholder 6"/>
           <p:cNvSpPr>
             <a:spLocks noGrp="1"/>
           </p:cNvSpPr>
@@ -1479,7 +3934,7 @@
     </p:spTree>
     <p:extLst>
       <p:ext uri="{BB962C8B-B14F-4D97-AF65-F5344CB8AC3E}">
-        <p14:creationId xmlns:p14="http://schemas.microsoft.com/office/powerpoint/2010/main" val="2554929724"/>
+        <p14:creationId xmlns:p14="http://schemas.microsoft.com/office/powerpoint/2010/main" val="152958838"/>
       </p:ext>
     </p:extLst>
   </p:cSld>
@@ -1506,68 +3961,117 @@
           <a:chExt cx="0" cy="0"/>
         </a:xfrm>
       </p:grpSpPr>
-      <p:sp>
-        <p:nvSpPr>
-          <p:cNvPr id="2" name="Title 1">
+      <p:pic>
+        <p:nvPicPr>
+          <p:cNvPr id="20" name="Picture 19" descr="Slate-V2-HD-compPhotoInset.png"/>
+          <p:cNvPicPr>
+            <a:picLocks noChangeAspect="1"/>
+          </p:cNvPicPr>
+          <p:nvPr/>
+        </p:nvPicPr>
+        <p:blipFill>
+          <a:blip r:embed="rId2">
             <a:extLst>
-              <a:ext uri="{FF2B5EF4-FFF2-40B4-BE49-F238E27FC236}">
-                <a16:creationId xmlns:a16="http://schemas.microsoft.com/office/drawing/2014/main" id="{6F0A3661-BD25-7EDE-D42D-529A8ADC2334}"/>
+              <a:ext uri="{28A0092B-C50C-407E-A947-70E740481C1C}">
+                <a14:useLocalDpi xmlns:a14="http://schemas.microsoft.com/office/drawing/2010/main" val="0"/>
               </a:ext>
             </a:extLst>
-          </p:cNvPr>
-          <p:cNvSpPr>
-            <a:spLocks noGrp="1"/>
-          </p:cNvSpPr>
-          <p:nvPr>
-            <p:ph type="title"/>
-          </p:nvPr>
-        </p:nvSpPr>
+          </a:blip>
+          <a:stretch>
+            <a:fillRect/>
+          </a:stretch>
+        </p:blipFill>
         <p:spPr>
           <a:xfrm>
-            <a:off x="839788" y="365125"/>
-            <a:ext cx="10515600" cy="1325563"/>
+            <a:off x="913795" y="1734506"/>
+            <a:ext cx="5089072" cy="4148769"/>
+          </a:xfrm>
+          <a:prstGeom prst="rect">
+            <a:avLst/>
+          </a:prstGeom>
+        </p:spPr>
+      </p:pic>
+      <p:pic>
+        <p:nvPicPr>
+          <p:cNvPr id="21" name="Picture 20" descr="Slate-V2-HD-compPhotoInset.png"/>
+          <p:cNvPicPr>
+            <a:picLocks noChangeAspect="1"/>
+          </p:cNvPicPr>
+          <p:nvPr/>
+        </p:nvPicPr>
+        <p:blipFill>
+          <a:blip r:embed="rId2">
+            <a:extLst>
+              <a:ext uri="{28A0092B-C50C-407E-A947-70E740481C1C}">
+                <a14:useLocalDpi xmlns:a14="http://schemas.microsoft.com/office/drawing/2010/main" val="0"/>
+              </a:ext>
+            </a:extLst>
+          </a:blip>
+          <a:stretch>
+            <a:fillRect/>
+          </a:stretch>
+        </p:blipFill>
+        <p:spPr>
+          <a:xfrm>
+            <a:off x="6178485" y="1734506"/>
+            <a:ext cx="5089072" cy="4148769"/>
+          </a:xfrm>
+          <a:prstGeom prst="rect">
+            <a:avLst/>
+          </a:prstGeom>
+        </p:spPr>
+      </p:pic>
+      <p:sp>
+        <p:nvSpPr>
+          <p:cNvPr id="2" name="Title 1"/>
+          <p:cNvSpPr>
+            <a:spLocks noGrp="1"/>
+          </p:cNvSpPr>
+          <p:nvPr>
+            <p:ph type="title"/>
+          </p:nvPr>
+        </p:nvSpPr>
+        <p:spPr/>
+        <p:txBody>
+          <a:bodyPr/>
+          <a:lstStyle>
+            <a:lvl1pPr>
+              <a:defRPr/>
+            </a:lvl1pPr>
+          </a:lstStyle>
+          <a:p>
+            <a:r>
+              <a:rPr lang="en-US"/>
+              <a:t>Click to edit Master title style</a:t>
+            </a:r>
+            <a:endParaRPr lang="en-US" dirty="0"/>
+          </a:p>
+        </p:txBody>
+      </p:sp>
+      <p:sp>
+        <p:nvSpPr>
+          <p:cNvPr id="3" name="Text Placeholder 2"/>
+          <p:cNvSpPr>
+            <a:spLocks noGrp="1"/>
+          </p:cNvSpPr>
+          <p:nvPr>
+            <p:ph type="body" idx="1"/>
+          </p:nvPr>
+        </p:nvSpPr>
+        <p:spPr>
+          <a:xfrm>
+            <a:off x="1005872" y="1835254"/>
+            <a:ext cx="4876344" cy="544884"/>
           </a:xfrm>
         </p:spPr>
         <p:txBody>
-          <a:bodyPr/>
-          <a:lstStyle/>
-          <a:p>
-            <a:r>
-              <a:rPr lang="en-US"/>
-              <a:t>Click to edit Master title style</a:t>
-            </a:r>
-            <a:endParaRPr lang="en-FI"/>
-          </a:p>
-        </p:txBody>
-      </p:sp>
-      <p:sp>
-        <p:nvSpPr>
-          <p:cNvPr id="3" name="Text Placeholder 2">
-            <a:extLst>
-              <a:ext uri="{FF2B5EF4-FFF2-40B4-BE49-F238E27FC236}">
-                <a16:creationId xmlns:a16="http://schemas.microsoft.com/office/drawing/2014/main" id="{D46D54CA-C569-58DB-FFB0-E5FE70EEBF9E}"/>
-              </a:ext>
-            </a:extLst>
-          </p:cNvPr>
-          <p:cNvSpPr>
-            <a:spLocks noGrp="1"/>
-          </p:cNvSpPr>
-          <p:nvPr>
-            <p:ph type="body" idx="1"/>
-          </p:nvPr>
-        </p:nvSpPr>
-        <p:spPr>
-          <a:xfrm>
-            <a:off x="839788" y="1681163"/>
-            <a:ext cx="5157787" cy="823912"/>
-          </a:xfrm>
-        </p:spPr>
-        <p:txBody>
-          <a:bodyPr anchor="b"/>
+          <a:bodyPr anchor="b">
+            <a:noAutofit/>
+          </a:bodyPr>
           <a:lstStyle>
-            <a:lvl1pPr marL="0" indent="0">
-              <a:buNone/>
-              <a:defRPr sz="2400" b="1"/>
+            <a:lvl1pPr marL="0" indent="0" algn="ctr">
+              <a:buNone/>
+              <a:defRPr sz="2400" b="0"/>
             </a:lvl1pPr>
             <a:lvl2pPr marL="457200" indent="0">
               <a:buNone/>
@@ -1613,13 +4117,7 @@
       </p:sp>
       <p:sp>
         <p:nvSpPr>
-          <p:cNvPr id="4" name="Content Placeholder 3">
-            <a:extLst>
-              <a:ext uri="{FF2B5EF4-FFF2-40B4-BE49-F238E27FC236}">
-                <a16:creationId xmlns:a16="http://schemas.microsoft.com/office/drawing/2014/main" id="{E65D929A-B95B-7601-FB4E-EA3B50487A9D}"/>
-              </a:ext>
-            </a:extLst>
-          </p:cNvPr>
+          <p:cNvPr id="4" name="Content Placeholder 3"/>
           <p:cNvSpPr>
             <a:spLocks noGrp="1"/>
           </p:cNvSpPr>
@@ -1629,13 +4127,31 @@
         </p:nvSpPr>
         <p:spPr>
           <a:xfrm>
-            <a:off x="839788" y="2505075"/>
-            <a:ext cx="5157787" cy="3684588"/>
+            <a:off x="1005872" y="2380137"/>
+            <a:ext cx="4876344" cy="3411063"/>
           </a:xfrm>
         </p:spPr>
         <p:txBody>
-          <a:bodyPr/>
-          <a:lstStyle/>
+          <a:bodyPr anchor="t">
+            <a:normAutofit/>
+          </a:bodyPr>
+          <a:lstStyle>
+            <a:lvl1pPr>
+              <a:defRPr sz="1800"/>
+            </a:lvl1pPr>
+            <a:lvl2pPr>
+              <a:defRPr sz="1600"/>
+            </a:lvl2pPr>
+            <a:lvl3pPr>
+              <a:defRPr sz="1400"/>
+            </a:lvl3pPr>
+            <a:lvl4pPr>
+              <a:defRPr sz="1200"/>
+            </a:lvl4pPr>
+            <a:lvl5pPr>
+              <a:defRPr sz="1200"/>
+            </a:lvl5pPr>
+          </a:lstStyle>
           <a:p>
             <a:pPr lvl="0"/>
             <a:r>
@@ -1670,19 +4186,13 @@
               <a:rPr lang="en-US"/>
               <a:t>Fifth level</a:t>
             </a:r>
-            <a:endParaRPr lang="en-FI"/>
-          </a:p>
-        </p:txBody>
-      </p:sp>
-      <p:sp>
-        <p:nvSpPr>
-          <p:cNvPr id="5" name="Text Placeholder 4">
-            <a:extLst>
-              <a:ext uri="{FF2B5EF4-FFF2-40B4-BE49-F238E27FC236}">
-                <a16:creationId xmlns:a16="http://schemas.microsoft.com/office/drawing/2014/main" id="{4F49388B-503A-3EFE-FD59-3DF627A6D461}"/>
-              </a:ext>
-            </a:extLst>
-          </p:cNvPr>
+            <a:endParaRPr lang="en-US" dirty="0"/>
+          </a:p>
+        </p:txBody>
+      </p:sp>
+      <p:sp>
+        <p:nvSpPr>
+          <p:cNvPr id="5" name="Text Placeholder 4"/>
           <p:cNvSpPr>
             <a:spLocks noGrp="1"/>
           </p:cNvSpPr>
@@ -1692,16 +4202,18 @@
         </p:nvSpPr>
         <p:spPr>
           <a:xfrm>
-            <a:off x="6172200" y="1681163"/>
-            <a:ext cx="5183188" cy="823912"/>
+            <a:off x="6294967" y="1835254"/>
+            <a:ext cx="4895330" cy="544883"/>
           </a:xfrm>
         </p:spPr>
         <p:txBody>
-          <a:bodyPr anchor="b"/>
+          <a:bodyPr anchor="b">
+            <a:noAutofit/>
+          </a:bodyPr>
           <a:lstStyle>
-            <a:lvl1pPr marL="0" indent="0">
-              <a:buNone/>
-              <a:defRPr sz="2400" b="1"/>
+            <a:lvl1pPr marL="0" indent="0" algn="ctr">
+              <a:buNone/>
+              <a:defRPr sz="2400" b="0"/>
             </a:lvl1pPr>
             <a:lvl2pPr marL="457200" indent="0">
               <a:buNone/>
@@ -1747,13 +4259,7 @@
       </p:sp>
       <p:sp>
         <p:nvSpPr>
-          <p:cNvPr id="6" name="Content Placeholder 5">
-            <a:extLst>
-              <a:ext uri="{FF2B5EF4-FFF2-40B4-BE49-F238E27FC236}">
-                <a16:creationId xmlns:a16="http://schemas.microsoft.com/office/drawing/2014/main" id="{EEA19827-EE3D-FE3A-CFA8-D6CD936ECC21}"/>
-              </a:ext>
-            </a:extLst>
-          </p:cNvPr>
+          <p:cNvPr id="6" name="Content Placeholder 5"/>
           <p:cNvSpPr>
             <a:spLocks noGrp="1"/>
           </p:cNvSpPr>
@@ -1763,13 +4269,31 @@
         </p:nvSpPr>
         <p:spPr>
           <a:xfrm>
-            <a:off x="6172200" y="2505075"/>
-            <a:ext cx="5183188" cy="3684588"/>
+            <a:off x="6294967" y="2380137"/>
+            <a:ext cx="4895330" cy="3411063"/>
           </a:xfrm>
         </p:spPr>
         <p:txBody>
-          <a:bodyPr/>
-          <a:lstStyle/>
+          <a:bodyPr anchor="t">
+            <a:normAutofit/>
+          </a:bodyPr>
+          <a:lstStyle>
+            <a:lvl1pPr>
+              <a:defRPr sz="1800"/>
+            </a:lvl1pPr>
+            <a:lvl2pPr>
+              <a:defRPr sz="1600"/>
+            </a:lvl2pPr>
+            <a:lvl3pPr>
+              <a:defRPr sz="1400"/>
+            </a:lvl3pPr>
+            <a:lvl4pPr>
+              <a:defRPr sz="1200"/>
+            </a:lvl4pPr>
+            <a:lvl5pPr>
+              <a:defRPr sz="1200"/>
+            </a:lvl5pPr>
+          </a:lstStyle>
           <a:p>
             <a:pPr lvl="0"/>
             <a:r>
@@ -1804,19 +4328,13 @@
               <a:rPr lang="en-US"/>
               <a:t>Fifth level</a:t>
             </a:r>
-            <a:endParaRPr lang="en-FI"/>
-          </a:p>
-        </p:txBody>
-      </p:sp>
-      <p:sp>
-        <p:nvSpPr>
-          <p:cNvPr id="7" name="Date Placeholder 6">
-            <a:extLst>
-              <a:ext uri="{FF2B5EF4-FFF2-40B4-BE49-F238E27FC236}">
-                <a16:creationId xmlns:a16="http://schemas.microsoft.com/office/drawing/2014/main" id="{C50B989D-CC5B-338F-CF9A-439F647F6001}"/>
-              </a:ext>
-            </a:extLst>
-          </p:cNvPr>
+            <a:endParaRPr lang="en-US" dirty="0"/>
+          </a:p>
+        </p:txBody>
+      </p:sp>
+      <p:sp>
+        <p:nvSpPr>
+          <p:cNvPr id="7" name="Date Placeholder 6"/>
           <p:cNvSpPr>
             <a:spLocks noGrp="1"/>
           </p:cNvSpPr>
@@ -1831,7 +4349,7 @@
           <a:p>
             <a:fld id="{4EF22D02-7338-4660-922A-63734C7FA6B5}" type="datetimeFigureOut">
               <a:rPr lang="en-FI" smtClean="0"/>
-              <a:t>31/07/2024</a:t>
+              <a:t>07/08/2024</a:t>
             </a:fld>
             <a:endParaRPr lang="en-FI"/>
           </a:p>
@@ -1839,13 +4357,7 @@
       </p:sp>
       <p:sp>
         <p:nvSpPr>
-          <p:cNvPr id="8" name="Footer Placeholder 7">
-            <a:extLst>
-              <a:ext uri="{FF2B5EF4-FFF2-40B4-BE49-F238E27FC236}">
-                <a16:creationId xmlns:a16="http://schemas.microsoft.com/office/drawing/2014/main" id="{AC837D60-45E6-518C-513D-81A10A4F2B1D}"/>
-              </a:ext>
-            </a:extLst>
-          </p:cNvPr>
+          <p:cNvPr id="8" name="Footer Placeholder 7"/>
           <p:cNvSpPr>
             <a:spLocks noGrp="1"/>
           </p:cNvSpPr>
@@ -1864,13 +4376,7 @@
       </p:sp>
       <p:sp>
         <p:nvSpPr>
-          <p:cNvPr id="9" name="Slide Number Placeholder 8">
-            <a:extLst>
-              <a:ext uri="{FF2B5EF4-FFF2-40B4-BE49-F238E27FC236}">
-                <a16:creationId xmlns:a16="http://schemas.microsoft.com/office/drawing/2014/main" id="{499B263F-1C84-3175-503B-E84ECFF551DD}"/>
-              </a:ext>
-            </a:extLst>
-          </p:cNvPr>
+          <p:cNvPr id="9" name="Slide Number Placeholder 8"/>
           <p:cNvSpPr>
             <a:spLocks noGrp="1"/>
           </p:cNvSpPr>
@@ -1894,7 +4400,7 @@
     </p:spTree>
     <p:extLst>
       <p:ext uri="{BB962C8B-B14F-4D97-AF65-F5344CB8AC3E}">
-        <p14:creationId xmlns:p14="http://schemas.microsoft.com/office/powerpoint/2010/main" val="59357570"/>
+        <p14:creationId xmlns:p14="http://schemas.microsoft.com/office/powerpoint/2010/main" val="2346297857"/>
       </p:ext>
     </p:extLst>
   </p:cSld>
@@ -1923,13 +4429,7 @@
       </p:grpSpPr>
       <p:sp>
         <p:nvSpPr>
-          <p:cNvPr id="2" name="Title 1">
-            <a:extLst>
-              <a:ext uri="{FF2B5EF4-FFF2-40B4-BE49-F238E27FC236}">
-                <a16:creationId xmlns:a16="http://schemas.microsoft.com/office/drawing/2014/main" id="{9411EC50-BC2B-D29B-D9E8-AC520F5EBBF1}"/>
-              </a:ext>
-            </a:extLst>
-          </p:cNvPr>
+          <p:cNvPr id="2" name="Title 1"/>
           <p:cNvSpPr>
             <a:spLocks noGrp="1"/>
           </p:cNvSpPr>
@@ -1946,19 +4446,13 @@
               <a:rPr lang="en-US"/>
               <a:t>Click to edit Master title style</a:t>
             </a:r>
-            <a:endParaRPr lang="en-FI"/>
-          </a:p>
-        </p:txBody>
-      </p:sp>
-      <p:sp>
-        <p:nvSpPr>
-          <p:cNvPr id="3" name="Date Placeholder 2">
-            <a:extLst>
-              <a:ext uri="{FF2B5EF4-FFF2-40B4-BE49-F238E27FC236}">
-                <a16:creationId xmlns:a16="http://schemas.microsoft.com/office/drawing/2014/main" id="{47F0253D-52D5-E7FD-360C-FB5F00ED7A3B}"/>
-              </a:ext>
-            </a:extLst>
-          </p:cNvPr>
+            <a:endParaRPr lang="en-US" dirty="0"/>
+          </a:p>
+        </p:txBody>
+      </p:sp>
+      <p:sp>
+        <p:nvSpPr>
+          <p:cNvPr id="3" name="Date Placeholder 2"/>
           <p:cNvSpPr>
             <a:spLocks noGrp="1"/>
           </p:cNvSpPr>
@@ -1973,7 +4467,7 @@
           <a:p>
             <a:fld id="{4EF22D02-7338-4660-922A-63734C7FA6B5}" type="datetimeFigureOut">
               <a:rPr lang="en-FI" smtClean="0"/>
-              <a:t>31/07/2024</a:t>
+              <a:t>07/08/2024</a:t>
             </a:fld>
             <a:endParaRPr lang="en-FI"/>
           </a:p>
@@ -1981,13 +4475,7 @@
       </p:sp>
       <p:sp>
         <p:nvSpPr>
-          <p:cNvPr id="4" name="Footer Placeholder 3">
-            <a:extLst>
-              <a:ext uri="{FF2B5EF4-FFF2-40B4-BE49-F238E27FC236}">
-                <a16:creationId xmlns:a16="http://schemas.microsoft.com/office/drawing/2014/main" id="{87D33A7D-4D2B-93BB-A504-BF0CE8DF4F1A}"/>
-              </a:ext>
-            </a:extLst>
-          </p:cNvPr>
+          <p:cNvPr id="4" name="Footer Placeholder 3"/>
           <p:cNvSpPr>
             <a:spLocks noGrp="1"/>
           </p:cNvSpPr>
@@ -2006,13 +4494,7 @@
       </p:sp>
       <p:sp>
         <p:nvSpPr>
-          <p:cNvPr id="5" name="Slide Number Placeholder 4">
-            <a:extLst>
-              <a:ext uri="{FF2B5EF4-FFF2-40B4-BE49-F238E27FC236}">
-                <a16:creationId xmlns:a16="http://schemas.microsoft.com/office/drawing/2014/main" id="{04651A76-60DF-DCDA-A7E3-74999A3E06F9}"/>
-              </a:ext>
-            </a:extLst>
-          </p:cNvPr>
+          <p:cNvPr id="5" name="Slide Number Placeholder 4"/>
           <p:cNvSpPr>
             <a:spLocks noGrp="1"/>
           </p:cNvSpPr>
@@ -2036,7 +4518,7 @@
     </p:spTree>
     <p:extLst>
       <p:ext uri="{BB962C8B-B14F-4D97-AF65-F5344CB8AC3E}">
-        <p14:creationId xmlns:p14="http://schemas.microsoft.com/office/powerpoint/2010/main" val="2733638125"/>
+        <p14:creationId xmlns:p14="http://schemas.microsoft.com/office/powerpoint/2010/main" val="1723934711"/>
       </p:ext>
     </p:extLst>
   </p:cSld>
@@ -2065,13 +4547,7 @@
       </p:grpSpPr>
       <p:sp>
         <p:nvSpPr>
-          <p:cNvPr id="2" name="Date Placeholder 1">
-            <a:extLst>
-              <a:ext uri="{FF2B5EF4-FFF2-40B4-BE49-F238E27FC236}">
-                <a16:creationId xmlns:a16="http://schemas.microsoft.com/office/drawing/2014/main" id="{D05BFE97-A51C-0AC5-FCDF-729584C7C86F}"/>
-              </a:ext>
-            </a:extLst>
-          </p:cNvPr>
+          <p:cNvPr id="2" name="Date Placeholder 1"/>
           <p:cNvSpPr>
             <a:spLocks noGrp="1"/>
           </p:cNvSpPr>
@@ -2086,7 +4562,7 @@
           <a:p>
             <a:fld id="{4EF22D02-7338-4660-922A-63734C7FA6B5}" type="datetimeFigureOut">
               <a:rPr lang="en-FI" smtClean="0"/>
-              <a:t>31/07/2024</a:t>
+              <a:t>07/08/2024</a:t>
             </a:fld>
             <a:endParaRPr lang="en-FI"/>
           </a:p>
@@ -2094,13 +4570,7 @@
       </p:sp>
       <p:sp>
         <p:nvSpPr>
-          <p:cNvPr id="3" name="Footer Placeholder 2">
-            <a:extLst>
-              <a:ext uri="{FF2B5EF4-FFF2-40B4-BE49-F238E27FC236}">
-                <a16:creationId xmlns:a16="http://schemas.microsoft.com/office/drawing/2014/main" id="{E80EB44A-A4A4-93C3-F593-30D898056879}"/>
-              </a:ext>
-            </a:extLst>
-          </p:cNvPr>
+          <p:cNvPr id="3" name="Footer Placeholder 2"/>
           <p:cNvSpPr>
             <a:spLocks noGrp="1"/>
           </p:cNvSpPr>
@@ -2119,13 +4589,7 @@
       </p:sp>
       <p:sp>
         <p:nvSpPr>
-          <p:cNvPr id="4" name="Slide Number Placeholder 3">
-            <a:extLst>
-              <a:ext uri="{FF2B5EF4-FFF2-40B4-BE49-F238E27FC236}">
-                <a16:creationId xmlns:a16="http://schemas.microsoft.com/office/drawing/2014/main" id="{97973EFB-0A6E-DDE6-E9AC-0F5C4737B05B}"/>
-              </a:ext>
-            </a:extLst>
-          </p:cNvPr>
+          <p:cNvPr id="4" name="Slide Number Placeholder 3"/>
           <p:cNvSpPr>
             <a:spLocks noGrp="1"/>
           </p:cNvSpPr>
@@ -2149,7 +4613,7 @@
     </p:spTree>
     <p:extLst>
       <p:ext uri="{BB962C8B-B14F-4D97-AF65-F5344CB8AC3E}">
-        <p14:creationId xmlns:p14="http://schemas.microsoft.com/office/powerpoint/2010/main" val="2370541459"/>
+        <p14:creationId xmlns:p14="http://schemas.microsoft.com/office/powerpoint/2010/main" val="1626723385"/>
       </p:ext>
     </p:extLst>
   </p:cSld>
@@ -2178,13 +4642,7 @@
       </p:grpSpPr>
       <p:sp>
         <p:nvSpPr>
-          <p:cNvPr id="2" name="Title 1">
-            <a:extLst>
-              <a:ext uri="{FF2B5EF4-FFF2-40B4-BE49-F238E27FC236}">
-                <a16:creationId xmlns:a16="http://schemas.microsoft.com/office/drawing/2014/main" id="{3A265C6C-1465-3BFA-7267-0A1EB5279918}"/>
-              </a:ext>
-            </a:extLst>
-          </p:cNvPr>
+          <p:cNvPr id="2" name="Title 1"/>
           <p:cNvSpPr>
             <a:spLocks noGrp="1"/>
           </p:cNvSpPr>
@@ -2194,15 +4652,17 @@
         </p:nvSpPr>
         <p:spPr>
           <a:xfrm>
-            <a:off x="839788" y="457200"/>
-            <a:ext cx="3932237" cy="1600200"/>
+            <a:off x="913795" y="609600"/>
+            <a:ext cx="3706889" cy="1821918"/>
           </a:xfrm>
         </p:spPr>
         <p:txBody>
-          <a:bodyPr anchor="b"/>
+          <a:bodyPr anchor="b">
+            <a:normAutofit/>
+          </a:bodyPr>
           <a:lstStyle>
-            <a:lvl1pPr>
-              <a:defRPr sz="3200"/>
+            <a:lvl1pPr algn="ctr">
+              <a:defRPr sz="2400" b="0"/>
             </a:lvl1pPr>
           </a:lstStyle>
           <a:p>
@@ -2210,19 +4670,13 @@
               <a:rPr lang="en-US"/>
               <a:t>Click to edit Master title style</a:t>
             </a:r>
-            <a:endParaRPr lang="en-FI"/>
-          </a:p>
-        </p:txBody>
-      </p:sp>
-      <p:sp>
-        <p:nvSpPr>
-          <p:cNvPr id="3" name="Content Placeholder 2">
-            <a:extLst>
-              <a:ext uri="{FF2B5EF4-FFF2-40B4-BE49-F238E27FC236}">
-                <a16:creationId xmlns:a16="http://schemas.microsoft.com/office/drawing/2014/main" id="{593BD6A5-9954-816D-A544-C29839216923}"/>
-              </a:ext>
-            </a:extLst>
-          </p:cNvPr>
+            <a:endParaRPr lang="en-US" dirty="0"/>
+          </a:p>
+        </p:txBody>
+      </p:sp>
+      <p:sp>
+        <p:nvSpPr>
+          <p:cNvPr id="3" name="Content Placeholder 2"/>
           <p:cNvSpPr>
             <a:spLocks noGrp="1"/>
           </p:cNvSpPr>
@@ -2232,41 +4686,15 @@
         </p:nvSpPr>
         <p:spPr>
           <a:xfrm>
-            <a:off x="5183188" y="987425"/>
-            <a:ext cx="6172200" cy="4873625"/>
+            <a:off x="4855633" y="609600"/>
+            <a:ext cx="6411924" cy="5181600"/>
           </a:xfrm>
         </p:spPr>
         <p:txBody>
-          <a:bodyPr/>
-          <a:lstStyle>
-            <a:lvl1pPr>
-              <a:defRPr sz="3200"/>
-            </a:lvl1pPr>
-            <a:lvl2pPr>
-              <a:defRPr sz="2800"/>
-            </a:lvl2pPr>
-            <a:lvl3pPr>
-              <a:defRPr sz="2400"/>
-            </a:lvl3pPr>
-            <a:lvl4pPr>
-              <a:defRPr sz="2000"/>
-            </a:lvl4pPr>
-            <a:lvl5pPr>
-              <a:defRPr sz="2000"/>
-            </a:lvl5pPr>
-            <a:lvl6pPr>
-              <a:defRPr sz="2000"/>
-            </a:lvl6pPr>
-            <a:lvl7pPr>
-              <a:defRPr sz="2000"/>
-            </a:lvl7pPr>
-            <a:lvl8pPr>
-              <a:defRPr sz="2000"/>
-            </a:lvl8pPr>
-            <a:lvl9pPr>
-              <a:defRPr sz="2000"/>
-            </a:lvl9pPr>
-          </a:lstStyle>
+          <a:bodyPr>
+            <a:normAutofit/>
+          </a:bodyPr>
+          <a:lstStyle/>
           <a:p>
             <a:pPr lvl="0"/>
             <a:r>
@@ -2301,19 +4729,13 @@
               <a:rPr lang="en-US"/>
               <a:t>Fifth level</a:t>
             </a:r>
-            <a:endParaRPr lang="en-FI"/>
-          </a:p>
-        </p:txBody>
-      </p:sp>
-      <p:sp>
-        <p:nvSpPr>
-          <p:cNvPr id="4" name="Text Placeholder 3">
-            <a:extLst>
-              <a:ext uri="{FF2B5EF4-FFF2-40B4-BE49-F238E27FC236}">
-                <a16:creationId xmlns:a16="http://schemas.microsoft.com/office/drawing/2014/main" id="{4F433614-359B-32A1-5071-C1E7399F7888}"/>
-              </a:ext>
-            </a:extLst>
-          </p:cNvPr>
+            <a:endParaRPr lang="en-US" dirty="0"/>
+          </a:p>
+        </p:txBody>
+      </p:sp>
+      <p:sp>
+        <p:nvSpPr>
+          <p:cNvPr id="4" name="Text Placeholder 3"/>
           <p:cNvSpPr>
             <a:spLocks noGrp="1"/>
           </p:cNvSpPr>
@@ -2323,48 +4745,50 @@
         </p:nvSpPr>
         <p:spPr>
           <a:xfrm>
-            <a:off x="839788" y="2057400"/>
-            <a:ext cx="3932237" cy="3811588"/>
+            <a:off x="913795" y="2431518"/>
+            <a:ext cx="3706889" cy="3359681"/>
           </a:xfrm>
         </p:spPr>
         <p:txBody>
-          <a:bodyPr/>
+          <a:bodyPr anchor="t">
+            <a:normAutofit/>
+          </a:bodyPr>
           <a:lstStyle>
-            <a:lvl1pPr marL="0" indent="0">
+            <a:lvl1pPr marL="0" indent="0" algn="ctr">
               <a:buNone/>
               <a:defRPr sz="1600"/>
             </a:lvl1pPr>
             <a:lvl2pPr marL="457200" indent="0">
               <a:buNone/>
-              <a:defRPr sz="1400"/>
+              <a:defRPr sz="1200"/>
             </a:lvl2pPr>
             <a:lvl3pPr marL="914400" indent="0">
               <a:buNone/>
-              <a:defRPr sz="1200"/>
+              <a:defRPr sz="1000"/>
             </a:lvl3pPr>
             <a:lvl4pPr marL="1371600" indent="0">
               <a:buNone/>
-              <a:defRPr sz="1000"/>
+              <a:defRPr sz="900"/>
             </a:lvl4pPr>
             <a:lvl5pPr marL="1828800" indent="0">
               <a:buNone/>
-              <a:defRPr sz="1000"/>
+              <a:defRPr sz="900"/>
             </a:lvl5pPr>
             <a:lvl6pPr marL="2286000" indent="0">
               <a:buNone/>
-              <a:defRPr sz="1000"/>
+              <a:defRPr sz="900"/>
             </a:lvl6pPr>
             <a:lvl7pPr marL="2743200" indent="0">
               <a:buNone/>
-              <a:defRPr sz="1000"/>
+              <a:defRPr sz="900"/>
             </a:lvl7pPr>
             <a:lvl8pPr marL="3200400" indent="0">
               <a:buNone/>
-              <a:defRPr sz="1000"/>
+              <a:defRPr sz="900"/>
             </a:lvl8pPr>
             <a:lvl9pPr marL="3657600" indent="0">
               <a:buNone/>
-              <a:defRPr sz="1000"/>
+              <a:defRPr sz="900"/>
             </a:lvl9pPr>
           </a:lstStyle>
           <a:p>
@@ -2378,13 +4802,7 @@
       </p:sp>
       <p:sp>
         <p:nvSpPr>
-          <p:cNvPr id="5" name="Date Placeholder 4">
-            <a:extLst>
-              <a:ext uri="{FF2B5EF4-FFF2-40B4-BE49-F238E27FC236}">
-                <a16:creationId xmlns:a16="http://schemas.microsoft.com/office/drawing/2014/main" id="{D0C76C3B-7736-35E8-359D-B6FE6EB7D94A}"/>
-              </a:ext>
-            </a:extLst>
-          </p:cNvPr>
+          <p:cNvPr id="5" name="Date Placeholder 4"/>
           <p:cNvSpPr>
             <a:spLocks noGrp="1"/>
           </p:cNvSpPr>
@@ -2399,7 +4817,7 @@
           <a:p>
             <a:fld id="{4EF22D02-7338-4660-922A-63734C7FA6B5}" type="datetimeFigureOut">
               <a:rPr lang="en-FI" smtClean="0"/>
-              <a:t>31/07/2024</a:t>
+              <a:t>07/08/2024</a:t>
             </a:fld>
             <a:endParaRPr lang="en-FI"/>
           </a:p>
@@ -2407,13 +4825,7 @@
       </p:sp>
       <p:sp>
         <p:nvSpPr>
-          <p:cNvPr id="6" name="Footer Placeholder 5">
-            <a:extLst>
-              <a:ext uri="{FF2B5EF4-FFF2-40B4-BE49-F238E27FC236}">
-                <a16:creationId xmlns:a16="http://schemas.microsoft.com/office/drawing/2014/main" id="{74A653D1-8D1F-5E7A-7956-3CE309EDD21A}"/>
-              </a:ext>
-            </a:extLst>
-          </p:cNvPr>
+          <p:cNvPr id="6" name="Footer Placeholder 5"/>
           <p:cNvSpPr>
             <a:spLocks noGrp="1"/>
           </p:cNvSpPr>
@@ -2432,13 +4844,7 @@
       </p:sp>
       <p:sp>
         <p:nvSpPr>
-          <p:cNvPr id="7" name="Slide Number Placeholder 6">
-            <a:extLst>
-              <a:ext uri="{FF2B5EF4-FFF2-40B4-BE49-F238E27FC236}">
-                <a16:creationId xmlns:a16="http://schemas.microsoft.com/office/drawing/2014/main" id="{CFA48492-C634-664D-068E-15DD613A6280}"/>
-              </a:ext>
-            </a:extLst>
-          </p:cNvPr>
+          <p:cNvPr id="7" name="Slide Number Placeholder 6"/>
           <p:cNvSpPr>
             <a:spLocks noGrp="1"/>
           </p:cNvSpPr>
@@ -2462,7 +4868,7 @@
     </p:spTree>
     <p:extLst>
       <p:ext uri="{BB962C8B-B14F-4D97-AF65-F5344CB8AC3E}">
-        <p14:creationId xmlns:p14="http://schemas.microsoft.com/office/powerpoint/2010/main" val="2842182959"/>
+        <p14:creationId xmlns:p14="http://schemas.microsoft.com/office/powerpoint/2010/main" val="1497407561"/>
       </p:ext>
     </p:extLst>
   </p:cSld>
@@ -2489,33 +4895,59 @@
           <a:chExt cx="0" cy="0"/>
         </a:xfrm>
       </p:grpSpPr>
-      <p:sp>
-        <p:nvSpPr>
-          <p:cNvPr id="2" name="Title 1">
+      <p:pic>
+        <p:nvPicPr>
+          <p:cNvPr id="22" name="Picture 21" descr="Slate-V2-HD-vertPhotoInset.png"/>
+          <p:cNvPicPr>
+            <a:picLocks noChangeAspect="1"/>
+          </p:cNvPicPr>
+          <p:nvPr/>
+        </p:nvPicPr>
+        <p:blipFill>
+          <a:blip r:embed="rId2">
             <a:extLst>
-              <a:ext uri="{FF2B5EF4-FFF2-40B4-BE49-F238E27FC236}">
-                <a16:creationId xmlns:a16="http://schemas.microsoft.com/office/drawing/2014/main" id="{61A50ED1-0B73-07C1-65B7-12A2960EB5D4}"/>
+              <a:ext uri="{28A0092B-C50C-407E-A947-70E740481C1C}">
+                <a14:useLocalDpi xmlns:a14="http://schemas.microsoft.com/office/drawing/2010/main" val="0"/>
               </a:ext>
             </a:extLst>
-          </p:cNvPr>
-          <p:cNvSpPr>
-            <a:spLocks noGrp="1"/>
-          </p:cNvSpPr>
-          <p:nvPr>
-            <p:ph type="title"/>
-          </p:nvPr>
-        </p:nvSpPr>
+          </a:blip>
+          <a:stretch>
+            <a:fillRect/>
+          </a:stretch>
+        </p:blipFill>
         <p:spPr>
           <a:xfrm>
-            <a:off x="839788" y="457200"/>
-            <a:ext cx="3932237" cy="1600200"/>
+            <a:off x="7293665" y="609600"/>
+            <a:ext cx="3584166" cy="5204832"/>
+          </a:xfrm>
+          <a:prstGeom prst="rect">
+            <a:avLst/>
+          </a:prstGeom>
+        </p:spPr>
+      </p:pic>
+      <p:sp>
+        <p:nvSpPr>
+          <p:cNvPr id="2" name="Title 1"/>
+          <p:cNvSpPr>
+            <a:spLocks noGrp="1"/>
+          </p:cNvSpPr>
+          <p:nvPr>
+            <p:ph type="title"/>
+          </p:nvPr>
+        </p:nvSpPr>
+        <p:spPr>
+          <a:xfrm>
+            <a:off x="913795" y="609923"/>
+            <a:ext cx="5934949" cy="1829338"/>
           </a:xfrm>
         </p:spPr>
         <p:txBody>
-          <a:bodyPr anchor="b"/>
+          <a:bodyPr anchor="b">
+            <a:noAutofit/>
+          </a:bodyPr>
           <a:lstStyle>
-            <a:lvl1pPr>
-              <a:defRPr sz="3200"/>
+            <a:lvl1pPr algn="ctr">
+              <a:defRPr sz="3200" b="0"/>
             </a:lvl1pPr>
           </a:lstStyle>
           <a:p>
@@ -2523,21 +4955,15 @@
               <a:rPr lang="en-US"/>
               <a:t>Click to edit Master title style</a:t>
             </a:r>
-            <a:endParaRPr lang="en-FI"/>
-          </a:p>
-        </p:txBody>
-      </p:sp>
-      <p:sp>
-        <p:nvSpPr>
-          <p:cNvPr id="3" name="Picture Placeholder 2">
-            <a:extLst>
-              <a:ext uri="{FF2B5EF4-FFF2-40B4-BE49-F238E27FC236}">
-                <a16:creationId xmlns:a16="http://schemas.microsoft.com/office/drawing/2014/main" id="{7CB462A3-CA9F-8C16-8482-04FC02B33CC4}"/>
-              </a:ext>
-            </a:extLst>
-          </p:cNvPr>
-          <p:cNvSpPr>
-            <a:spLocks noGrp="1"/>
+            <a:endParaRPr lang="en-US" dirty="0"/>
+          </a:p>
+        </p:txBody>
+      </p:sp>
+      <p:sp>
+        <p:nvSpPr>
+          <p:cNvPr id="3" name="Picture Placeholder 2"/>
+          <p:cNvSpPr>
+            <a:spLocks noGrp="1" noChangeAspect="1"/>
           </p:cNvSpPr>
           <p:nvPr>
             <p:ph type="pic" idx="1"/>
@@ -2545,118 +4971,127 @@
         </p:nvSpPr>
         <p:spPr>
           <a:xfrm>
-            <a:off x="5183188" y="987425"/>
-            <a:ext cx="6172200" cy="4873625"/>
+            <a:off x="7442551" y="763702"/>
+            <a:ext cx="3275751" cy="4912822"/>
           </a:xfrm>
+          <a:effectLst>
+            <a:outerShdw blurRad="38100" dist="25400" dir="4440000">
+              <a:srgbClr val="000000">
+                <a:alpha val="36000"/>
+              </a:srgbClr>
+            </a:outerShdw>
+          </a:effectLst>
         </p:spPr>
         <p:txBody>
-          <a:bodyPr/>
+          <a:bodyPr anchor="t">
+            <a:normAutofit/>
+          </a:bodyPr>
           <a:lstStyle>
-            <a:lvl1pPr marL="0" indent="0">
-              <a:buNone/>
-              <a:defRPr sz="3200"/>
-            </a:lvl1pPr>
-            <a:lvl2pPr marL="457200" indent="0">
-              <a:buNone/>
-              <a:defRPr sz="2800"/>
-            </a:lvl2pPr>
-            <a:lvl3pPr marL="914400" indent="0">
-              <a:buNone/>
-              <a:defRPr sz="2400"/>
-            </a:lvl3pPr>
-            <a:lvl4pPr marL="1371600" indent="0">
-              <a:buNone/>
-              <a:defRPr sz="2000"/>
-            </a:lvl4pPr>
-            <a:lvl5pPr marL="1828800" indent="0">
-              <a:buNone/>
-              <a:defRPr sz="2000"/>
-            </a:lvl5pPr>
-            <a:lvl6pPr marL="2286000" indent="0">
-              <a:buNone/>
-              <a:defRPr sz="2000"/>
-            </a:lvl6pPr>
-            <a:lvl7pPr marL="2743200" indent="0">
-              <a:buNone/>
-              <a:defRPr sz="2000"/>
-            </a:lvl7pPr>
-            <a:lvl8pPr marL="3200400" indent="0">
-              <a:buNone/>
-              <a:defRPr sz="2000"/>
-            </a:lvl8pPr>
-            <a:lvl9pPr marL="3657600" indent="0">
-              <a:buNone/>
-              <a:defRPr sz="2000"/>
-            </a:lvl9pPr>
-          </a:lstStyle>
-          <a:p>
-            <a:endParaRPr lang="en-FI"/>
-          </a:p>
-        </p:txBody>
-      </p:sp>
-      <p:sp>
-        <p:nvSpPr>
-          <p:cNvPr id="4" name="Text Placeholder 3">
-            <a:extLst>
-              <a:ext uri="{FF2B5EF4-FFF2-40B4-BE49-F238E27FC236}">
-                <a16:creationId xmlns:a16="http://schemas.microsoft.com/office/drawing/2014/main" id="{BEA6C7DB-BB84-5B85-EBA6-6AEF0740B48B}"/>
-              </a:ext>
-            </a:extLst>
-          </p:cNvPr>
-          <p:cNvSpPr>
-            <a:spLocks noGrp="1"/>
-          </p:cNvSpPr>
-          <p:nvPr>
-            <p:ph type="body" sz="half" idx="2"/>
-          </p:nvPr>
-        </p:nvSpPr>
-        <p:spPr>
-          <a:xfrm>
-            <a:off x="839788" y="2057400"/>
-            <a:ext cx="3932237" cy="3811588"/>
-          </a:xfrm>
-        </p:spPr>
-        <p:txBody>
-          <a:bodyPr/>
-          <a:lstStyle>
-            <a:lvl1pPr marL="0" indent="0">
+            <a:lvl1pPr marL="0" indent="0" algn="ctr">
               <a:buNone/>
               <a:defRPr sz="1600"/>
             </a:lvl1pPr>
             <a:lvl2pPr marL="457200" indent="0">
               <a:buNone/>
-              <a:defRPr sz="1400"/>
+              <a:defRPr sz="1600"/>
             </a:lvl2pPr>
             <a:lvl3pPr marL="914400" indent="0">
               <a:buNone/>
-              <a:defRPr sz="1200"/>
+              <a:defRPr sz="1600"/>
             </a:lvl3pPr>
             <a:lvl4pPr marL="1371600" indent="0">
               <a:buNone/>
-              <a:defRPr sz="1000"/>
+              <a:defRPr sz="1600"/>
             </a:lvl4pPr>
             <a:lvl5pPr marL="1828800" indent="0">
               <a:buNone/>
-              <a:defRPr sz="1000"/>
+              <a:defRPr sz="1600"/>
             </a:lvl5pPr>
             <a:lvl6pPr marL="2286000" indent="0">
               <a:buNone/>
-              <a:defRPr sz="1000"/>
+              <a:defRPr sz="1600"/>
             </a:lvl6pPr>
             <a:lvl7pPr marL="2743200" indent="0">
               <a:buNone/>
-              <a:defRPr sz="1000"/>
+              <a:defRPr sz="1600"/>
             </a:lvl7pPr>
             <a:lvl8pPr marL="3200400" indent="0">
               <a:buNone/>
-              <a:defRPr sz="1000"/>
+              <a:defRPr sz="1600"/>
             </a:lvl8pPr>
             <a:lvl9pPr marL="3657600" indent="0">
               <a:buNone/>
-              <a:defRPr sz="1000"/>
+              <a:defRPr sz="1600"/>
             </a:lvl9pPr>
           </a:lstStyle>
           <a:p>
+            <a:r>
+              <a:rPr lang="en-US"/>
+              <a:t>Click icon to add picture</a:t>
+            </a:r>
+            <a:endParaRPr lang="en-US" dirty="0"/>
+          </a:p>
+        </p:txBody>
+      </p:sp>
+      <p:sp>
+        <p:nvSpPr>
+          <p:cNvPr id="4" name="Text Placeholder 3"/>
+          <p:cNvSpPr>
+            <a:spLocks noGrp="1"/>
+          </p:cNvSpPr>
+          <p:nvPr>
+            <p:ph type="body" sz="half" idx="2"/>
+          </p:nvPr>
+        </p:nvSpPr>
+        <p:spPr>
+          <a:xfrm>
+            <a:off x="913795" y="2439261"/>
+            <a:ext cx="5934949" cy="3376134"/>
+          </a:xfrm>
+        </p:spPr>
+        <p:txBody>
+          <a:bodyPr anchor="t">
+            <a:normAutofit/>
+          </a:bodyPr>
+          <a:lstStyle>
+            <a:lvl1pPr marL="0" indent="0" algn="ctr">
+              <a:buNone/>
+              <a:defRPr sz="1600"/>
+            </a:lvl1pPr>
+            <a:lvl2pPr marL="457200" indent="0">
+              <a:buNone/>
+              <a:defRPr sz="1200"/>
+            </a:lvl2pPr>
+            <a:lvl3pPr marL="914400" indent="0">
+              <a:buNone/>
+              <a:defRPr sz="1000"/>
+            </a:lvl3pPr>
+            <a:lvl4pPr marL="1371600" indent="0">
+              <a:buNone/>
+              <a:defRPr sz="900"/>
+            </a:lvl4pPr>
+            <a:lvl5pPr marL="1828800" indent="0">
+              <a:buNone/>
+              <a:defRPr sz="900"/>
+            </a:lvl5pPr>
+            <a:lvl6pPr marL="2286000" indent="0">
+              <a:buNone/>
+              <a:defRPr sz="900"/>
+            </a:lvl6pPr>
+            <a:lvl7pPr marL="2743200" indent="0">
+              <a:buNone/>
+              <a:defRPr sz="900"/>
+            </a:lvl7pPr>
+            <a:lvl8pPr marL="3200400" indent="0">
+              <a:buNone/>
+              <a:defRPr sz="900"/>
+            </a:lvl8pPr>
+            <a:lvl9pPr marL="3657600" indent="0">
+              <a:buNone/>
+              <a:defRPr sz="900"/>
+            </a:lvl9pPr>
+          </a:lstStyle>
+          <a:p>
             <a:pPr lvl="0"/>
             <a:r>
               <a:rPr lang="en-US"/>
@@ -2667,13 +5102,7 @@
       </p:sp>
       <p:sp>
         <p:nvSpPr>
-          <p:cNvPr id="5" name="Date Placeholder 4">
-            <a:extLst>
-              <a:ext uri="{FF2B5EF4-FFF2-40B4-BE49-F238E27FC236}">
-                <a16:creationId xmlns:a16="http://schemas.microsoft.com/office/drawing/2014/main" id="{E441F775-92E5-0CF8-F541-D09ED9192268}"/>
-              </a:ext>
-            </a:extLst>
-          </p:cNvPr>
+          <p:cNvPr id="5" name="Date Placeholder 4"/>
           <p:cNvSpPr>
             <a:spLocks noGrp="1"/>
           </p:cNvSpPr>
@@ -2688,7 +5117,7 @@
           <a:p>
             <a:fld id="{4EF22D02-7338-4660-922A-63734C7FA6B5}" type="datetimeFigureOut">
               <a:rPr lang="en-FI" smtClean="0"/>
-              <a:t>31/07/2024</a:t>
+              <a:t>07/08/2024</a:t>
             </a:fld>
             <a:endParaRPr lang="en-FI"/>
           </a:p>
@@ -2696,13 +5125,7 @@
       </p:sp>
       <p:sp>
         <p:nvSpPr>
-          <p:cNvPr id="6" name="Footer Placeholder 5">
-            <a:extLst>
-              <a:ext uri="{FF2B5EF4-FFF2-40B4-BE49-F238E27FC236}">
-                <a16:creationId xmlns:a16="http://schemas.microsoft.com/office/drawing/2014/main" id="{22125DDF-97D3-2D52-68DD-DD948AB8A8EE}"/>
-              </a:ext>
-            </a:extLst>
-          </p:cNvPr>
+          <p:cNvPr id="6" name="Footer Placeholder 5"/>
           <p:cNvSpPr>
             <a:spLocks noGrp="1"/>
           </p:cNvSpPr>
@@ -2721,13 +5144,7 @@
       </p:sp>
       <p:sp>
         <p:nvSpPr>
-          <p:cNvPr id="7" name="Slide Number Placeholder 6">
-            <a:extLst>
-              <a:ext uri="{FF2B5EF4-FFF2-40B4-BE49-F238E27FC236}">
-                <a16:creationId xmlns:a16="http://schemas.microsoft.com/office/drawing/2014/main" id="{7C316B22-51E3-8CF5-DFA1-69EAF3E4537C}"/>
-              </a:ext>
-            </a:extLst>
-          </p:cNvPr>
+          <p:cNvPr id="7" name="Slide Number Placeholder 6"/>
           <p:cNvSpPr>
             <a:spLocks noGrp="1"/>
           </p:cNvSpPr>
@@ -2751,7 +5168,7 @@
     </p:spTree>
     <p:extLst>
       <p:ext uri="{BB962C8B-B14F-4D97-AF65-F5344CB8AC3E}">
-        <p14:creationId xmlns:p14="http://schemas.microsoft.com/office/powerpoint/2010/main" val="477373295"/>
+        <p14:creationId xmlns:p14="http://schemas.microsoft.com/office/powerpoint/2010/main" val="1703032930"/>
       </p:ext>
     </p:extLst>
   </p:cSld>
@@ -2765,8 +5182,8 @@
 <p:sldMaster xmlns:a="http://schemas.openxmlformats.org/drawingml/2006/main" xmlns:r="http://schemas.openxmlformats.org/officeDocument/2006/relationships" xmlns:p="http://schemas.openxmlformats.org/presentationml/2006/main">
   <p:cSld>
     <p:bg>
-      <p:bgRef idx="1001">
-        <a:schemeClr val="bg1"/>
+      <p:bgRef idx="1003">
+        <a:schemeClr val="bg2"/>
       </p:bgRef>
     </p:bg>
     <p:spTree>
@@ -2785,13 +5202,7 @@
       </p:grpSpPr>
       <p:sp>
         <p:nvSpPr>
-          <p:cNvPr id="2" name="Title Placeholder 1">
-            <a:extLst>
-              <a:ext uri="{FF2B5EF4-FFF2-40B4-BE49-F238E27FC236}">
-                <a16:creationId xmlns:a16="http://schemas.microsoft.com/office/drawing/2014/main" id="{7B08EA10-37AD-6BAB-595B-B91B5F2988C2}"/>
-              </a:ext>
-            </a:extLst>
-          </p:cNvPr>
+          <p:cNvPr id="2" name="Title Placeholder 1"/>
           <p:cNvSpPr>
             <a:spLocks noGrp="1"/>
           </p:cNvSpPr>
@@ -2801,12 +5212,19 @@
         </p:nvSpPr>
         <p:spPr>
           <a:xfrm>
-            <a:off x="838200" y="365125"/>
-            <a:ext cx="10515600" cy="1325563"/>
+            <a:off x="913795" y="609600"/>
+            <a:ext cx="10353762" cy="970450"/>
           </a:xfrm>
           <a:prstGeom prst="rect">
             <a:avLst/>
           </a:prstGeom>
+          <a:effectLst>
+            <a:outerShdw blurRad="25400" dir="17880000">
+              <a:srgbClr val="000000">
+                <a:alpha val="46000"/>
+              </a:srgbClr>
+            </a:outerShdw>
+          </a:effectLst>
         </p:spPr>
         <p:txBody>
           <a:bodyPr vert="horz" lIns="91440" tIns="45720" rIns="91440" bIns="45720" rtlCol="0" anchor="ctr">
@@ -2818,19 +5236,13 @@
               <a:rPr lang="en-US"/>
               <a:t>Click to edit Master title style</a:t>
             </a:r>
-            <a:endParaRPr lang="en-FI"/>
-          </a:p>
-        </p:txBody>
-      </p:sp>
-      <p:sp>
-        <p:nvSpPr>
-          <p:cNvPr id="3" name="Text Placeholder 2">
-            <a:extLst>
-              <a:ext uri="{FF2B5EF4-FFF2-40B4-BE49-F238E27FC236}">
-                <a16:creationId xmlns:a16="http://schemas.microsoft.com/office/drawing/2014/main" id="{69824CCF-D6A9-80E4-C0C3-9C08D4875DF2}"/>
-              </a:ext>
-            </a:extLst>
-          </p:cNvPr>
+            <a:endParaRPr lang="en-US" dirty="0"/>
+          </a:p>
+        </p:txBody>
+      </p:sp>
+      <p:sp>
+        <p:nvSpPr>
+          <p:cNvPr id="3" name="Text Placeholder 2"/>
           <p:cNvSpPr>
             <a:spLocks noGrp="1"/>
           </p:cNvSpPr>
@@ -2840,15 +5252,22 @@
         </p:nvSpPr>
         <p:spPr>
           <a:xfrm>
-            <a:off x="838200" y="1825625"/>
-            <a:ext cx="10515600" cy="4351338"/>
+            <a:off x="913795" y="1732449"/>
+            <a:ext cx="10353762" cy="4058751"/>
           </a:xfrm>
           <a:prstGeom prst="rect">
             <a:avLst/>
           </a:prstGeom>
+          <a:effectLst>
+            <a:outerShdw blurRad="25400" dir="17880000">
+              <a:srgbClr val="000000">
+                <a:alpha val="46000"/>
+              </a:srgbClr>
+            </a:outerShdw>
+          </a:effectLst>
         </p:spPr>
         <p:txBody>
-          <a:bodyPr vert="horz" lIns="91440" tIns="45720" rIns="91440" bIns="45720" rtlCol="0">
+          <a:bodyPr vert="horz" lIns="91440" tIns="45720" rIns="91440" bIns="45720" rtlCol="0" anchor="t">
             <a:normAutofit/>
           </a:bodyPr>
           <a:lstStyle/>
@@ -2886,19 +5305,13 @@
               <a:rPr lang="en-US"/>
               <a:t>Fifth level</a:t>
             </a:r>
-            <a:endParaRPr lang="en-FI"/>
-          </a:p>
-        </p:txBody>
-      </p:sp>
-      <p:sp>
-        <p:nvSpPr>
-          <p:cNvPr id="4" name="Date Placeholder 3">
-            <a:extLst>
-              <a:ext uri="{FF2B5EF4-FFF2-40B4-BE49-F238E27FC236}">
-                <a16:creationId xmlns:a16="http://schemas.microsoft.com/office/drawing/2014/main" id="{CC5593F7-6621-95A3-ADE6-BB3D1F6AF8F7}"/>
-              </a:ext>
-            </a:extLst>
-          </p:cNvPr>
+            <a:endParaRPr lang="en-US" dirty="0"/>
+          </a:p>
+        </p:txBody>
+      </p:sp>
+      <p:sp>
+        <p:nvSpPr>
+          <p:cNvPr id="4" name="Date Placeholder 3"/>
           <p:cNvSpPr>
             <a:spLocks noGrp="1"/>
           </p:cNvSpPr>
@@ -2908,7 +5321,7 @@
         </p:nvSpPr>
         <p:spPr>
           <a:xfrm>
-            <a:off x="838200" y="6356350"/>
+            <a:off x="7678736" y="5883275"/>
             <a:ext cx="2743200" cy="365125"/>
           </a:xfrm>
           <a:prstGeom prst="rect">
@@ -2918,20 +5331,27 @@
         <p:txBody>
           <a:bodyPr vert="horz" lIns="91440" tIns="45720" rIns="91440" bIns="45720" rtlCol="0" anchor="ctr"/>
           <a:lstStyle>
-            <a:lvl1pPr algn="l">
-              <a:defRPr sz="1200">
+            <a:lvl1pPr algn="r">
+              <a:defRPr sz="1000">
                 <a:solidFill>
                   <a:schemeClr val="tx1">
-                    <a:tint val="82000"/>
+                    <a:lumMod val="95000"/>
                   </a:schemeClr>
                 </a:solidFill>
+                <a:effectLst>
+                  <a:outerShdw blurRad="50800" dist="38100" dir="2700000" algn="tl" rotWithShape="0">
+                    <a:schemeClr val="bg1">
+                      <a:alpha val="43000"/>
+                    </a:schemeClr>
+                  </a:outerShdw>
+                </a:effectLst>
               </a:defRPr>
             </a:lvl1pPr>
           </a:lstStyle>
           <a:p>
             <a:fld id="{4EF22D02-7338-4660-922A-63734C7FA6B5}" type="datetimeFigureOut">
               <a:rPr lang="en-FI" smtClean="0"/>
-              <a:t>31/07/2024</a:t>
+              <a:t>07/08/2024</a:t>
             </a:fld>
             <a:endParaRPr lang="en-FI"/>
           </a:p>
@@ -2939,13 +5359,7 @@
       </p:sp>
       <p:sp>
         <p:nvSpPr>
-          <p:cNvPr id="5" name="Footer Placeholder 4">
-            <a:extLst>
-              <a:ext uri="{FF2B5EF4-FFF2-40B4-BE49-F238E27FC236}">
-                <a16:creationId xmlns:a16="http://schemas.microsoft.com/office/drawing/2014/main" id="{3FD074A9-1B67-26B8-9DD6-0B804A6AA498}"/>
-              </a:ext>
-            </a:extLst>
-          </p:cNvPr>
+          <p:cNvPr id="5" name="Footer Placeholder 4"/>
           <p:cNvSpPr>
             <a:spLocks noGrp="1"/>
           </p:cNvSpPr>
@@ -2955,8 +5369,8 @@
         </p:nvSpPr>
         <p:spPr>
           <a:xfrm>
-            <a:off x="4038600" y="6356350"/>
-            <a:ext cx="4114800" cy="365125"/>
+            <a:off x="913795" y="5883275"/>
+            <a:ext cx="6672865" cy="365125"/>
           </a:xfrm>
           <a:prstGeom prst="rect">
             <a:avLst/>
@@ -2965,13 +5379,20 @@
         <p:txBody>
           <a:bodyPr vert="horz" lIns="91440" tIns="45720" rIns="91440" bIns="45720" rtlCol="0" anchor="ctr"/>
           <a:lstStyle>
-            <a:lvl1pPr algn="ctr">
-              <a:defRPr sz="1200">
+            <a:lvl1pPr algn="l">
+              <a:defRPr sz="1000">
                 <a:solidFill>
                   <a:schemeClr val="tx1">
-                    <a:tint val="82000"/>
+                    <a:lumMod val="95000"/>
                   </a:schemeClr>
                 </a:solidFill>
+                <a:effectLst>
+                  <a:outerShdw blurRad="50800" dist="38100" dir="2700000" algn="tl" rotWithShape="0">
+                    <a:schemeClr val="bg1">
+                      <a:alpha val="43000"/>
+                    </a:schemeClr>
+                  </a:outerShdw>
+                </a:effectLst>
               </a:defRPr>
             </a:lvl1pPr>
           </a:lstStyle>
@@ -2982,13 +5403,7 @@
       </p:sp>
       <p:sp>
         <p:nvSpPr>
-          <p:cNvPr id="6" name="Slide Number Placeholder 5">
-            <a:extLst>
-              <a:ext uri="{FF2B5EF4-FFF2-40B4-BE49-F238E27FC236}">
-                <a16:creationId xmlns:a16="http://schemas.microsoft.com/office/drawing/2014/main" id="{950082EB-FF3C-BD67-4A87-DD85644DA1C6}"/>
-              </a:ext>
-            </a:extLst>
-          </p:cNvPr>
+          <p:cNvPr id="6" name="Slide Number Placeholder 5"/>
           <p:cNvSpPr>
             <a:spLocks noGrp="1"/>
           </p:cNvSpPr>
@@ -2998,8 +5413,8 @@
         </p:nvSpPr>
         <p:spPr>
           <a:xfrm>
-            <a:off x="8610600" y="6356350"/>
-            <a:ext cx="2743200" cy="365125"/>
+            <a:off x="10514011" y="5883275"/>
+            <a:ext cx="753545" cy="365125"/>
           </a:xfrm>
           <a:prstGeom prst="rect">
             <a:avLst/>
@@ -3009,12 +5424,19 @@
           <a:bodyPr vert="horz" lIns="91440" tIns="45720" rIns="91440" bIns="45720" rtlCol="0" anchor="ctr"/>
           <a:lstStyle>
             <a:lvl1pPr algn="r">
-              <a:defRPr sz="1200">
+              <a:defRPr sz="1000">
                 <a:solidFill>
                   <a:schemeClr val="tx1">
-                    <a:tint val="82000"/>
+                    <a:lumMod val="95000"/>
                   </a:schemeClr>
                 </a:solidFill>
+                <a:effectLst>
+                  <a:outerShdw blurRad="50800" dist="38100" dir="2700000" algn="tl" rotWithShape="0">
+                    <a:schemeClr val="bg1">
+                      <a:alpha val="43000"/>
+                    </a:schemeClr>
+                  </a:outerShdw>
+                </a:effectLst>
               </a:defRPr>
             </a:lvl1pPr>
           </a:lstStyle>
@@ -3030,55 +5452,469 @@
     </p:spTree>
     <p:extLst>
       <p:ext uri="{BB962C8B-B14F-4D97-AF65-F5344CB8AC3E}">
-        <p14:creationId xmlns:p14="http://schemas.microsoft.com/office/powerpoint/2010/main" val="3640353634"/>
+        <p14:creationId xmlns:p14="http://schemas.microsoft.com/office/powerpoint/2010/main" val="1640750591"/>
       </p:ext>
     </p:extLst>
   </p:cSld>
-  <p:clrMap bg1="lt1" tx1="dk1" bg2="lt2" tx2="dk2" accent1="accent1" accent2="accent2" accent3="accent3" accent4="accent4" accent5="accent5" accent6="accent6" hlink="hlink" folHlink="folHlink"/>
+  <p:clrMap bg1="dk1" tx1="lt1" bg2="dk2" tx2="lt2" accent1="accent1" accent2="accent2" accent3="accent3" accent4="accent4" accent5="accent5" accent6="accent6" hlink="hlink" folHlink="folHlink"/>
   <p:sldLayoutIdLst>
-    <p:sldLayoutId id="2147483649" r:id="rId1"/>
-    <p:sldLayoutId id="2147483650" r:id="rId2"/>
-    <p:sldLayoutId id="2147483651" r:id="rId3"/>
-    <p:sldLayoutId id="2147483652" r:id="rId4"/>
-    <p:sldLayoutId id="2147483653" r:id="rId5"/>
-    <p:sldLayoutId id="2147483654" r:id="rId6"/>
-    <p:sldLayoutId id="2147483655" r:id="rId7"/>
-    <p:sldLayoutId id="2147483656" r:id="rId8"/>
-    <p:sldLayoutId id="2147483657" r:id="rId9"/>
-    <p:sldLayoutId id="2147483658" r:id="rId10"/>
-    <p:sldLayoutId id="2147483659" r:id="rId11"/>
+    <p:sldLayoutId id="2147483661" r:id="rId1"/>
+    <p:sldLayoutId id="2147483662" r:id="rId2"/>
+    <p:sldLayoutId id="2147483663" r:id="rId3"/>
+    <p:sldLayoutId id="2147483664" r:id="rId4"/>
+    <p:sldLayoutId id="2147483665" r:id="rId5"/>
+    <p:sldLayoutId id="2147483666" r:id="rId6"/>
+    <p:sldLayoutId id="2147483667" r:id="rId7"/>
+    <p:sldLayoutId id="2147483668" r:id="rId8"/>
+    <p:sldLayoutId id="2147483669" r:id="rId9"/>
+    <p:sldLayoutId id="2147483670" r:id="rId10"/>
+    <p:sldLayoutId id="2147483671" r:id="rId11"/>
+    <p:sldLayoutId id="2147483672" r:id="rId12"/>
+    <p:sldLayoutId id="2147483673" r:id="rId13"/>
+    <p:sldLayoutId id="2147483674" r:id="rId14"/>
+    <p:sldLayoutId id="2147483675" r:id="rId15"/>
+    <p:sldLayoutId id="2147483676" r:id="rId16"/>
+    <p:sldLayoutId id="2147483677" r:id="rId17"/>
   </p:sldLayoutIdLst>
   <p:txStyles>
     <p:titleStyle>
-      <a:lvl1pPr algn="l" defTabSz="914400" rtl="0" eaLnBrk="1" latinLnBrk="0" hangingPunct="1">
-        <a:lnSpc>
-          <a:spcPct val="90000"/>
-        </a:lnSpc>
+      <a:lvl1pPr algn="ctr" defTabSz="457200" rtl="0" eaLnBrk="1" latinLnBrk="0" hangingPunct="1">
         <a:spcBef>
           <a:spcPct val="0"/>
         </a:spcBef>
         <a:buNone/>
-        <a:defRPr sz="4400" kern="1200">
+        <a:defRPr sz="4000" kern="1200">
+          <a:ln>
+            <a:solidFill>
+              <a:schemeClr val="bg1">
+                <a:lumMod val="75000"/>
+                <a:lumOff val="25000"/>
+                <a:alpha val="10000"/>
+              </a:schemeClr>
+            </a:solidFill>
+          </a:ln>
           <a:solidFill>
-            <a:schemeClr val="tx1"/>
+            <a:schemeClr val="tx2"/>
           </a:solidFill>
+          <a:effectLst>
+            <a:outerShdw blurRad="9525" dist="25400" dir="14640000" algn="tl" rotWithShape="0">
+              <a:schemeClr val="bg1">
+                <a:alpha val="30000"/>
+              </a:schemeClr>
+            </a:outerShdw>
+          </a:effectLst>
           <a:latin typeface="+mj-lt"/>
           <a:ea typeface="+mj-ea"/>
-          <a:cs typeface="+mj-cs"/>
+          <a:cs typeface="Trebuchet MS"/>
         </a:defRPr>
       </a:lvl1pPr>
+      <a:lvl2pPr eaLnBrk="1" hangingPunct="1">
+        <a:defRPr>
+          <a:solidFill>
+            <a:schemeClr val="tx2"/>
+          </a:solidFill>
+        </a:defRPr>
+      </a:lvl2pPr>
+      <a:lvl3pPr eaLnBrk="1" hangingPunct="1">
+        <a:defRPr>
+          <a:solidFill>
+            <a:schemeClr val="tx2"/>
+          </a:solidFill>
+        </a:defRPr>
+      </a:lvl3pPr>
+      <a:lvl4pPr eaLnBrk="1" hangingPunct="1">
+        <a:defRPr>
+          <a:solidFill>
+            <a:schemeClr val="tx2"/>
+          </a:solidFill>
+        </a:defRPr>
+      </a:lvl4pPr>
+      <a:lvl5pPr eaLnBrk="1" hangingPunct="1">
+        <a:defRPr>
+          <a:solidFill>
+            <a:schemeClr val="tx2"/>
+          </a:solidFill>
+        </a:defRPr>
+      </a:lvl5pPr>
+      <a:lvl6pPr eaLnBrk="1" hangingPunct="1">
+        <a:defRPr>
+          <a:solidFill>
+            <a:schemeClr val="tx2"/>
+          </a:solidFill>
+        </a:defRPr>
+      </a:lvl6pPr>
+      <a:lvl7pPr eaLnBrk="1" hangingPunct="1">
+        <a:defRPr>
+          <a:solidFill>
+            <a:schemeClr val="tx2"/>
+          </a:solidFill>
+        </a:defRPr>
+      </a:lvl7pPr>
+      <a:lvl8pPr eaLnBrk="1" hangingPunct="1">
+        <a:defRPr>
+          <a:solidFill>
+            <a:schemeClr val="tx2"/>
+          </a:solidFill>
+        </a:defRPr>
+      </a:lvl8pPr>
+      <a:lvl9pPr eaLnBrk="1" hangingPunct="1">
+        <a:defRPr>
+          <a:solidFill>
+            <a:schemeClr val="tx2"/>
+          </a:solidFill>
+        </a:defRPr>
+      </a:lvl9pPr>
     </p:titleStyle>
     <p:bodyStyle>
-      <a:lvl1pPr marL="228600" indent="-228600" algn="l" defTabSz="914400" rtl="0" eaLnBrk="1" latinLnBrk="0" hangingPunct="1">
-        <a:lnSpc>
-          <a:spcPct val="90000"/>
-        </a:lnSpc>
+      <a:lvl1pPr marL="342900" indent="-306000" algn="l" defTabSz="457200" rtl="0" eaLnBrk="1" latinLnBrk="0" hangingPunct="1">
         <a:spcBef>
-          <a:spcPts val="1000"/>
+          <a:spcPct val="20000"/>
         </a:spcBef>
-        <a:buFont typeface="Arial" panose="020B0604020202020204" pitchFamily="34" charset="0"/>
-        <a:buChar char="•"/>
-        <a:defRPr sz="2800" kern="1200">
+        <a:spcAft>
+          <a:spcPts val="600"/>
+        </a:spcAft>
+        <a:buClr>
+          <a:schemeClr val="tx2"/>
+        </a:buClr>
+        <a:buSzPct val="70000"/>
+        <a:buFont typeface="Wingdings 2" charset="2"/>
+        <a:buChar char=""/>
+        <a:defRPr sz="2000" kern="1200">
+          <a:ln>
+            <a:solidFill>
+              <a:schemeClr val="bg1">
+                <a:lumMod val="75000"/>
+                <a:lumOff val="25000"/>
+                <a:alpha val="10000"/>
+              </a:schemeClr>
+            </a:solidFill>
+          </a:ln>
+          <a:solidFill>
+            <a:schemeClr val="tx2"/>
+          </a:solidFill>
+          <a:effectLst>
+            <a:outerShdw blurRad="9525" dist="25400" dir="14640000" algn="tl" rotWithShape="0">
+              <a:schemeClr val="bg1">
+                <a:alpha val="30000"/>
+              </a:schemeClr>
+            </a:outerShdw>
+          </a:effectLst>
+          <a:latin typeface="+mn-lt"/>
+          <a:ea typeface="+mn-ea"/>
+          <a:cs typeface="+mn-cs"/>
+        </a:defRPr>
+      </a:lvl1pPr>
+      <a:lvl2pPr marL="720000" indent="-270000" algn="l" defTabSz="457200" rtl="0" eaLnBrk="1" latinLnBrk="0" hangingPunct="1">
+        <a:spcBef>
+          <a:spcPct val="20000"/>
+        </a:spcBef>
+        <a:spcAft>
+          <a:spcPts val="600"/>
+        </a:spcAft>
+        <a:buClr>
+          <a:schemeClr val="tx2"/>
+        </a:buClr>
+        <a:buSzPct val="70000"/>
+        <a:buFont typeface="Wingdings 2" charset="2"/>
+        <a:buChar char=""/>
+        <a:defRPr sz="1800" kern="1200">
+          <a:ln>
+            <a:solidFill>
+              <a:schemeClr val="bg1">
+                <a:lumMod val="75000"/>
+                <a:lumOff val="25000"/>
+                <a:alpha val="10000"/>
+              </a:schemeClr>
+            </a:solidFill>
+          </a:ln>
+          <a:solidFill>
+            <a:schemeClr val="tx2"/>
+          </a:solidFill>
+          <a:effectLst>
+            <a:outerShdw blurRad="9525" dist="25400" dir="14640000" algn="tl" rotWithShape="0">
+              <a:schemeClr val="bg1">
+                <a:alpha val="30000"/>
+              </a:schemeClr>
+            </a:outerShdw>
+          </a:effectLst>
+          <a:latin typeface="+mn-lt"/>
+          <a:ea typeface="+mn-ea"/>
+          <a:cs typeface="+mn-cs"/>
+        </a:defRPr>
+      </a:lvl2pPr>
+      <a:lvl3pPr marL="1026000" indent="-216000" algn="l" defTabSz="457200" rtl="0" eaLnBrk="1" latinLnBrk="0" hangingPunct="1">
+        <a:spcBef>
+          <a:spcPct val="20000"/>
+        </a:spcBef>
+        <a:spcAft>
+          <a:spcPts val="600"/>
+        </a:spcAft>
+        <a:buClr>
+          <a:schemeClr val="tx2"/>
+        </a:buClr>
+        <a:buSzPct val="70000"/>
+        <a:buFont typeface="Wingdings 2" charset="2"/>
+        <a:buChar char=""/>
+        <a:defRPr sz="1600" kern="1200">
+          <a:ln>
+            <a:solidFill>
+              <a:schemeClr val="bg1">
+                <a:lumMod val="75000"/>
+                <a:lumOff val="25000"/>
+                <a:alpha val="10000"/>
+              </a:schemeClr>
+            </a:solidFill>
+          </a:ln>
+          <a:solidFill>
+            <a:schemeClr val="tx2"/>
+          </a:solidFill>
+          <a:effectLst>
+            <a:outerShdw blurRad="9525" dist="25400" dir="14640000" algn="tl" rotWithShape="0">
+              <a:schemeClr val="bg1">
+                <a:alpha val="30000"/>
+              </a:schemeClr>
+            </a:outerShdw>
+          </a:effectLst>
+          <a:latin typeface="+mn-lt"/>
+          <a:ea typeface="+mn-ea"/>
+          <a:cs typeface="+mn-cs"/>
+        </a:defRPr>
+      </a:lvl3pPr>
+      <a:lvl4pPr marL="1386000" indent="-216000" algn="l" defTabSz="457200" rtl="0" eaLnBrk="1" latinLnBrk="0" hangingPunct="1">
+        <a:spcBef>
+          <a:spcPct val="20000"/>
+        </a:spcBef>
+        <a:spcAft>
+          <a:spcPts val="600"/>
+        </a:spcAft>
+        <a:buClr>
+          <a:schemeClr val="tx2"/>
+        </a:buClr>
+        <a:buSzPct val="70000"/>
+        <a:buFont typeface="Wingdings 2" charset="2"/>
+        <a:buChar char=""/>
+        <a:defRPr sz="1400" kern="1200">
+          <a:ln>
+            <a:solidFill>
+              <a:schemeClr val="bg1">
+                <a:lumMod val="75000"/>
+                <a:lumOff val="25000"/>
+                <a:alpha val="10000"/>
+              </a:schemeClr>
+            </a:solidFill>
+          </a:ln>
+          <a:solidFill>
+            <a:schemeClr val="tx2"/>
+          </a:solidFill>
+          <a:effectLst>
+            <a:outerShdw blurRad="9525" dist="25400" dir="14640000" algn="tl" rotWithShape="0">
+              <a:schemeClr val="bg1">
+                <a:alpha val="30000"/>
+              </a:schemeClr>
+            </a:outerShdw>
+          </a:effectLst>
+          <a:latin typeface="+mn-lt"/>
+          <a:ea typeface="+mn-ea"/>
+          <a:cs typeface="+mn-cs"/>
+        </a:defRPr>
+      </a:lvl4pPr>
+      <a:lvl5pPr marL="1674000" indent="-216000" algn="l" defTabSz="457200" rtl="0" eaLnBrk="1" latinLnBrk="0" hangingPunct="1">
+        <a:spcBef>
+          <a:spcPct val="20000"/>
+        </a:spcBef>
+        <a:spcAft>
+          <a:spcPts val="600"/>
+        </a:spcAft>
+        <a:buClr>
+          <a:schemeClr val="tx2"/>
+        </a:buClr>
+        <a:buSzPct val="70000"/>
+        <a:buFont typeface="Wingdings 2" charset="2"/>
+        <a:buChar char=""/>
+        <a:defRPr sz="1400" kern="1200">
+          <a:ln>
+            <a:solidFill>
+              <a:schemeClr val="bg1">
+                <a:lumMod val="75000"/>
+                <a:lumOff val="25000"/>
+                <a:alpha val="10000"/>
+              </a:schemeClr>
+            </a:solidFill>
+          </a:ln>
+          <a:solidFill>
+            <a:schemeClr val="tx2"/>
+          </a:solidFill>
+          <a:effectLst>
+            <a:outerShdw blurRad="9525" dist="25400" dir="14640000" algn="tl" rotWithShape="0">
+              <a:schemeClr val="bg1">
+                <a:alpha val="30000"/>
+              </a:schemeClr>
+            </a:outerShdw>
+          </a:effectLst>
+          <a:latin typeface="+mn-lt"/>
+          <a:ea typeface="+mn-ea"/>
+          <a:cs typeface="+mn-cs"/>
+        </a:defRPr>
+      </a:lvl5pPr>
+      <a:lvl6pPr marL="2014600" indent="-228600" algn="l" defTabSz="457200" rtl="0" eaLnBrk="1" latinLnBrk="0" hangingPunct="1">
+        <a:spcBef>
+          <a:spcPct val="20000"/>
+        </a:spcBef>
+        <a:spcAft>
+          <a:spcPts val="600"/>
+        </a:spcAft>
+        <a:buClr>
+          <a:schemeClr val="tx2"/>
+        </a:buClr>
+        <a:buSzPct val="70000"/>
+        <a:buFont typeface="Wingdings 2" charset="2"/>
+        <a:buChar char=""/>
+        <a:defRPr sz="1400" kern="1200">
+          <a:ln>
+            <a:solidFill>
+              <a:schemeClr val="bg1">
+                <a:lumMod val="75000"/>
+                <a:lumOff val="25000"/>
+                <a:alpha val="10000"/>
+              </a:schemeClr>
+            </a:solidFill>
+          </a:ln>
+          <a:solidFill>
+            <a:schemeClr val="tx2"/>
+          </a:solidFill>
+          <a:effectLst>
+            <a:outerShdw blurRad="9525" dist="25400" dir="14640000" algn="tl" rotWithShape="0">
+              <a:schemeClr val="bg1">
+                <a:alpha val="30000"/>
+              </a:schemeClr>
+            </a:outerShdw>
+          </a:effectLst>
+          <a:latin typeface="+mn-lt"/>
+          <a:ea typeface="+mn-ea"/>
+          <a:cs typeface="+mn-cs"/>
+        </a:defRPr>
+      </a:lvl6pPr>
+      <a:lvl7pPr marL="2401800" indent="-228600" algn="l" defTabSz="457200" rtl="0" eaLnBrk="1" latinLnBrk="0" hangingPunct="1">
+        <a:spcBef>
+          <a:spcPct val="20000"/>
+        </a:spcBef>
+        <a:spcAft>
+          <a:spcPts val="600"/>
+        </a:spcAft>
+        <a:buClr>
+          <a:schemeClr val="tx2"/>
+        </a:buClr>
+        <a:buSzPct val="70000"/>
+        <a:buFont typeface="Wingdings 2" charset="2"/>
+        <a:buChar char=""/>
+        <a:defRPr sz="1400" kern="1200">
+          <a:ln>
+            <a:solidFill>
+              <a:schemeClr val="bg1">
+                <a:lumMod val="75000"/>
+                <a:lumOff val="25000"/>
+                <a:alpha val="10000"/>
+              </a:schemeClr>
+            </a:solidFill>
+          </a:ln>
+          <a:solidFill>
+            <a:schemeClr val="tx2"/>
+          </a:solidFill>
+          <a:effectLst>
+            <a:outerShdw blurRad="9525" dist="25400" dir="14640000" algn="tl" rotWithShape="0">
+              <a:schemeClr val="bg1">
+                <a:alpha val="30000"/>
+              </a:schemeClr>
+            </a:outerShdw>
+          </a:effectLst>
+          <a:latin typeface="+mn-lt"/>
+          <a:ea typeface="+mn-ea"/>
+          <a:cs typeface="+mn-cs"/>
+        </a:defRPr>
+      </a:lvl7pPr>
+      <a:lvl8pPr marL="2789000" indent="-228600" algn="l" defTabSz="457200" rtl="0" eaLnBrk="1" latinLnBrk="0" hangingPunct="1">
+        <a:spcBef>
+          <a:spcPct val="20000"/>
+        </a:spcBef>
+        <a:spcAft>
+          <a:spcPts val="600"/>
+        </a:spcAft>
+        <a:buClr>
+          <a:schemeClr val="tx2"/>
+        </a:buClr>
+        <a:buSzPct val="70000"/>
+        <a:buFont typeface="Wingdings 2" charset="2"/>
+        <a:buChar char=""/>
+        <a:defRPr sz="1400" kern="1200">
+          <a:ln>
+            <a:solidFill>
+              <a:schemeClr val="bg1">
+                <a:lumMod val="75000"/>
+                <a:lumOff val="25000"/>
+                <a:alpha val="10000"/>
+              </a:schemeClr>
+            </a:solidFill>
+          </a:ln>
+          <a:solidFill>
+            <a:schemeClr val="tx2"/>
+          </a:solidFill>
+          <a:effectLst>
+            <a:outerShdw blurRad="9525" dist="25400" dir="14640000" algn="tl" rotWithShape="0">
+              <a:schemeClr val="bg1">
+                <a:alpha val="30000"/>
+              </a:schemeClr>
+            </a:outerShdw>
+          </a:effectLst>
+          <a:latin typeface="+mn-lt"/>
+          <a:ea typeface="+mn-ea"/>
+          <a:cs typeface="+mn-cs"/>
+        </a:defRPr>
+      </a:lvl8pPr>
+      <a:lvl9pPr marL="3106200" indent="-228600" algn="l" defTabSz="457200" rtl="0" eaLnBrk="1" latinLnBrk="0" hangingPunct="1">
+        <a:spcBef>
+          <a:spcPct val="20000"/>
+        </a:spcBef>
+        <a:spcAft>
+          <a:spcPts val="600"/>
+        </a:spcAft>
+        <a:buClr>
+          <a:schemeClr val="tx2"/>
+        </a:buClr>
+        <a:buSzPct val="70000"/>
+        <a:buFont typeface="Wingdings 2" charset="2"/>
+        <a:buChar char=""/>
+        <a:defRPr sz="1400" kern="1200">
+          <a:ln>
+            <a:solidFill>
+              <a:schemeClr val="bg1">
+                <a:lumMod val="75000"/>
+                <a:lumOff val="25000"/>
+                <a:alpha val="10000"/>
+              </a:schemeClr>
+            </a:solidFill>
+          </a:ln>
+          <a:solidFill>
+            <a:schemeClr val="tx2"/>
+          </a:solidFill>
+          <a:effectLst>
+            <a:outerShdw blurRad="9525" dist="25400" dir="14640000" algn="tl" rotWithShape="0">
+              <a:schemeClr val="bg1">
+                <a:alpha val="30000"/>
+              </a:schemeClr>
+            </a:outerShdw>
+          </a:effectLst>
+          <a:latin typeface="+mn-lt"/>
+          <a:ea typeface="+mn-ea"/>
+          <a:cs typeface="+mn-cs"/>
+        </a:defRPr>
+      </a:lvl9pPr>
+    </p:bodyStyle>
+    <p:otherStyle>
+      <a:defPPr>
+        <a:defRPr lang="en-US"/>
+      </a:defPPr>
+      <a:lvl1pPr marL="0" algn="l" defTabSz="457200" rtl="0" eaLnBrk="1" latinLnBrk="0" hangingPunct="1">
+        <a:defRPr sz="1800" kern="1200">
           <a:solidFill>
             <a:schemeClr val="tx1"/>
           </a:solidFill>
@@ -3087,16 +5923,8 @@
           <a:cs typeface="+mn-cs"/>
         </a:defRPr>
       </a:lvl1pPr>
-      <a:lvl2pPr marL="685800" indent="-228600" algn="l" defTabSz="914400" rtl="0" eaLnBrk="1" latinLnBrk="0" hangingPunct="1">
-        <a:lnSpc>
-          <a:spcPct val="90000"/>
-        </a:lnSpc>
-        <a:spcBef>
-          <a:spcPts val="500"/>
-        </a:spcBef>
-        <a:buFont typeface="Arial" panose="020B0604020202020204" pitchFamily="34" charset="0"/>
-        <a:buChar char="•"/>
-        <a:defRPr sz="2400" kern="1200">
+      <a:lvl2pPr marL="457200" algn="l" defTabSz="457200" rtl="0" eaLnBrk="1" latinLnBrk="0" hangingPunct="1">
+        <a:defRPr sz="1800" kern="1200">
           <a:solidFill>
             <a:schemeClr val="tx1"/>
           </a:solidFill>
@@ -3105,16 +5933,8 @@
           <a:cs typeface="+mn-cs"/>
         </a:defRPr>
       </a:lvl2pPr>
-      <a:lvl3pPr marL="1143000" indent="-228600" algn="l" defTabSz="914400" rtl="0" eaLnBrk="1" latinLnBrk="0" hangingPunct="1">
-        <a:lnSpc>
-          <a:spcPct val="90000"/>
-        </a:lnSpc>
-        <a:spcBef>
-          <a:spcPts val="500"/>
-        </a:spcBef>
-        <a:buFont typeface="Arial" panose="020B0604020202020204" pitchFamily="34" charset="0"/>
-        <a:buChar char="•"/>
-        <a:defRPr sz="2000" kern="1200">
+      <a:lvl3pPr marL="914400" algn="l" defTabSz="457200" rtl="0" eaLnBrk="1" latinLnBrk="0" hangingPunct="1">
+        <a:defRPr sz="1800" kern="1200">
           <a:solidFill>
             <a:schemeClr val="tx1"/>
           </a:solidFill>
@@ -3123,15 +5943,7 @@
           <a:cs typeface="+mn-cs"/>
         </a:defRPr>
       </a:lvl3pPr>
-      <a:lvl4pPr marL="1600200" indent="-228600" algn="l" defTabSz="914400" rtl="0" eaLnBrk="1" latinLnBrk="0" hangingPunct="1">
-        <a:lnSpc>
-          <a:spcPct val="90000"/>
-        </a:lnSpc>
-        <a:spcBef>
-          <a:spcPts val="500"/>
-        </a:spcBef>
-        <a:buFont typeface="Arial" panose="020B0604020202020204" pitchFamily="34" charset="0"/>
-        <a:buChar char="•"/>
+      <a:lvl4pPr marL="1371600" algn="l" defTabSz="457200" rtl="0" eaLnBrk="1" latinLnBrk="0" hangingPunct="1">
         <a:defRPr sz="1800" kern="1200">
           <a:solidFill>
             <a:schemeClr val="tx1"/>
@@ -3141,15 +5953,7 @@
           <a:cs typeface="+mn-cs"/>
         </a:defRPr>
       </a:lvl4pPr>
-      <a:lvl5pPr marL="2057400" indent="-228600" algn="l" defTabSz="914400" rtl="0" eaLnBrk="1" latinLnBrk="0" hangingPunct="1">
-        <a:lnSpc>
-          <a:spcPct val="90000"/>
-        </a:lnSpc>
-        <a:spcBef>
-          <a:spcPts val="500"/>
-        </a:spcBef>
-        <a:buFont typeface="Arial" panose="020B0604020202020204" pitchFamily="34" charset="0"/>
-        <a:buChar char="•"/>
+      <a:lvl5pPr marL="1828800" algn="l" defTabSz="457200" rtl="0" eaLnBrk="1" latinLnBrk="0" hangingPunct="1">
         <a:defRPr sz="1800" kern="1200">
           <a:solidFill>
             <a:schemeClr val="tx1"/>
@@ -3159,15 +5963,7 @@
           <a:cs typeface="+mn-cs"/>
         </a:defRPr>
       </a:lvl5pPr>
-      <a:lvl6pPr marL="2514600" indent="-228600" algn="l" defTabSz="914400" rtl="0" eaLnBrk="1" latinLnBrk="0" hangingPunct="1">
-        <a:lnSpc>
-          <a:spcPct val="90000"/>
-        </a:lnSpc>
-        <a:spcBef>
-          <a:spcPts val="500"/>
-        </a:spcBef>
-        <a:buFont typeface="Arial" panose="020B0604020202020204" pitchFamily="34" charset="0"/>
-        <a:buChar char="•"/>
+      <a:lvl6pPr marL="2286000" algn="l" defTabSz="457200" rtl="0" eaLnBrk="1" latinLnBrk="0" hangingPunct="1">
         <a:defRPr sz="1800" kern="1200">
           <a:solidFill>
             <a:schemeClr val="tx1"/>
@@ -3177,15 +5973,7 @@
           <a:cs typeface="+mn-cs"/>
         </a:defRPr>
       </a:lvl6pPr>
-      <a:lvl7pPr marL="2971800" indent="-228600" algn="l" defTabSz="914400" rtl="0" eaLnBrk="1" latinLnBrk="0" hangingPunct="1">
-        <a:lnSpc>
-          <a:spcPct val="90000"/>
-        </a:lnSpc>
-        <a:spcBef>
-          <a:spcPts val="500"/>
-        </a:spcBef>
-        <a:buFont typeface="Arial" panose="020B0604020202020204" pitchFamily="34" charset="0"/>
-        <a:buChar char="•"/>
+      <a:lvl7pPr marL="2743200" algn="l" defTabSz="457200" rtl="0" eaLnBrk="1" latinLnBrk="0" hangingPunct="1">
         <a:defRPr sz="1800" kern="1200">
           <a:solidFill>
             <a:schemeClr val="tx1"/>
@@ -3195,15 +5983,7 @@
           <a:cs typeface="+mn-cs"/>
         </a:defRPr>
       </a:lvl7pPr>
-      <a:lvl8pPr marL="3429000" indent="-228600" algn="l" defTabSz="914400" rtl="0" eaLnBrk="1" latinLnBrk="0" hangingPunct="1">
-        <a:lnSpc>
-          <a:spcPct val="90000"/>
-        </a:lnSpc>
-        <a:spcBef>
-          <a:spcPts val="500"/>
-        </a:spcBef>
-        <a:buFont typeface="Arial" panose="020B0604020202020204" pitchFamily="34" charset="0"/>
-        <a:buChar char="•"/>
+      <a:lvl8pPr marL="3200400" algn="l" defTabSz="457200" rtl="0" eaLnBrk="1" latinLnBrk="0" hangingPunct="1">
         <a:defRPr sz="1800" kern="1200">
           <a:solidFill>
             <a:schemeClr val="tx1"/>
@@ -3213,110 +5993,7 @@
           <a:cs typeface="+mn-cs"/>
         </a:defRPr>
       </a:lvl8pPr>
-      <a:lvl9pPr marL="3886200" indent="-228600" algn="l" defTabSz="914400" rtl="0" eaLnBrk="1" latinLnBrk="0" hangingPunct="1">
-        <a:lnSpc>
-          <a:spcPct val="90000"/>
-        </a:lnSpc>
-        <a:spcBef>
-          <a:spcPts val="500"/>
-        </a:spcBef>
-        <a:buFont typeface="Arial" panose="020B0604020202020204" pitchFamily="34" charset="0"/>
-        <a:buChar char="•"/>
-        <a:defRPr sz="1800" kern="1200">
-          <a:solidFill>
-            <a:schemeClr val="tx1"/>
-          </a:solidFill>
-          <a:latin typeface="+mn-lt"/>
-          <a:ea typeface="+mn-ea"/>
-          <a:cs typeface="+mn-cs"/>
-        </a:defRPr>
-      </a:lvl9pPr>
-    </p:bodyStyle>
-    <p:otherStyle>
-      <a:defPPr>
-        <a:defRPr lang="en-FI"/>
-      </a:defPPr>
-      <a:lvl1pPr marL="0" algn="l" defTabSz="914400" rtl="0" eaLnBrk="1" latinLnBrk="0" hangingPunct="1">
-        <a:defRPr sz="1800" kern="1200">
-          <a:solidFill>
-            <a:schemeClr val="tx1"/>
-          </a:solidFill>
-          <a:latin typeface="+mn-lt"/>
-          <a:ea typeface="+mn-ea"/>
-          <a:cs typeface="+mn-cs"/>
-        </a:defRPr>
-      </a:lvl1pPr>
-      <a:lvl2pPr marL="457200" algn="l" defTabSz="914400" rtl="0" eaLnBrk="1" latinLnBrk="0" hangingPunct="1">
-        <a:defRPr sz="1800" kern="1200">
-          <a:solidFill>
-            <a:schemeClr val="tx1"/>
-          </a:solidFill>
-          <a:latin typeface="+mn-lt"/>
-          <a:ea typeface="+mn-ea"/>
-          <a:cs typeface="+mn-cs"/>
-        </a:defRPr>
-      </a:lvl2pPr>
-      <a:lvl3pPr marL="914400" algn="l" defTabSz="914400" rtl="0" eaLnBrk="1" latinLnBrk="0" hangingPunct="1">
-        <a:defRPr sz="1800" kern="1200">
-          <a:solidFill>
-            <a:schemeClr val="tx1"/>
-          </a:solidFill>
-          <a:latin typeface="+mn-lt"/>
-          <a:ea typeface="+mn-ea"/>
-          <a:cs typeface="+mn-cs"/>
-        </a:defRPr>
-      </a:lvl3pPr>
-      <a:lvl4pPr marL="1371600" algn="l" defTabSz="914400" rtl="0" eaLnBrk="1" latinLnBrk="0" hangingPunct="1">
-        <a:defRPr sz="1800" kern="1200">
-          <a:solidFill>
-            <a:schemeClr val="tx1"/>
-          </a:solidFill>
-          <a:latin typeface="+mn-lt"/>
-          <a:ea typeface="+mn-ea"/>
-          <a:cs typeface="+mn-cs"/>
-        </a:defRPr>
-      </a:lvl4pPr>
-      <a:lvl5pPr marL="1828800" algn="l" defTabSz="914400" rtl="0" eaLnBrk="1" latinLnBrk="0" hangingPunct="1">
-        <a:defRPr sz="1800" kern="1200">
-          <a:solidFill>
-            <a:schemeClr val="tx1"/>
-          </a:solidFill>
-          <a:latin typeface="+mn-lt"/>
-          <a:ea typeface="+mn-ea"/>
-          <a:cs typeface="+mn-cs"/>
-        </a:defRPr>
-      </a:lvl5pPr>
-      <a:lvl6pPr marL="2286000" algn="l" defTabSz="914400" rtl="0" eaLnBrk="1" latinLnBrk="0" hangingPunct="1">
-        <a:defRPr sz="1800" kern="1200">
-          <a:solidFill>
-            <a:schemeClr val="tx1"/>
-          </a:solidFill>
-          <a:latin typeface="+mn-lt"/>
-          <a:ea typeface="+mn-ea"/>
-          <a:cs typeface="+mn-cs"/>
-        </a:defRPr>
-      </a:lvl6pPr>
-      <a:lvl7pPr marL="2743200" algn="l" defTabSz="914400" rtl="0" eaLnBrk="1" latinLnBrk="0" hangingPunct="1">
-        <a:defRPr sz="1800" kern="1200">
-          <a:solidFill>
-            <a:schemeClr val="tx1"/>
-          </a:solidFill>
-          <a:latin typeface="+mn-lt"/>
-          <a:ea typeface="+mn-ea"/>
-          <a:cs typeface="+mn-cs"/>
-        </a:defRPr>
-      </a:lvl7pPr>
-      <a:lvl8pPr marL="3200400" algn="l" defTabSz="914400" rtl="0" eaLnBrk="1" latinLnBrk="0" hangingPunct="1">
-        <a:defRPr sz="1800" kern="1200">
-          <a:solidFill>
-            <a:schemeClr val="tx1"/>
-          </a:solidFill>
-          <a:latin typeface="+mn-lt"/>
-          <a:ea typeface="+mn-ea"/>
-          <a:cs typeface="+mn-cs"/>
-        </a:defRPr>
-      </a:lvl8pPr>
-      <a:lvl9pPr marL="3657600" algn="l" defTabSz="914400" rtl="0" eaLnBrk="1" latinLnBrk="0" hangingPunct="1">
+      <a:lvl9pPr marL="3657600" algn="l" defTabSz="457200" rtl="0" eaLnBrk="1" latinLnBrk="0" hangingPunct="1">
         <a:defRPr sz="1800" kern="1200">
           <a:solidFill>
             <a:schemeClr val="tx1"/>
@@ -3364,7 +6041,12 @@
             <p:ph type="ctrTitle"/>
           </p:nvPr>
         </p:nvSpPr>
-        <p:spPr/>
+        <p:spPr>
+          <a:xfrm>
+            <a:off x="1375983" y="1151857"/>
+            <a:ext cx="9440034" cy="1828801"/>
+          </a:xfrm>
+        </p:spPr>
         <p:txBody>
           <a:bodyPr/>
           <a:lstStyle/>
@@ -3395,25 +6077,20 @@
         </p:nvSpPr>
         <p:spPr>
           <a:xfrm>
-            <a:off x="1524000" y="3877342"/>
-            <a:ext cx="9144000" cy="1655762"/>
+            <a:off x="1524000" y="3608439"/>
+            <a:ext cx="9144000" cy="3249561"/>
           </a:xfrm>
         </p:spPr>
         <p:txBody>
           <a:bodyPr>
-            <a:normAutofit fontScale="77500" lnSpcReduction="20000"/>
+            <a:normAutofit/>
           </a:bodyPr>
           <a:lstStyle/>
           <a:p>
             <a:r>
               <a:rPr lang="en-GB" dirty="0"/>
-              <a:t>Muhammad </a:t>
-            </a:r>
-            <a:r>
-              <a:rPr lang="en-GB" dirty="0" err="1"/>
-              <a:t>Muhtaba</a:t>
-            </a:r>
-            <a:endParaRPr lang="en-GB" dirty="0"/>
+              <a:t>Sheikh Muhammad Mujtaba</a:t>
+            </a:r>
           </a:p>
           <a:p>
             <a:r>
@@ -3440,7 +6117,7 @@
           <a:p>
             <a:r>
               <a:rPr lang="en-GB" dirty="0"/>
-              <a:t>Muhammad Hussain</a:t>
+              <a:t>Muhammad Behzad Hussain </a:t>
             </a:r>
             <a:endParaRPr lang="en-FI" dirty="0"/>
           </a:p>
@@ -3507,10 +6184,10 @@
       </p:sp>
       <p:sp>
         <p:nvSpPr>
-          <p:cNvPr id="3" name="Content Placeholder 2">
+          <p:cNvPr id="9" name="Content Placeholder 6">
             <a:extLst>
               <a:ext uri="{FF2B5EF4-FFF2-40B4-BE49-F238E27FC236}">
-                <a16:creationId xmlns:a16="http://schemas.microsoft.com/office/drawing/2014/main" id="{058B64CC-248E-B240-9914-10981CA82904}"/>
+                <a16:creationId xmlns:a16="http://schemas.microsoft.com/office/drawing/2014/main" id="{4B4E8865-506B-BB10-89E0-B7B515C185CC}"/>
               </a:ext>
             </a:extLst>
           </p:cNvPr>
@@ -3523,123 +6200,441 @@
         </p:nvSpPr>
         <p:spPr>
           <a:xfrm>
-            <a:off x="838200" y="1825625"/>
-            <a:ext cx="4372897" cy="4351338"/>
+            <a:off x="913795" y="2189649"/>
+            <a:ext cx="5693077" cy="4058751"/>
           </a:xfrm>
         </p:spPr>
         <p:txBody>
-          <a:bodyPr/>
-          <a:lstStyle/>
-          <a:p>
-            <a:pPr>
-              <a:buFont typeface="Arial" panose="020B0604020202020204" pitchFamily="34" charset="0"/>
-              <a:buChar char="•"/>
-            </a:pPr>
-            <a:r>
-              <a:rPr lang="en-GB" dirty="0"/>
-              <a:t>drum</a:t>
-            </a:r>
-          </a:p>
-          <a:p>
-            <a:pPr>
-              <a:buFont typeface="Arial" panose="020B0604020202020204" pitchFamily="34" charset="0"/>
-              <a:buChar char="•"/>
-            </a:pPr>
-            <a:r>
-              <a:rPr lang="en-GB" dirty="0"/>
-              <a:t>instrumental mix</a:t>
-            </a:r>
-          </a:p>
-          <a:p>
-            <a:pPr>
-              <a:buFont typeface="Arial" panose="020B0604020202020204" pitchFamily="34" charset="0"/>
-              <a:buChar char="•"/>
-            </a:pPr>
-            <a:r>
-              <a:rPr lang="en-GB" dirty="0"/>
-              <a:t>piano</a:t>
-            </a:r>
-          </a:p>
-          <a:p>
-            <a:pPr>
-              <a:buFont typeface="Arial" panose="020B0604020202020204" pitchFamily="34" charset="0"/>
-              <a:buChar char="•"/>
-            </a:pPr>
-            <a:r>
-              <a:rPr lang="en-GB" dirty="0"/>
-              <a:t>speech</a:t>
-            </a:r>
-          </a:p>
-          <a:p>
-            <a:pPr>
-              <a:buFont typeface="Arial" panose="020B0604020202020204" pitchFamily="34" charset="0"/>
-              <a:buChar char="•"/>
-            </a:pPr>
-            <a:r>
-              <a:rPr lang="en-GB" dirty="0"/>
-              <a:t>trumpet</a:t>
-            </a:r>
-          </a:p>
-          <a:p>
-            <a:endParaRPr lang="en-FI" dirty="0"/>
-          </a:p>
-        </p:txBody>
-      </p:sp>
-      <p:sp>
-        <p:nvSpPr>
-          <p:cNvPr id="5" name="TextBox 4">
+          <a:bodyPr>
+            <a:normAutofit/>
+          </a:bodyPr>
+          <a:lstStyle/>
+          <a:p>
+            <a:r>
+              <a:rPr lang="en-GB" sz="3200" dirty="0"/>
+              <a:t>Drum</a:t>
+            </a:r>
+          </a:p>
+          <a:p>
+            <a:r>
+              <a:rPr lang="en-GB" sz="3200" dirty="0"/>
+              <a:t>Instrumental mix</a:t>
+            </a:r>
+          </a:p>
+          <a:p>
+            <a:r>
+              <a:rPr lang="en-GB" sz="3200" dirty="0"/>
+              <a:t>Piano</a:t>
+            </a:r>
+          </a:p>
+          <a:p>
+            <a:r>
+              <a:rPr lang="en-GB" sz="3200" dirty="0"/>
+              <a:t>Speech</a:t>
+            </a:r>
+          </a:p>
+          <a:p>
+            <a:r>
+              <a:rPr lang="en-GB" sz="3200" dirty="0"/>
+              <a:t>Trumpet</a:t>
+            </a:r>
+          </a:p>
+        </p:txBody>
+      </p:sp>
+      <p:sp>
+        <p:nvSpPr>
+          <p:cNvPr id="10" name="Content Placeholder 6">
             <a:extLst>
               <a:ext uri="{FF2B5EF4-FFF2-40B4-BE49-F238E27FC236}">
-                <a16:creationId xmlns:a16="http://schemas.microsoft.com/office/drawing/2014/main" id="{52D1A9A0-AC31-58CB-E748-6112A818B70E}"/>
+                <a16:creationId xmlns:a16="http://schemas.microsoft.com/office/drawing/2014/main" id="{821DF3F7-E3DE-6F42-F0A4-E10FB5B76673}"/>
               </a:ext>
             </a:extLst>
           </p:cNvPr>
-          <p:cNvSpPr txBox="1"/>
+          <p:cNvSpPr txBox="1">
+            <a:spLocks/>
+          </p:cNvSpPr>
           <p:nvPr/>
         </p:nvSpPr>
         <p:spPr>
           <a:xfrm>
-            <a:off x="5719916" y="1825625"/>
-            <a:ext cx="6096000" cy="1384995"/>
+            <a:off x="6498923" y="2189649"/>
+            <a:ext cx="5693077" cy="4058751"/>
           </a:xfrm>
           <a:prstGeom prst="rect">
             <a:avLst/>
           </a:prstGeom>
-          <a:noFill/>
+          <a:effectLst>
+            <a:outerShdw blurRad="25400" dir="17880000">
+              <a:srgbClr val="000000">
+                <a:alpha val="46000"/>
+              </a:srgbClr>
+            </a:outerShdw>
+          </a:effectLst>
         </p:spPr>
         <p:txBody>
-          <a:bodyPr wrap="square">
-            <a:spAutoFit/>
+          <a:bodyPr vert="horz" lIns="91440" tIns="45720" rIns="91440" bIns="45720" rtlCol="0" anchor="t">
+            <a:normAutofit/>
           </a:bodyPr>
-          <a:lstStyle/>
-          <a:p>
-            <a:pPr>
-              <a:buFont typeface="Arial" panose="020B0604020202020204" pitchFamily="34" charset="0"/>
-              <a:buChar char="•"/>
-            </a:pPr>
-            <a:r>
-              <a:rPr lang="en-GB" sz="2800" dirty="0"/>
-              <a:t>small office</a:t>
-            </a:r>
-          </a:p>
-          <a:p>
-            <a:pPr>
-              <a:buFont typeface="Arial" panose="020B0604020202020204" pitchFamily="34" charset="0"/>
-              <a:buChar char="•"/>
-            </a:pPr>
-            <a:r>
-              <a:rPr lang="en-GB" sz="2800" dirty="0"/>
-              <a:t>opera hall</a:t>
-            </a:r>
-          </a:p>
-          <a:p>
-            <a:pPr>
-              <a:buFont typeface="Arial" panose="020B0604020202020204" pitchFamily="34" charset="0"/>
-              <a:buChar char="•"/>
-            </a:pPr>
-            <a:r>
-              <a:rPr lang="en-GB" sz="2800" dirty="0"/>
-              <a:t>reverb hall</a:t>
+          <a:lstStyle>
+            <a:lvl1pPr marL="342900" indent="-306000" algn="l" defTabSz="457200" rtl="0" eaLnBrk="1" latinLnBrk="0" hangingPunct="1">
+              <a:spcBef>
+                <a:spcPct val="20000"/>
+              </a:spcBef>
+              <a:spcAft>
+                <a:spcPts val="600"/>
+              </a:spcAft>
+              <a:buClr>
+                <a:schemeClr val="tx2"/>
+              </a:buClr>
+              <a:buSzPct val="70000"/>
+              <a:buFont typeface="Wingdings 2" charset="2"/>
+              <a:buChar char=""/>
+              <a:defRPr sz="2000" kern="1200">
+                <a:ln>
+                  <a:solidFill>
+                    <a:schemeClr val="bg1">
+                      <a:lumMod val="75000"/>
+                      <a:lumOff val="25000"/>
+                      <a:alpha val="10000"/>
+                    </a:schemeClr>
+                  </a:solidFill>
+                </a:ln>
+                <a:solidFill>
+                  <a:schemeClr val="tx2"/>
+                </a:solidFill>
+                <a:effectLst>
+                  <a:outerShdw blurRad="9525" dist="25400" dir="14640000" algn="tl" rotWithShape="0">
+                    <a:schemeClr val="bg1">
+                      <a:alpha val="30000"/>
+                    </a:schemeClr>
+                  </a:outerShdw>
+                </a:effectLst>
+                <a:latin typeface="+mn-lt"/>
+                <a:ea typeface="+mn-ea"/>
+                <a:cs typeface="+mn-cs"/>
+              </a:defRPr>
+            </a:lvl1pPr>
+            <a:lvl2pPr marL="720000" indent="-270000" algn="l" defTabSz="457200" rtl="0" eaLnBrk="1" latinLnBrk="0" hangingPunct="1">
+              <a:spcBef>
+                <a:spcPct val="20000"/>
+              </a:spcBef>
+              <a:spcAft>
+                <a:spcPts val="600"/>
+              </a:spcAft>
+              <a:buClr>
+                <a:schemeClr val="tx2"/>
+              </a:buClr>
+              <a:buSzPct val="70000"/>
+              <a:buFont typeface="Wingdings 2" charset="2"/>
+              <a:buChar char=""/>
+              <a:defRPr sz="1800" kern="1200">
+                <a:ln>
+                  <a:solidFill>
+                    <a:schemeClr val="bg1">
+                      <a:lumMod val="75000"/>
+                      <a:lumOff val="25000"/>
+                      <a:alpha val="10000"/>
+                    </a:schemeClr>
+                  </a:solidFill>
+                </a:ln>
+                <a:solidFill>
+                  <a:schemeClr val="tx2"/>
+                </a:solidFill>
+                <a:effectLst>
+                  <a:outerShdw blurRad="9525" dist="25400" dir="14640000" algn="tl" rotWithShape="0">
+                    <a:schemeClr val="bg1">
+                      <a:alpha val="30000"/>
+                    </a:schemeClr>
+                  </a:outerShdw>
+                </a:effectLst>
+                <a:latin typeface="+mn-lt"/>
+                <a:ea typeface="+mn-ea"/>
+                <a:cs typeface="+mn-cs"/>
+              </a:defRPr>
+            </a:lvl2pPr>
+            <a:lvl3pPr marL="1026000" indent="-216000" algn="l" defTabSz="457200" rtl="0" eaLnBrk="1" latinLnBrk="0" hangingPunct="1">
+              <a:spcBef>
+                <a:spcPct val="20000"/>
+              </a:spcBef>
+              <a:spcAft>
+                <a:spcPts val="600"/>
+              </a:spcAft>
+              <a:buClr>
+                <a:schemeClr val="tx2"/>
+              </a:buClr>
+              <a:buSzPct val="70000"/>
+              <a:buFont typeface="Wingdings 2" charset="2"/>
+              <a:buChar char=""/>
+              <a:defRPr sz="1600" kern="1200">
+                <a:ln>
+                  <a:solidFill>
+                    <a:schemeClr val="bg1">
+                      <a:lumMod val="75000"/>
+                      <a:lumOff val="25000"/>
+                      <a:alpha val="10000"/>
+                    </a:schemeClr>
+                  </a:solidFill>
+                </a:ln>
+                <a:solidFill>
+                  <a:schemeClr val="tx2"/>
+                </a:solidFill>
+                <a:effectLst>
+                  <a:outerShdw blurRad="9525" dist="25400" dir="14640000" algn="tl" rotWithShape="0">
+                    <a:schemeClr val="bg1">
+                      <a:alpha val="30000"/>
+                    </a:schemeClr>
+                  </a:outerShdw>
+                </a:effectLst>
+                <a:latin typeface="+mn-lt"/>
+                <a:ea typeface="+mn-ea"/>
+                <a:cs typeface="+mn-cs"/>
+              </a:defRPr>
+            </a:lvl3pPr>
+            <a:lvl4pPr marL="1386000" indent="-216000" algn="l" defTabSz="457200" rtl="0" eaLnBrk="1" latinLnBrk="0" hangingPunct="1">
+              <a:spcBef>
+                <a:spcPct val="20000"/>
+              </a:spcBef>
+              <a:spcAft>
+                <a:spcPts val="600"/>
+              </a:spcAft>
+              <a:buClr>
+                <a:schemeClr val="tx2"/>
+              </a:buClr>
+              <a:buSzPct val="70000"/>
+              <a:buFont typeface="Wingdings 2" charset="2"/>
+              <a:buChar char=""/>
+              <a:defRPr sz="1400" kern="1200">
+                <a:ln>
+                  <a:solidFill>
+                    <a:schemeClr val="bg1">
+                      <a:lumMod val="75000"/>
+                      <a:lumOff val="25000"/>
+                      <a:alpha val="10000"/>
+                    </a:schemeClr>
+                  </a:solidFill>
+                </a:ln>
+                <a:solidFill>
+                  <a:schemeClr val="tx2"/>
+                </a:solidFill>
+                <a:effectLst>
+                  <a:outerShdw blurRad="9525" dist="25400" dir="14640000" algn="tl" rotWithShape="0">
+                    <a:schemeClr val="bg1">
+                      <a:alpha val="30000"/>
+                    </a:schemeClr>
+                  </a:outerShdw>
+                </a:effectLst>
+                <a:latin typeface="+mn-lt"/>
+                <a:ea typeface="+mn-ea"/>
+                <a:cs typeface="+mn-cs"/>
+              </a:defRPr>
+            </a:lvl4pPr>
+            <a:lvl5pPr marL="1674000" indent="-216000" algn="l" defTabSz="457200" rtl="0" eaLnBrk="1" latinLnBrk="0" hangingPunct="1">
+              <a:spcBef>
+                <a:spcPct val="20000"/>
+              </a:spcBef>
+              <a:spcAft>
+                <a:spcPts val="600"/>
+              </a:spcAft>
+              <a:buClr>
+                <a:schemeClr val="tx2"/>
+              </a:buClr>
+              <a:buSzPct val="70000"/>
+              <a:buFont typeface="Wingdings 2" charset="2"/>
+              <a:buChar char=""/>
+              <a:defRPr sz="1400" kern="1200">
+                <a:ln>
+                  <a:solidFill>
+                    <a:schemeClr val="bg1">
+                      <a:lumMod val="75000"/>
+                      <a:lumOff val="25000"/>
+                      <a:alpha val="10000"/>
+                    </a:schemeClr>
+                  </a:solidFill>
+                </a:ln>
+                <a:solidFill>
+                  <a:schemeClr val="tx2"/>
+                </a:solidFill>
+                <a:effectLst>
+                  <a:outerShdw blurRad="9525" dist="25400" dir="14640000" algn="tl" rotWithShape="0">
+                    <a:schemeClr val="bg1">
+                      <a:alpha val="30000"/>
+                    </a:schemeClr>
+                  </a:outerShdw>
+                </a:effectLst>
+                <a:latin typeface="+mn-lt"/>
+                <a:ea typeface="+mn-ea"/>
+                <a:cs typeface="+mn-cs"/>
+              </a:defRPr>
+            </a:lvl5pPr>
+            <a:lvl6pPr marL="2014600" indent="-228600" algn="l" defTabSz="457200" rtl="0" eaLnBrk="1" latinLnBrk="0" hangingPunct="1">
+              <a:spcBef>
+                <a:spcPct val="20000"/>
+              </a:spcBef>
+              <a:spcAft>
+                <a:spcPts val="600"/>
+              </a:spcAft>
+              <a:buClr>
+                <a:schemeClr val="tx2"/>
+              </a:buClr>
+              <a:buSzPct val="70000"/>
+              <a:buFont typeface="Wingdings 2" charset="2"/>
+              <a:buChar char=""/>
+              <a:defRPr sz="1400" kern="1200">
+                <a:ln>
+                  <a:solidFill>
+                    <a:schemeClr val="bg1">
+                      <a:lumMod val="75000"/>
+                      <a:lumOff val="25000"/>
+                      <a:alpha val="10000"/>
+                    </a:schemeClr>
+                  </a:solidFill>
+                </a:ln>
+                <a:solidFill>
+                  <a:schemeClr val="tx2"/>
+                </a:solidFill>
+                <a:effectLst>
+                  <a:outerShdw blurRad="9525" dist="25400" dir="14640000" algn="tl" rotWithShape="0">
+                    <a:schemeClr val="bg1">
+                      <a:alpha val="30000"/>
+                    </a:schemeClr>
+                  </a:outerShdw>
+                </a:effectLst>
+                <a:latin typeface="+mn-lt"/>
+                <a:ea typeface="+mn-ea"/>
+                <a:cs typeface="+mn-cs"/>
+              </a:defRPr>
+            </a:lvl6pPr>
+            <a:lvl7pPr marL="2401800" indent="-228600" algn="l" defTabSz="457200" rtl="0" eaLnBrk="1" latinLnBrk="0" hangingPunct="1">
+              <a:spcBef>
+                <a:spcPct val="20000"/>
+              </a:spcBef>
+              <a:spcAft>
+                <a:spcPts val="600"/>
+              </a:spcAft>
+              <a:buClr>
+                <a:schemeClr val="tx2"/>
+              </a:buClr>
+              <a:buSzPct val="70000"/>
+              <a:buFont typeface="Wingdings 2" charset="2"/>
+              <a:buChar char=""/>
+              <a:defRPr sz="1400" kern="1200">
+                <a:ln>
+                  <a:solidFill>
+                    <a:schemeClr val="bg1">
+                      <a:lumMod val="75000"/>
+                      <a:lumOff val="25000"/>
+                      <a:alpha val="10000"/>
+                    </a:schemeClr>
+                  </a:solidFill>
+                </a:ln>
+                <a:solidFill>
+                  <a:schemeClr val="tx2"/>
+                </a:solidFill>
+                <a:effectLst>
+                  <a:outerShdw blurRad="9525" dist="25400" dir="14640000" algn="tl" rotWithShape="0">
+                    <a:schemeClr val="bg1">
+                      <a:alpha val="30000"/>
+                    </a:schemeClr>
+                  </a:outerShdw>
+                </a:effectLst>
+                <a:latin typeface="+mn-lt"/>
+                <a:ea typeface="+mn-ea"/>
+                <a:cs typeface="+mn-cs"/>
+              </a:defRPr>
+            </a:lvl7pPr>
+            <a:lvl8pPr marL="2789000" indent="-228600" algn="l" defTabSz="457200" rtl="0" eaLnBrk="1" latinLnBrk="0" hangingPunct="1">
+              <a:spcBef>
+                <a:spcPct val="20000"/>
+              </a:spcBef>
+              <a:spcAft>
+                <a:spcPts val="600"/>
+              </a:spcAft>
+              <a:buClr>
+                <a:schemeClr val="tx2"/>
+              </a:buClr>
+              <a:buSzPct val="70000"/>
+              <a:buFont typeface="Wingdings 2" charset="2"/>
+              <a:buChar char=""/>
+              <a:defRPr sz="1400" kern="1200">
+                <a:ln>
+                  <a:solidFill>
+                    <a:schemeClr val="bg1">
+                      <a:lumMod val="75000"/>
+                      <a:lumOff val="25000"/>
+                      <a:alpha val="10000"/>
+                    </a:schemeClr>
+                  </a:solidFill>
+                </a:ln>
+                <a:solidFill>
+                  <a:schemeClr val="tx2"/>
+                </a:solidFill>
+                <a:effectLst>
+                  <a:outerShdw blurRad="9525" dist="25400" dir="14640000" algn="tl" rotWithShape="0">
+                    <a:schemeClr val="bg1">
+                      <a:alpha val="30000"/>
+                    </a:schemeClr>
+                  </a:outerShdw>
+                </a:effectLst>
+                <a:latin typeface="+mn-lt"/>
+                <a:ea typeface="+mn-ea"/>
+                <a:cs typeface="+mn-cs"/>
+              </a:defRPr>
+            </a:lvl8pPr>
+            <a:lvl9pPr marL="3106200" indent="-228600" algn="l" defTabSz="457200" rtl="0" eaLnBrk="1" latinLnBrk="0" hangingPunct="1">
+              <a:spcBef>
+                <a:spcPct val="20000"/>
+              </a:spcBef>
+              <a:spcAft>
+                <a:spcPts val="600"/>
+              </a:spcAft>
+              <a:buClr>
+                <a:schemeClr val="tx2"/>
+              </a:buClr>
+              <a:buSzPct val="70000"/>
+              <a:buFont typeface="Wingdings 2" charset="2"/>
+              <a:buChar char=""/>
+              <a:defRPr sz="1400" kern="1200">
+                <a:ln>
+                  <a:solidFill>
+                    <a:schemeClr val="bg1">
+                      <a:lumMod val="75000"/>
+                      <a:lumOff val="25000"/>
+                      <a:alpha val="10000"/>
+                    </a:schemeClr>
+                  </a:solidFill>
+                </a:ln>
+                <a:solidFill>
+                  <a:schemeClr val="tx2"/>
+                </a:solidFill>
+                <a:effectLst>
+                  <a:outerShdw blurRad="9525" dist="25400" dir="14640000" algn="tl" rotWithShape="0">
+                    <a:schemeClr val="bg1">
+                      <a:alpha val="30000"/>
+                    </a:schemeClr>
+                  </a:outerShdw>
+                </a:effectLst>
+                <a:latin typeface="+mn-lt"/>
+                <a:ea typeface="+mn-ea"/>
+                <a:cs typeface="+mn-cs"/>
+              </a:defRPr>
+            </a:lvl9pPr>
+          </a:lstStyle>
+          <a:p>
+            <a:r>
+              <a:rPr lang="en-GB" sz="3200" dirty="0"/>
+              <a:t>Small office</a:t>
+            </a:r>
+          </a:p>
+          <a:p>
+            <a:r>
+              <a:rPr lang="en-GB" sz="3200" dirty="0"/>
+              <a:t>Opera hall</a:t>
+            </a:r>
+          </a:p>
+          <a:p>
+            <a:r>
+              <a:rPr lang="en-GB" sz="3200" dirty="0"/>
+              <a:t>Reverb hall</a:t>
             </a:r>
           </a:p>
         </p:txBody>
@@ -3719,34 +6714,45 @@
             <p:ph idx="1"/>
           </p:nvPr>
         </p:nvSpPr>
-        <p:spPr/>
-        <p:txBody>
-          <a:bodyPr/>
-          <a:lstStyle/>
-          <a:p>
-            <a:r>
-              <a:rPr lang="en-GB" dirty="0"/>
-              <a:t>Perceptual Loss was used</a:t>
-            </a:r>
-          </a:p>
-          <a:p>
-            <a:r>
-              <a:rPr lang="en-GB" dirty="0"/>
+        <p:spPr>
+          <a:xfrm>
+            <a:off x="913795" y="2047081"/>
+            <a:ext cx="10353762" cy="4058751"/>
+          </a:xfrm>
+        </p:spPr>
+        <p:txBody>
+          <a:bodyPr>
+            <a:normAutofit/>
+          </a:bodyPr>
+          <a:lstStyle/>
+          <a:p>
+            <a:r>
+              <a:rPr lang="en-GB" sz="3200" b="1" dirty="0"/>
+              <a:t>Perceptual Loss </a:t>
+            </a:r>
+            <a:r>
+              <a:rPr lang="en-GB" sz="3200" dirty="0"/>
+              <a:t>was used</a:t>
+            </a:r>
+          </a:p>
+          <a:p>
+            <a:r>
+              <a:rPr lang="en-GB" sz="3200" dirty="0"/>
               <a:t>Compares two audio files to each other</a:t>
             </a:r>
           </a:p>
           <a:p>
             <a:r>
-              <a:rPr lang="en-GB" dirty="0"/>
+              <a:rPr lang="en-GB" sz="3200" dirty="0"/>
               <a:t>Output is a loss value</a:t>
             </a:r>
           </a:p>
           <a:p>
             <a:r>
-              <a:rPr lang="en-GB" dirty="0"/>
+              <a:rPr lang="en-GB" sz="3200" dirty="0"/>
               <a:t>We used the python function provided to us by the professor</a:t>
             </a:r>
-            <a:endParaRPr lang="en-FI" dirty="0"/>
+            <a:endParaRPr lang="en-FI" sz="3200" dirty="0"/>
           </a:p>
         </p:txBody>
       </p:sp>
@@ -3839,8 +6845,8 @@
         </p:blipFill>
         <p:spPr>
           <a:xfrm>
-            <a:off x="1138821" y="2625524"/>
-            <a:ext cx="4580357" cy="2751539"/>
+            <a:off x="407363" y="2641450"/>
+            <a:ext cx="5341443" cy="3208743"/>
           </a:xfrm>
         </p:spPr>
       </p:pic>
@@ -3874,8 +6880,8 @@
         </p:blipFill>
         <p:spPr>
           <a:xfrm>
-            <a:off x="6474207" y="2625524"/>
-            <a:ext cx="4577586" cy="2751539"/>
+            <a:off x="6446426" y="2655768"/>
+            <a:ext cx="5338211" cy="3208743"/>
           </a:xfrm>
         </p:spPr>
       </p:pic>
@@ -3893,7 +6899,7 @@
         </p:nvSpPr>
         <p:spPr>
           <a:xfrm>
-            <a:off x="1386348" y="1809135"/>
+            <a:off x="4365973" y="1780426"/>
             <a:ext cx="3449406" cy="646331"/>
           </a:xfrm>
           <a:prstGeom prst="rect">
@@ -3908,16 +6914,28 @@
           <a:lstStyle/>
           <a:p>
             <a:r>
-              <a:rPr lang="en-GB" dirty="0"/>
+              <a:rPr lang="en-GB" dirty="0">
+                <a:solidFill>
+                  <a:schemeClr val="tx2"/>
+                </a:solidFill>
+              </a:rPr>
               <a:t>100%: most difference to original</a:t>
             </a:r>
           </a:p>
           <a:p>
             <a:r>
-              <a:rPr lang="en-GB" dirty="0"/>
-              <a:t>0%: no difference to original</a:t>
-            </a:r>
-            <a:endParaRPr lang="en-FI" dirty="0"/>
+              <a:rPr lang="en-GB" dirty="0">
+                <a:solidFill>
+                  <a:schemeClr val="tx2"/>
+                </a:solidFill>
+              </a:rPr>
+              <a:t>0%: least difference to original</a:t>
+            </a:r>
+            <a:endParaRPr lang="en-FI" dirty="0">
+              <a:solidFill>
+                <a:schemeClr val="tx2"/>
+              </a:solidFill>
+            </a:endParaRPr>
           </a:p>
         </p:txBody>
       </p:sp>
@@ -3996,34 +7014,41 @@
             <p:ph idx="1"/>
           </p:nvPr>
         </p:nvSpPr>
-        <p:spPr/>
-        <p:txBody>
-          <a:bodyPr/>
-          <a:lstStyle/>
-          <a:p>
-            <a:r>
-              <a:rPr lang="en-GB" dirty="0"/>
+        <p:spPr>
+          <a:xfrm>
+            <a:off x="913795" y="1948759"/>
+            <a:ext cx="10491624" cy="4058751"/>
+          </a:xfrm>
+        </p:spPr>
+        <p:txBody>
+          <a:bodyPr>
+            <a:normAutofit/>
+          </a:bodyPr>
+          <a:lstStyle/>
+          <a:p>
+            <a:r>
+              <a:rPr lang="en-GB" sz="3200" dirty="0"/>
               <a:t>18 participants</a:t>
             </a:r>
           </a:p>
           <a:p>
             <a:r>
-              <a:rPr lang="en-GB" dirty="0"/>
-              <a:t>Compare dry audio to modified environment audio</a:t>
-            </a:r>
-          </a:p>
-          <a:p>
-            <a:r>
-              <a:rPr lang="en-GB" dirty="0"/>
-              <a:t>Rate similarity 0-100%</a:t>
-            </a:r>
-          </a:p>
-          <a:p>
-            <a:r>
-              <a:rPr lang="en-GB" dirty="0"/>
-              <a:t>We applied ANOVA test to the results</a:t>
-            </a:r>
-            <a:endParaRPr lang="en-FI" dirty="0"/>
+              <a:rPr lang="en-GB" sz="3200" dirty="0"/>
+              <a:t>Listeners compared dry audio to modified environment audio</a:t>
+            </a:r>
+          </a:p>
+          <a:p>
+            <a:r>
+              <a:rPr lang="en-GB" sz="3200" dirty="0"/>
+              <a:t>Asked to rate the similarity between 0 (least) – 100 (most)</a:t>
+            </a:r>
+          </a:p>
+          <a:p>
+            <a:r>
+              <a:rPr lang="en-GB" sz="3200" dirty="0"/>
+              <a:t>We applied the ANOVA test to the results</a:t>
+            </a:r>
+            <a:endParaRPr lang="en-FI" sz="3200" dirty="0"/>
           </a:p>
         </p:txBody>
       </p:sp>
@@ -4075,19 +7100,21 @@
         </p:nvSpPr>
         <p:spPr>
           <a:xfrm>
-            <a:off x="839788" y="0"/>
+            <a:off x="2353955" y="-247290"/>
             <a:ext cx="7252160" cy="1600200"/>
           </a:xfrm>
         </p:spPr>
         <p:txBody>
-          <a:bodyPr/>
-          <a:lstStyle/>
-          <a:p>
-            <a:r>
-              <a:rPr lang="en-GB" dirty="0"/>
+          <a:bodyPr>
+            <a:normAutofit/>
+          </a:bodyPr>
+          <a:lstStyle/>
+          <a:p>
+            <a:r>
+              <a:rPr lang="en-GB" sz="4000" dirty="0"/>
               <a:t>MUSHRA test results</a:t>
             </a:r>
-            <a:endParaRPr lang="en-FI" dirty="0"/>
+            <a:endParaRPr lang="en-FI" sz="4000" dirty="0"/>
           </a:p>
         </p:txBody>
       </p:sp>
@@ -4121,8 +7148,8 @@
         </p:blipFill>
         <p:spPr>
           <a:xfrm>
-            <a:off x="5183188" y="1773590"/>
-            <a:ext cx="6172200" cy="3301295"/>
+            <a:off x="4453339" y="1937930"/>
+            <a:ext cx="7590226" cy="4059748"/>
           </a:xfrm>
         </p:spPr>
       </p:pic>
@@ -4142,99 +7169,92 @@
             <p:ph type="body" sz="half" idx="2"/>
           </p:nvPr>
         </p:nvSpPr>
-        <p:spPr/>
-        <p:txBody>
-          <a:bodyPr/>
-          <a:lstStyle/>
-          <a:p>
-            <a:pPr>
+        <p:spPr>
+          <a:xfrm>
+            <a:off x="362923" y="1810109"/>
+            <a:ext cx="3982064" cy="4492368"/>
+          </a:xfrm>
+        </p:spPr>
+        <p:txBody>
+          <a:bodyPr>
+            <a:normAutofit lnSpcReduction="10000"/>
+          </a:bodyPr>
+          <a:lstStyle/>
+          <a:p>
+            <a:pPr algn="l">
               <a:buFont typeface="Arial" panose="020B0604020202020204" pitchFamily="34" charset="0"/>
               <a:buChar char="•"/>
             </a:pPr>
             <a:r>
-              <a:rPr lang="en-GB" dirty="0"/>
-              <a:t>drum: red</a:t>
-            </a:r>
-          </a:p>
-          <a:p>
-            <a:pPr>
+              <a:rPr lang="en-GB" sz="2400" dirty="0"/>
+              <a:t> drum: red</a:t>
+            </a:r>
+          </a:p>
+          <a:p>
+            <a:pPr algn="l">
               <a:buFont typeface="Arial" panose="020B0604020202020204" pitchFamily="34" charset="0"/>
               <a:buChar char="•"/>
             </a:pPr>
             <a:r>
-              <a:rPr lang="en-GB" dirty="0"/>
-              <a:t>instrumental mix: brown</a:t>
-            </a:r>
-          </a:p>
-          <a:p>
-            <a:pPr>
+              <a:rPr lang="en-GB" sz="2400" dirty="0"/>
+              <a:t> instrumental mix: brown</a:t>
+            </a:r>
+          </a:p>
+          <a:p>
+            <a:pPr algn="l">
               <a:buFont typeface="Arial" panose="020B0604020202020204" pitchFamily="34" charset="0"/>
               <a:buChar char="•"/>
             </a:pPr>
             <a:r>
-              <a:rPr lang="en-GB" dirty="0"/>
-              <a:t>piano: light green</a:t>
-            </a:r>
-          </a:p>
-          <a:p>
-            <a:pPr>
+              <a:rPr lang="en-GB" sz="2400" dirty="0"/>
+              <a:t> piano: light green</a:t>
+            </a:r>
+          </a:p>
+          <a:p>
+            <a:pPr algn="l">
               <a:buFont typeface="Arial" panose="020B0604020202020204" pitchFamily="34" charset="0"/>
               <a:buChar char="•"/>
             </a:pPr>
             <a:r>
-              <a:rPr lang="en-GB" dirty="0"/>
-              <a:t>speech: dark green</a:t>
-            </a:r>
-          </a:p>
-          <a:p>
-            <a:pPr>
+              <a:rPr lang="en-GB" sz="2400" dirty="0"/>
+              <a:t> speech: dark green</a:t>
+            </a:r>
+          </a:p>
+          <a:p>
+            <a:pPr algn="l">
               <a:buFont typeface="Arial" panose="020B0604020202020204" pitchFamily="34" charset="0"/>
               <a:buChar char="•"/>
             </a:pPr>
             <a:r>
-              <a:rPr lang="en-GB" dirty="0"/>
-              <a:t>trumpet: blue</a:t>
-            </a:r>
-          </a:p>
-          <a:p>
-            <a:pPr>
+              <a:rPr lang="en-GB" sz="2400" dirty="0"/>
+              <a:t> trumpet: blue</a:t>
+            </a:r>
+          </a:p>
+          <a:p>
+            <a:pPr algn="l">
               <a:buFont typeface="Arial" panose="020B0604020202020204" pitchFamily="34" charset="0"/>
               <a:buChar char="•"/>
             </a:pPr>
-            <a:endParaRPr lang="en-GB" dirty="0"/>
-          </a:p>
-          <a:p>
-            <a:pPr>
+            <a:endParaRPr lang="en-GB" sz="2000" dirty="0"/>
+          </a:p>
+          <a:p>
+            <a:pPr algn="l">
               <a:buFont typeface="Arial" panose="020B0604020202020204" pitchFamily="34" charset="0"/>
               <a:buChar char="•"/>
             </a:pPr>
-            <a:endParaRPr lang="en-GB" dirty="0"/>
-          </a:p>
-          <a:p>
-            <a:pPr>
+            <a:r>
+              <a:rPr lang="en-GB" sz="2400" dirty="0"/>
+              <a:t> 100 means most similar to original</a:t>
+            </a:r>
+          </a:p>
+          <a:p>
+            <a:pPr algn="l">
               <a:buFont typeface="Arial" panose="020B0604020202020204" pitchFamily="34" charset="0"/>
               <a:buChar char="•"/>
             </a:pPr>
-            <a:endParaRPr lang="en-GB" dirty="0"/>
-          </a:p>
-          <a:p>
-            <a:pPr>
-              <a:buFont typeface="Arial" panose="020B0604020202020204" pitchFamily="34" charset="0"/>
-              <a:buChar char="•"/>
-            </a:pPr>
-            <a:r>
-              <a:rPr lang="en-GB" dirty="0"/>
-              <a:t>100 means most similar to original</a:t>
-            </a:r>
-          </a:p>
-          <a:p>
-            <a:pPr>
-              <a:buFont typeface="Arial" panose="020B0604020202020204" pitchFamily="34" charset="0"/>
-              <a:buChar char="•"/>
-            </a:pPr>
-            <a:r>
-              <a:rPr lang="en-GB" dirty="0"/>
-              <a:t>0 means least similar to original</a:t>
+            <a:r>
+              <a:rPr lang="en-GB" sz="2400" dirty="0"/>
+              <a:t> 0 means least similar to original</a:t>
             </a:r>
           </a:p>
         </p:txBody>
@@ -4314,34 +7334,62 @@
             <p:ph idx="1"/>
           </p:nvPr>
         </p:nvSpPr>
-        <p:spPr/>
-        <p:txBody>
-          <a:bodyPr/>
-          <a:lstStyle/>
-          <a:p>
-            <a:r>
-              <a:rPr lang="en-GB" dirty="0"/>
-              <a:t>Results from objective and subjective were similar</a:t>
-            </a:r>
-          </a:p>
-          <a:p>
-            <a:r>
-              <a:rPr lang="en-GB" dirty="0"/>
+        <p:spPr>
+          <a:xfrm>
+            <a:off x="913795" y="1750141"/>
+            <a:ext cx="10353762" cy="4719483"/>
+          </a:xfrm>
+        </p:spPr>
+        <p:txBody>
+          <a:bodyPr>
+            <a:normAutofit/>
+          </a:bodyPr>
+          <a:lstStyle/>
+          <a:p>
+            <a:r>
+              <a:rPr lang="en-GB" sz="3200" dirty="0"/>
+              <a:t>Subjective results passed the ANOVA test with </a:t>
+            </a:r>
+            <a:r>
+              <a:rPr lang="el-GR" sz="3200" dirty="0">
+                <a:latin typeface="Times New Roman" panose="02020603050405020304" pitchFamily="18" charset="0"/>
+                <a:cs typeface="Times New Roman" panose="02020603050405020304" pitchFamily="18" charset="0"/>
+              </a:rPr>
+              <a:t>α</a:t>
+            </a:r>
+            <a:r>
+              <a:rPr lang="en-GB" sz="3200" dirty="0">
+                <a:latin typeface="Times New Roman" panose="02020603050405020304" pitchFamily="18" charset="0"/>
+                <a:cs typeface="Times New Roman" panose="02020603050405020304" pitchFamily="18" charset="0"/>
+              </a:rPr>
+              <a:t>=0.05</a:t>
+            </a:r>
+            <a:endParaRPr lang="en-GB" sz="3200" dirty="0"/>
+          </a:p>
+          <a:p>
+            <a:r>
+              <a:rPr lang="en-GB" sz="3200" dirty="0"/>
+              <a:t>Results from objective and subjective were mostly similar</a:t>
+            </a:r>
+          </a:p>
+          <a:p>
+            <a:r>
+              <a:rPr lang="en-GB" sz="3200" dirty="0"/>
               <a:t>Opera hall was the most different environment</a:t>
             </a:r>
           </a:p>
           <a:p>
             <a:r>
-              <a:rPr lang="en-GB" dirty="0"/>
+              <a:rPr lang="en-GB" sz="3200" dirty="0"/>
               <a:t>According to the subjective test, small office was most similar to the original audio</a:t>
             </a:r>
           </a:p>
           <a:p>
             <a:r>
-              <a:rPr lang="en-GB" dirty="0"/>
-              <a:t>According to objective test, reverb hall and small office were equally similar to original audio</a:t>
-            </a:r>
-            <a:endParaRPr lang="en-FI" dirty="0"/>
+              <a:rPr lang="en-GB" sz="3200" dirty="0"/>
+              <a:t>According to objective test, reverb hall and small office were equally similar to the original audio</a:t>
+            </a:r>
+            <a:endParaRPr lang="en-FI" sz="3200" dirty="0"/>
           </a:p>
         </p:txBody>
       </p:sp>
@@ -4359,9 +7407,9 @@
 </file>
 
 <file path=ppt/theme/theme1.xml><?xml version="1.0" encoding="utf-8"?>
-<a:theme xmlns:a="http://schemas.openxmlformats.org/drawingml/2006/main" name="Office Theme">
+<a:theme xmlns:a="http://schemas.openxmlformats.org/drawingml/2006/main" name="Slate">
   <a:themeElements>
-    <a:clrScheme name="Office">
+    <a:clrScheme name="Slate">
       <a:dk1>
         <a:sysClr val="windowText" lastClr="000000"/>
       </a:dk1>
@@ -4369,97 +7417,45 @@
         <a:sysClr val="window" lastClr="FFFFFF"/>
       </a:lt1>
       <a:dk2>
-        <a:srgbClr val="0E2841"/>
+        <a:srgbClr val="212123"/>
       </a:dk2>
       <a:lt2>
-        <a:srgbClr val="E8E8E8"/>
+        <a:srgbClr val="DADADA"/>
       </a:lt2>
       <a:accent1>
-        <a:srgbClr val="156082"/>
+        <a:srgbClr val="BC451B"/>
       </a:accent1>
       <a:accent2>
-        <a:srgbClr val="E97132"/>
+        <a:srgbClr val="D3BA68"/>
       </a:accent2>
       <a:accent3>
-        <a:srgbClr val="196B24"/>
+        <a:srgbClr val="BB8640"/>
       </a:accent3>
       <a:accent4>
-        <a:srgbClr val="0F9ED5"/>
+        <a:srgbClr val="AD9277"/>
       </a:accent4>
       <a:accent5>
-        <a:srgbClr val="A02B93"/>
+        <a:srgbClr val="A55A43"/>
       </a:accent5>
       <a:accent6>
-        <a:srgbClr val="4EA72E"/>
+        <a:srgbClr val="AD9D7B"/>
       </a:accent6>
       <a:hlink>
-        <a:srgbClr val="467886"/>
+        <a:srgbClr val="E98052"/>
       </a:hlink>
       <a:folHlink>
-        <a:srgbClr val="96607D"/>
+        <a:srgbClr val="F4B69B"/>
       </a:folHlink>
     </a:clrScheme>
-    <a:fontScheme name="Office">
+    <a:fontScheme name="Slate">
       <a:majorFont>
-        <a:latin typeface="Aptos Display" panose="02110004020202020204"/>
+        <a:latin typeface="Calisto MT" panose="02040603050505030304"/>
         <a:ea typeface=""/>
         <a:cs typeface=""/>
-        <a:font script="Jpan" typeface="游ゴシック Light"/>
-        <a:font script="Hang" typeface="맑은 고딕"/>
-        <a:font script="Hans" typeface="等线 Light"/>
-        <a:font script="Hant" typeface="新細明體"/>
-        <a:font script="Arab" typeface="Times New Roman"/>
-        <a:font script="Hebr" typeface="Times New Roman"/>
-        <a:font script="Thai" typeface="Angsana New"/>
-        <a:font script="Ethi" typeface="Nyala"/>
-        <a:font script="Beng" typeface="Vrinda"/>
-        <a:font script="Gujr" typeface="Shruti"/>
-        <a:font script="Khmr" typeface="MoolBoran"/>
-        <a:font script="Knda" typeface="Tunga"/>
-        <a:font script="Guru" typeface="Raavi"/>
-        <a:font script="Cans" typeface="Euphemia"/>
-        <a:font script="Cher" typeface="Plantagenet Cherokee"/>
-        <a:font script="Yiii" typeface="Microsoft Yi Baiti"/>
-        <a:font script="Tibt" typeface="Microsoft Himalaya"/>
-        <a:font script="Thaa" typeface="MV Boli"/>
-        <a:font script="Deva" typeface="Mangal"/>
-        <a:font script="Telu" typeface="Gautami"/>
-        <a:font script="Taml" typeface="Latha"/>
-        <a:font script="Syrc" typeface="Estrangelo Edessa"/>
-        <a:font script="Orya" typeface="Kalinga"/>
-        <a:font script="Mlym" typeface="Kartika"/>
-        <a:font script="Laoo" typeface="DokChampa"/>
-        <a:font script="Sinh" typeface="Iskoola Pota"/>
-        <a:font script="Mong" typeface="Mongolian Baiti"/>
-        <a:font script="Viet" typeface="Times New Roman"/>
-        <a:font script="Uigh" typeface="Microsoft Uighur"/>
-        <a:font script="Geor" typeface="Sylfaen"/>
-        <a:font script="Armn" typeface="Arial"/>
-        <a:font script="Bugi" typeface="Leelawadee UI"/>
-        <a:font script="Bopo" typeface="Microsoft JhengHei"/>
-        <a:font script="Java" typeface="Javanese Text"/>
-        <a:font script="Lisu" typeface="Segoe UI"/>
-        <a:font script="Mymr" typeface="Myanmar Text"/>
-        <a:font script="Nkoo" typeface="Ebrima"/>
-        <a:font script="Olck" typeface="Nirmala UI"/>
-        <a:font script="Osma" typeface="Ebrima"/>
-        <a:font script="Phag" typeface="Phagspa"/>
-        <a:font script="Syrn" typeface="Estrangelo Edessa"/>
-        <a:font script="Syrj" typeface="Estrangelo Edessa"/>
-        <a:font script="Syre" typeface="Estrangelo Edessa"/>
-        <a:font script="Sora" typeface="Nirmala UI"/>
-        <a:font script="Tale" typeface="Microsoft Tai Le"/>
-        <a:font script="Talu" typeface="Microsoft New Tai Lue"/>
-        <a:font script="Tfng" typeface="Ebrima"/>
-      </a:majorFont>
-      <a:minorFont>
-        <a:latin typeface="Aptos" panose="02110004020202020204"/>
-        <a:ea typeface=""/>
-        <a:cs typeface=""/>
-        <a:font script="Jpan" typeface="游ゴシック"/>
-        <a:font script="Hang" typeface="맑은 고딕"/>
-        <a:font script="Hans" typeface="等线"/>
-        <a:font script="Hant" typeface="新細明體"/>
+        <a:font script="Jpan" typeface="ＭＳ Ｐゴシック"/>
+        <a:font script="Hang" typeface="돋움"/>
+        <a:font script="Hans" typeface="方正舒体"/>
+        <a:font script="Hant" typeface="微軟正黑體"/>
         <a:font script="Arab" typeface="Arial"/>
         <a:font script="Hebr" typeface="Arial"/>
         <a:font script="Thai" typeface="Cordia New"/>
@@ -4486,26 +7482,44 @@
         <a:font script="Viet" typeface="Arial"/>
         <a:font script="Uigh" typeface="Microsoft Uighur"/>
         <a:font script="Geor" typeface="Sylfaen"/>
-        <a:font script="Armn" typeface="Arial"/>
-        <a:font script="Bugi" typeface="Leelawadee UI"/>
-        <a:font script="Bopo" typeface="Microsoft JhengHei"/>
-        <a:font script="Java" typeface="Javanese Text"/>
-        <a:font script="Lisu" typeface="Segoe UI"/>
-        <a:font script="Mymr" typeface="Myanmar Text"/>
-        <a:font script="Nkoo" typeface="Ebrima"/>
-        <a:font script="Olck" typeface="Nirmala UI"/>
-        <a:font script="Osma" typeface="Ebrima"/>
-        <a:font script="Phag" typeface="Phagspa"/>
-        <a:font script="Syrn" typeface="Estrangelo Edessa"/>
-        <a:font script="Syrj" typeface="Estrangelo Edessa"/>
-        <a:font script="Syre" typeface="Estrangelo Edessa"/>
-        <a:font script="Sora" typeface="Nirmala UI"/>
-        <a:font script="Tale" typeface="Microsoft Tai Le"/>
-        <a:font script="Talu" typeface="Microsoft New Tai Lue"/>
-        <a:font script="Tfng" typeface="Ebrima"/>
+      </a:majorFont>
+      <a:minorFont>
+        <a:latin typeface="Calisto MT" panose="02040603050505030304"/>
+        <a:ea typeface=""/>
+        <a:cs typeface=""/>
+        <a:font script="Jpan" typeface="ＭＳ Ｐゴシック"/>
+        <a:font script="Hang" typeface="돋움"/>
+        <a:font script="Hans" typeface="方正舒体"/>
+        <a:font script="Hant" typeface="微軟正黑體"/>
+        <a:font script="Arab" typeface="Arial"/>
+        <a:font script="Hebr" typeface="Arial"/>
+        <a:font script="Thai" typeface="Cordia New"/>
+        <a:font script="Ethi" typeface="Nyala"/>
+        <a:font script="Beng" typeface="Vrinda"/>
+        <a:font script="Gujr" typeface="Shruti"/>
+        <a:font script="Khmr" typeface="DaunPenh"/>
+        <a:font script="Knda" typeface="Tunga"/>
+        <a:font script="Guru" typeface="Raavi"/>
+        <a:font script="Cans" typeface="Euphemia"/>
+        <a:font script="Cher" typeface="Plantagenet Cherokee"/>
+        <a:font script="Yiii" typeface="Microsoft Yi Baiti"/>
+        <a:font script="Tibt" typeface="Microsoft Himalaya"/>
+        <a:font script="Thaa" typeface="MV Boli"/>
+        <a:font script="Deva" typeface="Mangal"/>
+        <a:font script="Telu" typeface="Gautami"/>
+        <a:font script="Taml" typeface="Latha"/>
+        <a:font script="Syrc" typeface="Estrangelo Edessa"/>
+        <a:font script="Orya" typeface="Kalinga"/>
+        <a:font script="Mlym" typeface="Kartika"/>
+        <a:font script="Laoo" typeface="DokChampa"/>
+        <a:font script="Sinh" typeface="Iskoola Pota"/>
+        <a:font script="Mong" typeface="Mongolian Baiti"/>
+        <a:font script="Viet" typeface="Arial"/>
+        <a:font script="Uigh" typeface="Microsoft Uighur"/>
+        <a:font script="Geor" typeface="Sylfaen"/>
       </a:minorFont>
     </a:fontScheme>
-    <a:fmtScheme name="Office">
+    <a:fmtScheme name="Slate">
       <a:fillStyleLst>
         <a:solidFill>
           <a:schemeClr val="phClr"/>
@@ -4514,23 +7528,13 @@
           <a:gsLst>
             <a:gs pos="0">
               <a:schemeClr val="phClr">
+                <a:tint val="60000"/>
                 <a:lumMod val="110000"/>
-                <a:satMod val="105000"/>
-                <a:tint val="67000"/>
-              </a:schemeClr>
-            </a:gs>
-            <a:gs pos="50000">
-              <a:schemeClr val="phClr">
-                <a:lumMod val="105000"/>
-                <a:satMod val="103000"/>
-                <a:tint val="73000"/>
               </a:schemeClr>
             </a:gs>
             <a:gs pos="100000">
               <a:schemeClr val="phClr">
-                <a:lumMod val="105000"/>
-                <a:satMod val="109000"/>
-                <a:tint val="81000"/>
+                <a:tint val="88000"/>
               </a:schemeClr>
             </a:gs>
           </a:gsLst>
@@ -4540,23 +7544,14 @@
           <a:gsLst>
             <a:gs pos="0">
               <a:schemeClr val="phClr">
-                <a:satMod val="103000"/>
-                <a:lumMod val="102000"/>
-                <a:tint val="94000"/>
-              </a:schemeClr>
-            </a:gs>
-            <a:gs pos="50000">
-              <a:schemeClr val="phClr">
-                <a:satMod val="110000"/>
-                <a:lumMod val="100000"/>
-                <a:shade val="100000"/>
+                <a:tint val="96000"/>
+                <a:lumMod val="104000"/>
               </a:schemeClr>
             </a:gs>
             <a:gs pos="100000">
               <a:schemeClr val="phClr">
-                <a:lumMod val="99000"/>
-                <a:satMod val="120000"/>
-                <a:shade val="78000"/>
+                <a:shade val="90000"/>
+                <a:lumMod val="90000"/>
               </a:schemeClr>
             </a:gs>
           </a:gsLst>
@@ -4564,26 +7559,25 @@
         </a:gradFill>
       </a:fillStyleLst>
       <a:lnStyleLst>
-        <a:ln w="12700" cap="flat" cmpd="sng" algn="ctr">
+        <a:ln w="9525" cap="rnd" cmpd="sng" algn="ctr">
+          <a:solidFill>
+            <a:schemeClr val="phClr">
+              <a:shade val="90000"/>
+            </a:schemeClr>
+          </a:solidFill>
+          <a:prstDash val="solid"/>
+        </a:ln>
+        <a:ln w="15875" cap="rnd" cmpd="sng" algn="ctr">
           <a:solidFill>
             <a:schemeClr val="phClr"/>
           </a:solidFill>
           <a:prstDash val="solid"/>
-          <a:miter lim="800000"/>
         </a:ln>
-        <a:ln w="19050" cap="flat" cmpd="sng" algn="ctr">
+        <a:ln w="25400" cap="rnd" cmpd="sng" algn="ctr">
           <a:solidFill>
             <a:schemeClr val="phClr"/>
           </a:solidFill>
           <a:prstDash val="solid"/>
-          <a:miter lim="800000"/>
-        </a:ln>
-        <a:ln w="25400" cap="flat" cmpd="sng" algn="ctr">
-          <a:solidFill>
-            <a:schemeClr val="phClr"/>
-          </a:solidFill>
-          <a:prstDash val="solid"/>
-          <a:miter lim="800000"/>
         </a:ln>
       </a:lnStyleLst>
       <a:effectStyleLst>
@@ -4591,16 +7585,33 @@
           <a:effectLst/>
         </a:effectStyle>
         <a:effectStyle>
-          <a:effectLst/>
+          <a:effectLst>
+            <a:outerShdw blurRad="63500" dist="25400" dir="5400000" rotWithShape="0">
+              <a:srgbClr val="000000">
+                <a:alpha val="60000"/>
+              </a:srgbClr>
+            </a:outerShdw>
+          </a:effectLst>
         </a:effectStyle>
         <a:effectStyle>
           <a:effectLst>
-            <a:outerShdw blurRad="57150" dist="19050" dir="5400000" algn="ctr" rotWithShape="0">
+            <a:outerShdw blurRad="76200" dist="38100" dir="5400000" rotWithShape="0">
               <a:srgbClr val="000000">
-                <a:alpha val="63000"/>
+                <a:alpha val="75000"/>
               </a:srgbClr>
             </a:outerShdw>
           </a:effectLst>
+          <a:scene3d>
+            <a:camera prst="orthographicFront">
+              <a:rot lat="0" lon="0" rev="0"/>
+            </a:camera>
+            <a:lightRig rig="threePt" dir="t">
+              <a:rot lat="0" lon="0" rev="1200000"/>
+            </a:lightRig>
+          </a:scene3d>
+          <a:sp3d>
+            <a:bevelT w="63500" h="25400" prst="hardEdge"/>
+          </a:sp3d>
         </a:effectStyle>
       </a:effectStyleLst>
       <a:bgFillStyleLst>
@@ -4608,66 +7619,30 @@
           <a:schemeClr val="phClr"/>
         </a:solidFill>
         <a:solidFill>
-          <a:schemeClr val="phClr">
-            <a:tint val="95000"/>
-            <a:satMod val="170000"/>
-          </a:schemeClr>
+          <a:schemeClr val="phClr"/>
         </a:solidFill>
-        <a:gradFill rotWithShape="1">
-          <a:gsLst>
-            <a:gs pos="0">
+        <a:blipFill rotWithShape="1">
+          <a:blip xmlns:r="http://schemas.openxmlformats.org/officeDocument/2006/relationships" r:embed="rId1">
+            <a:duotone>
               <a:schemeClr val="phClr">
-                <a:tint val="93000"/>
-                <a:satMod val="150000"/>
-                <a:shade val="98000"/>
-                <a:lumMod val="102000"/>
+                <a:shade val="80000"/>
+                <a:lumMod val="80000"/>
               </a:schemeClr>
-            </a:gs>
-            <a:gs pos="50000">
               <a:schemeClr val="phClr">
                 <a:tint val="98000"/>
-                <a:satMod val="130000"/>
-                <a:shade val="90000"/>
-                <a:lumMod val="103000"/>
               </a:schemeClr>
-            </a:gs>
-            <a:gs pos="100000">
-              <a:schemeClr val="phClr">
-                <a:shade val="63000"/>
-                <a:satMod val="120000"/>
-              </a:schemeClr>
-            </a:gs>
-          </a:gsLst>
-          <a:lin ang="5400000" scaled="0"/>
-        </a:gradFill>
+            </a:duotone>
+          </a:blip>
+          <a:stretch/>
+        </a:blipFill>
       </a:bgFillStyleLst>
     </a:fmtScheme>
   </a:themeElements>
-  <a:objectDefaults>
-    <a:lnDef>
-      <a:spPr/>
-      <a:bodyPr/>
-      <a:lstStyle/>
-      <a:style>
-        <a:lnRef idx="2">
-          <a:schemeClr val="accent1"/>
-        </a:lnRef>
-        <a:fillRef idx="0">
-          <a:schemeClr val="accent1"/>
-        </a:fillRef>
-        <a:effectRef idx="1">
-          <a:schemeClr val="accent1"/>
-        </a:effectRef>
-        <a:fontRef idx="minor">
-          <a:schemeClr val="tx1"/>
-        </a:fontRef>
-      </a:style>
-    </a:lnDef>
-  </a:objectDefaults>
+  <a:objectDefaults/>
   <a:extraClrSchemeLst/>
   <a:extLst>
     <a:ext uri="{05A4C25C-085E-4340-85A3-A5531E510DB2}">
-      <thm15:themeFamily xmlns:thm15="http://schemas.microsoft.com/office/thememl/2012/main" name="Office Theme" id="{2E142A2C-CD16-42D6-873A-C26D2A0506FA}" vid="{1BDDFF52-6CD6-40A5-AB3C-68EB2F1E4D0A}"/>
+      <thm15:themeFamily xmlns:thm15="http://schemas.microsoft.com/office/thememl/2012/main" name="Slate" id="{C3F70B94-7CE9-428E-ADC1-3269CC2C3385}" vid="{3F2DE9A5-64E6-437C-A389-CC4477E817E8}"/>
     </a:ext>
   </a:extLst>
 </a:theme>

--- a/presentation_group1.pptx
+++ b/presentation_group1.pptx
@@ -9,9 +9,10 @@
     <p:sldId id="257" r:id="rId3"/>
     <p:sldId id="259" r:id="rId4"/>
     <p:sldId id="260" r:id="rId5"/>
-    <p:sldId id="258" r:id="rId6"/>
-    <p:sldId id="261" r:id="rId7"/>
-    <p:sldId id="262" r:id="rId8"/>
+    <p:sldId id="263" r:id="rId6"/>
+    <p:sldId id="258" r:id="rId7"/>
+    <p:sldId id="261" r:id="rId8"/>
+    <p:sldId id="262" r:id="rId9"/>
   </p:sldIdLst>
   <p:sldSz cx="12192000" cy="6858000"/>
   <p:notesSz cx="6858000" cy="9144000"/>
@@ -6974,7 +6975,7 @@
           <p:cNvPr id="2" name="Title 1">
             <a:extLst>
               <a:ext uri="{FF2B5EF4-FFF2-40B4-BE49-F238E27FC236}">
-                <a16:creationId xmlns:a16="http://schemas.microsoft.com/office/drawing/2014/main" id="{4376D7BA-07DE-6C8D-C071-4E8F6A9B9A3B}"/>
+                <a16:creationId xmlns:a16="http://schemas.microsoft.com/office/drawing/2014/main" id="{9C0EED90-2C84-A5D7-29CE-517926165718}"/>
               </a:ext>
             </a:extLst>
           </p:cNvPr>
@@ -6992,7 +6993,7 @@
           <a:p>
             <a:r>
               <a:rPr lang="en-GB" dirty="0"/>
-              <a:t>MUSHRA listening experiment</a:t>
+              <a:t>MUSHRA test software</a:t>
             </a:r>
             <a:endParaRPr lang="en-FI" dirty="0"/>
           </a:p>
@@ -7003,7 +7004,7 @@
           <p:cNvPr id="3" name="Content Placeholder 2">
             <a:extLst>
               <a:ext uri="{FF2B5EF4-FFF2-40B4-BE49-F238E27FC236}">
-                <a16:creationId xmlns:a16="http://schemas.microsoft.com/office/drawing/2014/main" id="{63289A7E-B209-D4B3-28BB-A3DE3B695311}"/>
+                <a16:creationId xmlns:a16="http://schemas.microsoft.com/office/drawing/2014/main" id="{658BF00C-40DB-E7C8-DE1C-7CF24861172A}"/>
               </a:ext>
             </a:extLst>
           </p:cNvPr>
@@ -7016,46 +7017,48 @@
         </p:nvSpPr>
         <p:spPr>
           <a:xfrm>
-            <a:off x="913795" y="1948759"/>
-            <a:ext cx="10491624" cy="4058751"/>
+            <a:off x="913795" y="1993004"/>
+            <a:ext cx="10353762" cy="4058751"/>
           </a:xfrm>
         </p:spPr>
         <p:txBody>
-          <a:bodyPr>
-            <a:normAutofit/>
-          </a:bodyPr>
+          <a:bodyPr/>
           <a:lstStyle/>
           <a:p>
             <a:r>
               <a:rPr lang="en-GB" sz="3200" dirty="0"/>
-              <a:t>18 participants</a:t>
-            </a:r>
-          </a:p>
-          <a:p>
+              <a:t>“scale” app for </a:t>
+            </a:r>
+            <a:r>
+              <a:rPr lang="en-GB" sz="3200" dirty="0" err="1"/>
+              <a:t>Matlab</a:t>
+            </a:r>
             <a:r>
               <a:rPr lang="en-GB" sz="3200" dirty="0"/>
-              <a:t>Listeners compared dry audio to modified environment audio</a:t>
+              <a:t> was used</a:t>
             </a:r>
           </a:p>
           <a:p>
             <a:r>
               <a:rPr lang="en-GB" sz="3200" dirty="0"/>
-              <a:t>Asked to rate the similarity between 0 (least) – 100 (most)</a:t>
+              <a:t>Results are stored as tables in .mat files</a:t>
             </a:r>
           </a:p>
           <a:p>
             <a:r>
               <a:rPr lang="en-GB" sz="3200" dirty="0"/>
-              <a:t>We applied the ANOVA test to the results</a:t>
-            </a:r>
-            <a:endParaRPr lang="en-FI" sz="3200" dirty="0"/>
+              <a:t>Figures are drawn by the application</a:t>
+            </a:r>
+          </a:p>
+          <a:p>
+            <a:endParaRPr lang="en-FI" dirty="0"/>
           </a:p>
         </p:txBody>
       </p:sp>
     </p:spTree>
     <p:extLst>
       <p:ext uri="{BB962C8B-B14F-4D97-AF65-F5344CB8AC3E}">
-        <p14:creationId xmlns:p14="http://schemas.microsoft.com/office/powerpoint/2010/main" val="350466063"/>
+        <p14:creationId xmlns:p14="http://schemas.microsoft.com/office/powerpoint/2010/main" val="2568352776"/>
       </p:ext>
     </p:extLst>
   </p:cSld>
@@ -7087,6 +7090,119 @@
           <p:cNvPr id="2" name="Title 1">
             <a:extLst>
               <a:ext uri="{FF2B5EF4-FFF2-40B4-BE49-F238E27FC236}">
+                <a16:creationId xmlns:a16="http://schemas.microsoft.com/office/drawing/2014/main" id="{4376D7BA-07DE-6C8D-C071-4E8F6A9B9A3B}"/>
+              </a:ext>
+            </a:extLst>
+          </p:cNvPr>
+          <p:cNvSpPr>
+            <a:spLocks noGrp="1"/>
+          </p:cNvSpPr>
+          <p:nvPr>
+            <p:ph type="title"/>
+          </p:nvPr>
+        </p:nvSpPr>
+        <p:spPr/>
+        <p:txBody>
+          <a:bodyPr/>
+          <a:lstStyle/>
+          <a:p>
+            <a:r>
+              <a:rPr lang="en-GB" dirty="0"/>
+              <a:t>MUSHRA listening experiment</a:t>
+            </a:r>
+            <a:endParaRPr lang="en-FI" dirty="0"/>
+          </a:p>
+        </p:txBody>
+      </p:sp>
+      <p:sp>
+        <p:nvSpPr>
+          <p:cNvPr id="3" name="Content Placeholder 2">
+            <a:extLst>
+              <a:ext uri="{FF2B5EF4-FFF2-40B4-BE49-F238E27FC236}">
+                <a16:creationId xmlns:a16="http://schemas.microsoft.com/office/drawing/2014/main" id="{63289A7E-B209-D4B3-28BB-A3DE3B695311}"/>
+              </a:ext>
+            </a:extLst>
+          </p:cNvPr>
+          <p:cNvSpPr>
+            <a:spLocks noGrp="1"/>
+          </p:cNvSpPr>
+          <p:nvPr>
+            <p:ph idx="1"/>
+          </p:nvPr>
+        </p:nvSpPr>
+        <p:spPr>
+          <a:xfrm>
+            <a:off x="913795" y="1948759"/>
+            <a:ext cx="10491624" cy="4058751"/>
+          </a:xfrm>
+        </p:spPr>
+        <p:txBody>
+          <a:bodyPr>
+            <a:normAutofit/>
+          </a:bodyPr>
+          <a:lstStyle/>
+          <a:p>
+            <a:r>
+              <a:rPr lang="en-GB" sz="3200" dirty="0"/>
+              <a:t>18 participants</a:t>
+            </a:r>
+          </a:p>
+          <a:p>
+            <a:r>
+              <a:rPr lang="en-GB" sz="3200" dirty="0"/>
+              <a:t>Listeners compared dry audio to modified environment audio</a:t>
+            </a:r>
+          </a:p>
+          <a:p>
+            <a:r>
+              <a:rPr lang="en-GB" sz="3200" dirty="0"/>
+              <a:t>Asked to rate the similarity between 0 (least) – 100 (most)</a:t>
+            </a:r>
+          </a:p>
+          <a:p>
+            <a:r>
+              <a:rPr lang="en-GB" sz="3200" dirty="0"/>
+              <a:t>We applied the ANOVA test to the results</a:t>
+            </a:r>
+            <a:endParaRPr lang="en-FI" sz="3200" dirty="0"/>
+          </a:p>
+        </p:txBody>
+      </p:sp>
+    </p:spTree>
+    <p:extLst>
+      <p:ext uri="{BB962C8B-B14F-4D97-AF65-F5344CB8AC3E}">
+        <p14:creationId xmlns:p14="http://schemas.microsoft.com/office/powerpoint/2010/main" val="350466063"/>
+      </p:ext>
+    </p:extLst>
+  </p:cSld>
+  <p:clrMapOvr>
+    <a:masterClrMapping/>
+  </p:clrMapOvr>
+</p:sld>
+</file>
+
+<file path=ppt/slides/slide7.xml><?xml version="1.0" encoding="utf-8"?>
+<p:sld xmlns:a="http://schemas.openxmlformats.org/drawingml/2006/main" xmlns:r="http://schemas.openxmlformats.org/officeDocument/2006/relationships" xmlns:p="http://schemas.openxmlformats.org/presentationml/2006/main">
+  <p:cSld>
+    <p:spTree>
+      <p:nvGrpSpPr>
+        <p:cNvPr id="1" name=""/>
+        <p:cNvGrpSpPr/>
+        <p:nvPr/>
+      </p:nvGrpSpPr>
+      <p:grpSpPr>
+        <a:xfrm>
+          <a:off x="0" y="0"/>
+          <a:ext cx="0" cy="0"/>
+          <a:chOff x="0" y="0"/>
+          <a:chExt cx="0" cy="0"/>
+        </a:xfrm>
+      </p:grpSpPr>
+      <p:sp>
+        <p:nvSpPr>
+          <p:cNvPr id="2" name="Title 1">
+            <a:extLst>
+              <a:ext uri="{FF2B5EF4-FFF2-40B4-BE49-F238E27FC236}">
                 <a16:creationId xmlns:a16="http://schemas.microsoft.com/office/drawing/2014/main" id="{0F04B79A-765B-8918-BAE2-B12BAD83DAE4}"/>
               </a:ext>
             </a:extLst>
@@ -7272,7 +7388,7 @@
 </p:sld>
 </file>
 
-<file path=ppt/slides/slide7.xml><?xml version="1.0" encoding="utf-8"?>
+<file path=ppt/slides/slide8.xml><?xml version="1.0" encoding="utf-8"?>
 <p:sld xmlns:a="http://schemas.openxmlformats.org/drawingml/2006/main" xmlns:r="http://schemas.openxmlformats.org/officeDocument/2006/relationships" xmlns:p="http://schemas.openxmlformats.org/presentationml/2006/main">
   <p:cSld>
     <p:spTree>

--- a/presentation_group1.pptx
+++ b/presentation_group1.pptx
@@ -6,13 +6,15 @@
   </p:sldMasterIdLst>
   <p:sldIdLst>
     <p:sldId id="256" r:id="rId2"/>
-    <p:sldId id="257" r:id="rId3"/>
-    <p:sldId id="259" r:id="rId4"/>
-    <p:sldId id="260" r:id="rId5"/>
-    <p:sldId id="263" r:id="rId6"/>
+    <p:sldId id="264" r:id="rId3"/>
+    <p:sldId id="257" r:id="rId4"/>
+    <p:sldId id="259" r:id="rId5"/>
+    <p:sldId id="260" r:id="rId6"/>
     <p:sldId id="258" r:id="rId7"/>
-    <p:sldId id="261" r:id="rId8"/>
-    <p:sldId id="262" r:id="rId9"/>
+    <p:sldId id="263" r:id="rId8"/>
+    <p:sldId id="261" r:id="rId9"/>
+    <p:sldId id="265" r:id="rId10"/>
+    <p:sldId id="262" r:id="rId11"/>
   </p:sldIdLst>
   <p:sldSz cx="12192000" cy="6858000"/>
   <p:notesSz cx="6858000" cy="9144000"/>
@@ -6078,8 +6080,8 @@
         </p:nvSpPr>
         <p:spPr>
           <a:xfrm>
-            <a:off x="1524000" y="3608439"/>
-            <a:ext cx="9144000" cy="3249561"/>
+            <a:off x="3898490" y="3608439"/>
+            <a:ext cx="4395019" cy="3249561"/>
           </a:xfrm>
         </p:spPr>
         <p:txBody>
@@ -6088,24 +6090,32 @@
           </a:bodyPr>
           <a:lstStyle/>
           <a:p>
+            <a:pPr algn="l"/>
             <a:r>
               <a:rPr lang="en-GB" dirty="0"/>
-              <a:t>Sheikh Muhammad Mujtaba</a:t>
-            </a:r>
-          </a:p>
-          <a:p>
+              <a:t>Task 1: Sheikh Muhammad Mujtaba</a:t>
+            </a:r>
+          </a:p>
+          <a:p>
+            <a:pPr algn="l"/>
             <a:r>
               <a:rPr lang="en-GB" dirty="0"/>
-              <a:t>Atif Iqbal</a:t>
-            </a:r>
-          </a:p>
-          <a:p>
+              <a:t>Task 2: Muhammad Behzad Hussain </a:t>
+            </a:r>
+          </a:p>
+          <a:p>
+            <a:pPr algn="l"/>
             <a:r>
               <a:rPr lang="en-GB" dirty="0"/>
-              <a:t>Niklas Nymark</a:t>
-            </a:r>
-          </a:p>
-          <a:p>
+              <a:t>Task 3: Atif Iqbal</a:t>
+            </a:r>
+          </a:p>
+          <a:p>
+            <a:pPr algn="l"/>
+            <a:r>
+              <a:rPr lang="en-GB" dirty="0"/>
+              <a:t>Task 4: </a:t>
+            </a:r>
             <a:r>
               <a:rPr lang="en-GB" dirty="0" err="1"/>
               <a:t>Shaurya</a:t>
@@ -6116,11 +6126,11 @@
             </a:r>
           </a:p>
           <a:p>
+            <a:pPr algn="l"/>
             <a:r>
               <a:rPr lang="en-GB" dirty="0"/>
-              <a:t>Muhammad Behzad Hussain </a:t>
-            </a:r>
-            <a:endParaRPr lang="en-FI" dirty="0"/>
+              <a:t>Task 5: Niklas Nymark</a:t>
+            </a:r>
           </a:p>
         </p:txBody>
       </p:sp>
@@ -6128,6 +6138,119 @@
     <p:extLst>
       <p:ext uri="{BB962C8B-B14F-4D97-AF65-F5344CB8AC3E}">
         <p14:creationId xmlns:p14="http://schemas.microsoft.com/office/powerpoint/2010/main" val="3539243812"/>
+      </p:ext>
+    </p:extLst>
+  </p:cSld>
+  <p:clrMapOvr>
+    <a:masterClrMapping/>
+  </p:clrMapOvr>
+</p:sld>
+</file>
+
+<file path=ppt/slides/slide10.xml><?xml version="1.0" encoding="utf-8"?>
+<p:sld xmlns:a="http://schemas.openxmlformats.org/drawingml/2006/main" xmlns:r="http://schemas.openxmlformats.org/officeDocument/2006/relationships" xmlns:p="http://schemas.openxmlformats.org/presentationml/2006/main">
+  <p:cSld>
+    <p:spTree>
+      <p:nvGrpSpPr>
+        <p:cNvPr id="1" name=""/>
+        <p:cNvGrpSpPr/>
+        <p:nvPr/>
+      </p:nvGrpSpPr>
+      <p:grpSpPr>
+        <a:xfrm>
+          <a:off x="0" y="0"/>
+          <a:ext cx="0" cy="0"/>
+          <a:chOff x="0" y="0"/>
+          <a:chExt cx="0" cy="0"/>
+        </a:xfrm>
+      </p:grpSpPr>
+      <p:sp>
+        <p:nvSpPr>
+          <p:cNvPr id="2" name="Title 1">
+            <a:extLst>
+              <a:ext uri="{FF2B5EF4-FFF2-40B4-BE49-F238E27FC236}">
+                <a16:creationId xmlns:a16="http://schemas.microsoft.com/office/drawing/2014/main" id="{FB90767D-D7AA-C232-BAAA-58E3729A36F6}"/>
+              </a:ext>
+            </a:extLst>
+          </p:cNvPr>
+          <p:cNvSpPr>
+            <a:spLocks noGrp="1"/>
+          </p:cNvSpPr>
+          <p:nvPr>
+            <p:ph type="title"/>
+          </p:nvPr>
+        </p:nvSpPr>
+        <p:spPr/>
+        <p:txBody>
+          <a:bodyPr/>
+          <a:lstStyle/>
+          <a:p>
+            <a:r>
+              <a:rPr lang="en-GB" dirty="0"/>
+              <a:t>Conclusion</a:t>
+            </a:r>
+            <a:endParaRPr lang="en-FI" dirty="0"/>
+          </a:p>
+        </p:txBody>
+      </p:sp>
+      <p:sp>
+        <p:nvSpPr>
+          <p:cNvPr id="3" name="Content Placeholder 2">
+            <a:extLst>
+              <a:ext uri="{FF2B5EF4-FFF2-40B4-BE49-F238E27FC236}">
+                <a16:creationId xmlns:a16="http://schemas.microsoft.com/office/drawing/2014/main" id="{9C05587B-089A-FA17-708E-B876B3A8EF48}"/>
+              </a:ext>
+            </a:extLst>
+          </p:cNvPr>
+          <p:cNvSpPr>
+            <a:spLocks noGrp="1"/>
+          </p:cNvSpPr>
+          <p:nvPr>
+            <p:ph idx="1"/>
+          </p:nvPr>
+        </p:nvSpPr>
+        <p:spPr>
+          <a:xfrm>
+            <a:off x="913795" y="1966450"/>
+            <a:ext cx="10353762" cy="4719483"/>
+          </a:xfrm>
+        </p:spPr>
+        <p:txBody>
+          <a:bodyPr>
+            <a:normAutofit/>
+          </a:bodyPr>
+          <a:lstStyle/>
+          <a:p>
+            <a:r>
+              <a:rPr lang="en-GB" sz="3200" dirty="0"/>
+              <a:t>Results from objective and subjective were mostly similar</a:t>
+            </a:r>
+          </a:p>
+          <a:p>
+            <a:r>
+              <a:rPr lang="en-GB" sz="3200" dirty="0"/>
+              <a:t>Opera hall was the most different environment</a:t>
+            </a:r>
+          </a:p>
+          <a:p>
+            <a:r>
+              <a:rPr lang="en-GB" sz="3200" dirty="0"/>
+              <a:t>According to the subjective test, small office was most similar to the original audio</a:t>
+            </a:r>
+          </a:p>
+          <a:p>
+            <a:r>
+              <a:rPr lang="en-GB" sz="3200" dirty="0"/>
+              <a:t>According to objective test, reverb hall and small office were equally similar to the original audio</a:t>
+            </a:r>
+            <a:endParaRPr lang="en-FI" sz="3200" dirty="0"/>
+          </a:p>
+        </p:txBody>
+      </p:sp>
+    </p:spTree>
+    <p:extLst>
+      <p:ext uri="{BB962C8B-B14F-4D97-AF65-F5344CB8AC3E}">
+        <p14:creationId xmlns:p14="http://schemas.microsoft.com/office/powerpoint/2010/main" val="3766038761"/>
       </p:ext>
     </p:extLst>
   </p:cSld>
@@ -6159,6 +6282,119 @@
           <p:cNvPr id="2" name="Title 1">
             <a:extLst>
               <a:ext uri="{FF2B5EF4-FFF2-40B4-BE49-F238E27FC236}">
+                <a16:creationId xmlns:a16="http://schemas.microsoft.com/office/drawing/2014/main" id="{B6F00E23-A51C-9B25-B65E-5FF6E46E2DAA}"/>
+              </a:ext>
+            </a:extLst>
+          </p:cNvPr>
+          <p:cNvSpPr>
+            <a:spLocks noGrp="1"/>
+          </p:cNvSpPr>
+          <p:nvPr>
+            <p:ph type="title"/>
+          </p:nvPr>
+        </p:nvSpPr>
+        <p:spPr/>
+        <p:txBody>
+          <a:bodyPr/>
+          <a:lstStyle/>
+          <a:p>
+            <a:r>
+              <a:rPr lang="en-GB" dirty="0"/>
+              <a:t>Goals of the project</a:t>
+            </a:r>
+            <a:endParaRPr lang="en-FI" dirty="0"/>
+          </a:p>
+        </p:txBody>
+      </p:sp>
+      <p:sp>
+        <p:nvSpPr>
+          <p:cNvPr id="3" name="Content Placeholder 2">
+            <a:extLst>
+              <a:ext uri="{FF2B5EF4-FFF2-40B4-BE49-F238E27FC236}">
+                <a16:creationId xmlns:a16="http://schemas.microsoft.com/office/drawing/2014/main" id="{B9C3E433-A154-5175-1985-0F2E86ABA3CD}"/>
+              </a:ext>
+            </a:extLst>
+          </p:cNvPr>
+          <p:cNvSpPr>
+            <a:spLocks noGrp="1"/>
+          </p:cNvSpPr>
+          <p:nvPr>
+            <p:ph idx="1"/>
+          </p:nvPr>
+        </p:nvSpPr>
+        <p:spPr>
+          <a:xfrm>
+            <a:off x="913795" y="1929094"/>
+            <a:ext cx="10353762" cy="4058751"/>
+          </a:xfrm>
+        </p:spPr>
+        <p:txBody>
+          <a:bodyPr>
+            <a:normAutofit/>
+          </a:bodyPr>
+          <a:lstStyle/>
+          <a:p>
+            <a:r>
+              <a:rPr lang="en-GB" sz="3200" dirty="0"/>
+              <a:t>Study how the environment a sound is played in affects it</a:t>
+            </a:r>
+          </a:p>
+          <a:p>
+            <a:r>
+              <a:rPr lang="en-GB" sz="3200" dirty="0"/>
+              <a:t>Objective test: Perceptual Loss Function</a:t>
+            </a:r>
+          </a:p>
+          <a:p>
+            <a:r>
+              <a:rPr lang="en-GB" sz="3200" dirty="0"/>
+              <a:t>Subjective test: MUSHRA test</a:t>
+            </a:r>
+          </a:p>
+          <a:p>
+            <a:r>
+              <a:rPr lang="en-GB" sz="3200" dirty="0"/>
+              <a:t>Compare results of objective and subjective tests</a:t>
+            </a:r>
+            <a:endParaRPr lang="en-FI" sz="3200" dirty="0"/>
+          </a:p>
+        </p:txBody>
+      </p:sp>
+    </p:spTree>
+    <p:extLst>
+      <p:ext uri="{BB962C8B-B14F-4D97-AF65-F5344CB8AC3E}">
+        <p14:creationId xmlns:p14="http://schemas.microsoft.com/office/powerpoint/2010/main" val="2137958757"/>
+      </p:ext>
+    </p:extLst>
+  </p:cSld>
+  <p:clrMapOvr>
+    <a:masterClrMapping/>
+  </p:clrMapOvr>
+</p:sld>
+</file>
+
+<file path=ppt/slides/slide3.xml><?xml version="1.0" encoding="utf-8"?>
+<p:sld xmlns:a="http://schemas.openxmlformats.org/drawingml/2006/main" xmlns:r="http://schemas.openxmlformats.org/officeDocument/2006/relationships" xmlns:p="http://schemas.openxmlformats.org/presentationml/2006/main">
+  <p:cSld>
+    <p:spTree>
+      <p:nvGrpSpPr>
+        <p:cNvPr id="1" name=""/>
+        <p:cNvGrpSpPr/>
+        <p:nvPr/>
+      </p:nvGrpSpPr>
+      <p:grpSpPr>
+        <a:xfrm>
+          <a:off x="0" y="0"/>
+          <a:ext cx="0" cy="0"/>
+          <a:chOff x="0" y="0"/>
+          <a:chExt cx="0" cy="0"/>
+        </a:xfrm>
+      </p:grpSpPr>
+      <p:sp>
+        <p:nvSpPr>
+          <p:cNvPr id="2" name="Title 1">
+            <a:extLst>
+              <a:ext uri="{FF2B5EF4-FFF2-40B4-BE49-F238E27FC236}">
                 <a16:creationId xmlns:a16="http://schemas.microsoft.com/office/drawing/2014/main" id="{E037F653-F9C2-B65E-1EAC-BCE0EA045C8C}"/>
               </a:ext>
             </a:extLst>
@@ -6201,7 +6437,7 @@
         </p:nvSpPr>
         <p:spPr>
           <a:xfrm>
-            <a:off x="913795" y="2189649"/>
+            <a:off x="1592221" y="2196537"/>
             <a:ext cx="5693077" cy="4058751"/>
           </a:xfrm>
         </p:spPr>
@@ -6258,7 +6494,7 @@
         </p:nvSpPr>
         <p:spPr>
           <a:xfrm>
-            <a:off x="6498923" y="2189649"/>
+            <a:off x="6990330" y="2196537"/>
             <a:ext cx="5693077" cy="4058751"/>
           </a:xfrm>
           <a:prstGeom prst="rect">
@@ -6653,7 +6889,7 @@
 </p:sld>
 </file>
 
-<file path=ppt/slides/slide3.xml><?xml version="1.0" encoding="utf-8"?>
+<file path=ppt/slides/slide4.xml><?xml version="1.0" encoding="utf-8"?>
 <p:sld xmlns:a="http://schemas.openxmlformats.org/drawingml/2006/main" xmlns:r="http://schemas.openxmlformats.org/officeDocument/2006/relationships" xmlns:p="http://schemas.openxmlformats.org/presentationml/2006/main">
   <p:cSld>
     <p:spTree>
@@ -6693,7 +6929,7 @@
           <a:p>
             <a:r>
               <a:rPr lang="en-GB" dirty="0"/>
-              <a:t>Objective measures</a:t>
+              <a:t>Perceptual Loss test</a:t>
             </a:r>
             <a:endParaRPr lang="en-FI" dirty="0"/>
           </a:p>
@@ -6728,16 +6964,6 @@
           <a:lstStyle/>
           <a:p>
             <a:r>
-              <a:rPr lang="en-GB" sz="3200" b="1" dirty="0"/>
-              <a:t>Perceptual Loss </a:t>
-            </a:r>
-            <a:r>
-              <a:rPr lang="en-GB" sz="3200" dirty="0"/>
-              <a:t>was used</a:t>
-            </a:r>
-          </a:p>
-          <a:p>
-            <a:r>
               <a:rPr lang="en-GB" sz="3200" dirty="0"/>
               <a:t>Compares two audio files to each other</a:t>
             </a:r>
@@ -6745,7 +6971,13 @@
           <a:p>
             <a:r>
               <a:rPr lang="en-GB" sz="3200" dirty="0"/>
-              <a:t>Output is a loss value</a:t>
+              <a:t>Output is a loss value, bigger loss = bigger difference</a:t>
+            </a:r>
+          </a:p>
+          <a:p>
+            <a:r>
+              <a:rPr lang="en-GB" sz="3200" dirty="0"/>
+              <a:t>We compared the sound in different environments to the original audio</a:t>
             </a:r>
           </a:p>
           <a:p>
@@ -6770,7 +7002,7 @@
 </p:sld>
 </file>
 
-<file path=ppt/slides/slide4.xml><?xml version="1.0" encoding="utf-8"?>
+<file path=ppt/slides/slide5.xml><?xml version="1.0" encoding="utf-8"?>
 <p:sld xmlns:a="http://schemas.openxmlformats.org/drawingml/2006/main" xmlns:r="http://schemas.openxmlformats.org/officeDocument/2006/relationships" xmlns:p="http://schemas.openxmlformats.org/presentationml/2006/main">
   <p:cSld>
     <p:spTree>
@@ -6953,121 +7185,6 @@
 </p:sld>
 </file>
 
-<file path=ppt/slides/slide5.xml><?xml version="1.0" encoding="utf-8"?>
-<p:sld xmlns:a="http://schemas.openxmlformats.org/drawingml/2006/main" xmlns:r="http://schemas.openxmlformats.org/officeDocument/2006/relationships" xmlns:p="http://schemas.openxmlformats.org/presentationml/2006/main">
-  <p:cSld>
-    <p:spTree>
-      <p:nvGrpSpPr>
-        <p:cNvPr id="1" name=""/>
-        <p:cNvGrpSpPr/>
-        <p:nvPr/>
-      </p:nvGrpSpPr>
-      <p:grpSpPr>
-        <a:xfrm>
-          <a:off x="0" y="0"/>
-          <a:ext cx="0" cy="0"/>
-          <a:chOff x="0" y="0"/>
-          <a:chExt cx="0" cy="0"/>
-        </a:xfrm>
-      </p:grpSpPr>
-      <p:sp>
-        <p:nvSpPr>
-          <p:cNvPr id="2" name="Title 1">
-            <a:extLst>
-              <a:ext uri="{FF2B5EF4-FFF2-40B4-BE49-F238E27FC236}">
-                <a16:creationId xmlns:a16="http://schemas.microsoft.com/office/drawing/2014/main" id="{9C0EED90-2C84-A5D7-29CE-517926165718}"/>
-              </a:ext>
-            </a:extLst>
-          </p:cNvPr>
-          <p:cNvSpPr>
-            <a:spLocks noGrp="1"/>
-          </p:cNvSpPr>
-          <p:nvPr>
-            <p:ph type="title"/>
-          </p:nvPr>
-        </p:nvSpPr>
-        <p:spPr/>
-        <p:txBody>
-          <a:bodyPr/>
-          <a:lstStyle/>
-          <a:p>
-            <a:r>
-              <a:rPr lang="en-GB" dirty="0"/>
-              <a:t>MUSHRA test software</a:t>
-            </a:r>
-            <a:endParaRPr lang="en-FI" dirty="0"/>
-          </a:p>
-        </p:txBody>
-      </p:sp>
-      <p:sp>
-        <p:nvSpPr>
-          <p:cNvPr id="3" name="Content Placeholder 2">
-            <a:extLst>
-              <a:ext uri="{FF2B5EF4-FFF2-40B4-BE49-F238E27FC236}">
-                <a16:creationId xmlns:a16="http://schemas.microsoft.com/office/drawing/2014/main" id="{658BF00C-40DB-E7C8-DE1C-7CF24861172A}"/>
-              </a:ext>
-            </a:extLst>
-          </p:cNvPr>
-          <p:cNvSpPr>
-            <a:spLocks noGrp="1"/>
-          </p:cNvSpPr>
-          <p:nvPr>
-            <p:ph idx="1"/>
-          </p:nvPr>
-        </p:nvSpPr>
-        <p:spPr>
-          <a:xfrm>
-            <a:off x="913795" y="1993004"/>
-            <a:ext cx="10353762" cy="4058751"/>
-          </a:xfrm>
-        </p:spPr>
-        <p:txBody>
-          <a:bodyPr/>
-          <a:lstStyle/>
-          <a:p>
-            <a:r>
-              <a:rPr lang="en-GB" sz="3200" dirty="0"/>
-              <a:t>“scale” app for </a:t>
-            </a:r>
-            <a:r>
-              <a:rPr lang="en-GB" sz="3200" dirty="0" err="1"/>
-              <a:t>Matlab</a:t>
-            </a:r>
-            <a:r>
-              <a:rPr lang="en-GB" sz="3200" dirty="0"/>
-              <a:t> was used</a:t>
-            </a:r>
-          </a:p>
-          <a:p>
-            <a:r>
-              <a:rPr lang="en-GB" sz="3200" dirty="0"/>
-              <a:t>Results are stored as tables in .mat files</a:t>
-            </a:r>
-          </a:p>
-          <a:p>
-            <a:r>
-              <a:rPr lang="en-GB" sz="3200" dirty="0"/>
-              <a:t>Figures are drawn by the application</a:t>
-            </a:r>
-          </a:p>
-          <a:p>
-            <a:endParaRPr lang="en-FI" dirty="0"/>
-          </a:p>
-        </p:txBody>
-      </p:sp>
-    </p:spTree>
-    <p:extLst>
-      <p:ext uri="{BB962C8B-B14F-4D97-AF65-F5344CB8AC3E}">
-        <p14:creationId xmlns:p14="http://schemas.microsoft.com/office/powerpoint/2010/main" val="2568352776"/>
-      </p:ext>
-    </p:extLst>
-  </p:cSld>
-  <p:clrMapOvr>
-    <a:masterClrMapping/>
-  </p:clrMapOvr>
-</p:sld>
-</file>
-
 <file path=ppt/slides/slide6.xml><?xml version="1.0" encoding="utf-8"?>
 <p:sld xmlns:a="http://schemas.openxmlformats.org/drawingml/2006/main" xmlns:r="http://schemas.openxmlformats.org/officeDocument/2006/relationships" xmlns:p="http://schemas.openxmlformats.org/presentationml/2006/main">
   <p:cSld>
@@ -7203,7 +7320,7 @@
           <p:cNvPr id="2" name="Title 1">
             <a:extLst>
               <a:ext uri="{FF2B5EF4-FFF2-40B4-BE49-F238E27FC236}">
-                <a16:creationId xmlns:a16="http://schemas.microsoft.com/office/drawing/2014/main" id="{0F04B79A-765B-8918-BAE2-B12BAD83DAE4}"/>
+                <a16:creationId xmlns:a16="http://schemas.microsoft.com/office/drawing/2014/main" id="{9C0EED90-2C84-A5D7-29CE-517926165718}"/>
               </a:ext>
             </a:extLst>
           </p:cNvPr>
@@ -7214,171 +7331,79 @@
             <p:ph type="title"/>
           </p:nvPr>
         </p:nvSpPr>
-        <p:spPr>
-          <a:xfrm>
-            <a:off x="2353955" y="-247290"/>
-            <a:ext cx="7252160" cy="1600200"/>
-          </a:xfrm>
-        </p:spPr>
-        <p:txBody>
-          <a:bodyPr>
-            <a:normAutofit/>
-          </a:bodyPr>
-          <a:lstStyle/>
-          <a:p>
-            <a:r>
-              <a:rPr lang="en-GB" sz="4000" dirty="0"/>
-              <a:t>MUSHRA test results</a:t>
-            </a:r>
-            <a:endParaRPr lang="en-FI" sz="4000" dirty="0"/>
-          </a:p>
-        </p:txBody>
-      </p:sp>
-      <p:pic>
-        <p:nvPicPr>
-          <p:cNvPr id="6" name="Content Placeholder 5" descr="A graph with lines and dots&#10;&#10;Description automatically generated with medium confidence">
+        <p:spPr/>
+        <p:txBody>
+          <a:bodyPr/>
+          <a:lstStyle/>
+          <a:p>
+            <a:r>
+              <a:rPr lang="en-GB" dirty="0"/>
+              <a:t>MUSHRA test software</a:t>
+            </a:r>
+            <a:endParaRPr lang="en-FI" dirty="0"/>
+          </a:p>
+        </p:txBody>
+      </p:sp>
+      <p:sp>
+        <p:nvSpPr>
+          <p:cNvPr id="3" name="Content Placeholder 2">
             <a:extLst>
               <a:ext uri="{FF2B5EF4-FFF2-40B4-BE49-F238E27FC236}">
-                <a16:creationId xmlns:a16="http://schemas.microsoft.com/office/drawing/2014/main" id="{4863518A-745C-03AA-712F-D75458912876}"/>
+                <a16:creationId xmlns:a16="http://schemas.microsoft.com/office/drawing/2014/main" id="{658BF00C-40DB-E7C8-DE1C-7CF24861172A}"/>
               </a:ext>
             </a:extLst>
           </p:cNvPr>
-          <p:cNvPicPr>
-            <a:picLocks noGrp="1" noChangeAspect="1"/>
-          </p:cNvPicPr>
+          <p:cNvSpPr>
+            <a:spLocks noGrp="1"/>
+          </p:cNvSpPr>
           <p:nvPr>
             <p:ph idx="1"/>
           </p:nvPr>
-        </p:nvPicPr>
-        <p:blipFill>
-          <a:blip r:embed="rId2">
-            <a:extLst>
-              <a:ext uri="{28A0092B-C50C-407E-A947-70E740481C1C}">
-                <a14:useLocalDpi xmlns:a14="http://schemas.microsoft.com/office/drawing/2010/main" val="0"/>
-              </a:ext>
-            </a:extLst>
-          </a:blip>
-          <a:stretch>
-            <a:fillRect/>
-          </a:stretch>
-        </p:blipFill>
+        </p:nvSpPr>
         <p:spPr>
           <a:xfrm>
-            <a:off x="4453339" y="1937930"/>
-            <a:ext cx="7590226" cy="4059748"/>
+            <a:off x="913795" y="1993004"/>
+            <a:ext cx="10353762" cy="4058751"/>
           </a:xfrm>
         </p:spPr>
-      </p:pic>
-      <p:sp>
-        <p:nvSpPr>
-          <p:cNvPr id="4" name="Text Placeholder 3">
-            <a:extLst>
-              <a:ext uri="{FF2B5EF4-FFF2-40B4-BE49-F238E27FC236}">
-                <a16:creationId xmlns:a16="http://schemas.microsoft.com/office/drawing/2014/main" id="{F072F5AD-D986-C906-86AA-3BCC5C1BB0AD}"/>
-              </a:ext>
-            </a:extLst>
-          </p:cNvPr>
-          <p:cNvSpPr>
-            <a:spLocks noGrp="1"/>
-          </p:cNvSpPr>
-          <p:nvPr>
-            <p:ph type="body" sz="half" idx="2"/>
-          </p:nvPr>
-        </p:nvSpPr>
-        <p:spPr>
-          <a:xfrm>
-            <a:off x="362923" y="1810109"/>
-            <a:ext cx="3982064" cy="4492368"/>
-          </a:xfrm>
-        </p:spPr>
-        <p:txBody>
-          <a:bodyPr>
-            <a:normAutofit lnSpcReduction="10000"/>
-          </a:bodyPr>
-          <a:lstStyle/>
-          <a:p>
-            <a:pPr algn="l">
-              <a:buFont typeface="Arial" panose="020B0604020202020204" pitchFamily="34" charset="0"/>
-              <a:buChar char="•"/>
-            </a:pPr>
-            <a:r>
-              <a:rPr lang="en-GB" sz="2400" dirty="0"/>
-              <a:t> drum: red</a:t>
-            </a:r>
-          </a:p>
-          <a:p>
-            <a:pPr algn="l">
-              <a:buFont typeface="Arial" panose="020B0604020202020204" pitchFamily="34" charset="0"/>
-              <a:buChar char="•"/>
-            </a:pPr>
-            <a:r>
-              <a:rPr lang="en-GB" sz="2400" dirty="0"/>
-              <a:t> instrumental mix: brown</a:t>
-            </a:r>
-          </a:p>
-          <a:p>
-            <a:pPr algn="l">
-              <a:buFont typeface="Arial" panose="020B0604020202020204" pitchFamily="34" charset="0"/>
-              <a:buChar char="•"/>
-            </a:pPr>
-            <a:r>
-              <a:rPr lang="en-GB" sz="2400" dirty="0"/>
-              <a:t> piano: light green</a:t>
-            </a:r>
-          </a:p>
-          <a:p>
-            <a:pPr algn="l">
-              <a:buFont typeface="Arial" panose="020B0604020202020204" pitchFamily="34" charset="0"/>
-              <a:buChar char="•"/>
-            </a:pPr>
-            <a:r>
-              <a:rPr lang="en-GB" sz="2400" dirty="0"/>
-              <a:t> speech: dark green</a:t>
-            </a:r>
-          </a:p>
-          <a:p>
-            <a:pPr algn="l">
-              <a:buFont typeface="Arial" panose="020B0604020202020204" pitchFamily="34" charset="0"/>
-              <a:buChar char="•"/>
-            </a:pPr>
-            <a:r>
-              <a:rPr lang="en-GB" sz="2400" dirty="0"/>
-              <a:t> trumpet: blue</a:t>
-            </a:r>
-          </a:p>
-          <a:p>
-            <a:pPr algn="l">
-              <a:buFont typeface="Arial" panose="020B0604020202020204" pitchFamily="34" charset="0"/>
-              <a:buChar char="•"/>
-            </a:pPr>
-            <a:endParaRPr lang="en-GB" sz="2000" dirty="0"/>
-          </a:p>
-          <a:p>
-            <a:pPr algn="l">
-              <a:buFont typeface="Arial" panose="020B0604020202020204" pitchFamily="34" charset="0"/>
-              <a:buChar char="•"/>
-            </a:pPr>
-            <a:r>
-              <a:rPr lang="en-GB" sz="2400" dirty="0"/>
-              <a:t> 100 means most similar to original</a:t>
-            </a:r>
-          </a:p>
-          <a:p>
-            <a:pPr algn="l">
-              <a:buFont typeface="Arial" panose="020B0604020202020204" pitchFamily="34" charset="0"/>
-              <a:buChar char="•"/>
-            </a:pPr>
-            <a:r>
-              <a:rPr lang="en-GB" sz="2400" dirty="0"/>
-              <a:t> 0 means least similar to original</a:t>
-            </a:r>
+        <p:txBody>
+          <a:bodyPr/>
+          <a:lstStyle/>
+          <a:p>
+            <a:r>
+              <a:rPr lang="en-GB" sz="3200" dirty="0"/>
+              <a:t>“scale” app for </a:t>
+            </a:r>
+            <a:r>
+              <a:rPr lang="en-GB" sz="3200" dirty="0" err="1"/>
+              <a:t>Matlab</a:t>
+            </a:r>
+            <a:r>
+              <a:rPr lang="en-GB" sz="3200" dirty="0"/>
+              <a:t> was used</a:t>
+            </a:r>
+          </a:p>
+          <a:p>
+            <a:r>
+              <a:rPr lang="en-GB" sz="3200" dirty="0"/>
+              <a:t>Results are stored as tables in .mat files</a:t>
+            </a:r>
+          </a:p>
+          <a:p>
+            <a:r>
+              <a:rPr lang="en-GB" sz="3200" dirty="0"/>
+              <a:t>Figures are drawn by the application</a:t>
+            </a:r>
+          </a:p>
+          <a:p>
+            <a:endParaRPr lang="en-FI" dirty="0"/>
           </a:p>
         </p:txBody>
       </p:sp>
     </p:spTree>
     <p:extLst>
       <p:ext uri="{BB962C8B-B14F-4D97-AF65-F5344CB8AC3E}">
-        <p14:creationId xmlns:p14="http://schemas.microsoft.com/office/powerpoint/2010/main" val="725404400"/>
+        <p14:creationId xmlns:p14="http://schemas.microsoft.com/office/powerpoint/2010/main" val="2568352776"/>
       </p:ext>
     </p:extLst>
   </p:cSld>
@@ -7410,7 +7435,7 @@
           <p:cNvPr id="2" name="Title 1">
             <a:extLst>
               <a:ext uri="{FF2B5EF4-FFF2-40B4-BE49-F238E27FC236}">
-                <a16:creationId xmlns:a16="http://schemas.microsoft.com/office/drawing/2014/main" id="{FB90767D-D7AA-C232-BAAA-58E3729A36F6}"/>
+                <a16:creationId xmlns:a16="http://schemas.microsoft.com/office/drawing/2014/main" id="{0F04B79A-765B-8918-BAE2-B12BAD83DAE4}"/>
               </a:ext>
             </a:extLst>
           </p:cNvPr>
@@ -7421,14 +7446,226 @@
             <p:ph type="title"/>
           </p:nvPr>
         </p:nvSpPr>
-        <p:spPr/>
+        <p:spPr>
+          <a:xfrm>
+            <a:off x="2353955" y="-247290"/>
+            <a:ext cx="7252160" cy="1600200"/>
+          </a:xfrm>
+        </p:spPr>
+        <p:txBody>
+          <a:bodyPr>
+            <a:normAutofit/>
+          </a:bodyPr>
+          <a:lstStyle/>
+          <a:p>
+            <a:r>
+              <a:rPr lang="en-GB" sz="4000" dirty="0"/>
+              <a:t>MUSHRA test results</a:t>
+            </a:r>
+            <a:endParaRPr lang="en-FI" sz="4000" dirty="0"/>
+          </a:p>
+        </p:txBody>
+      </p:sp>
+      <p:pic>
+        <p:nvPicPr>
+          <p:cNvPr id="6" name="Content Placeholder 5" descr="A graph with lines and dots&#10;&#10;Description automatically generated with medium confidence">
+            <a:extLst>
+              <a:ext uri="{FF2B5EF4-FFF2-40B4-BE49-F238E27FC236}">
+                <a16:creationId xmlns:a16="http://schemas.microsoft.com/office/drawing/2014/main" id="{4863518A-745C-03AA-712F-D75458912876}"/>
+              </a:ext>
+            </a:extLst>
+          </p:cNvPr>
+          <p:cNvPicPr>
+            <a:picLocks noGrp="1" noChangeAspect="1"/>
+          </p:cNvPicPr>
+          <p:nvPr>
+            <p:ph idx="1"/>
+          </p:nvPr>
+        </p:nvPicPr>
+        <p:blipFill>
+          <a:blip r:embed="rId2">
+            <a:extLst>
+              <a:ext uri="{28A0092B-C50C-407E-A947-70E740481C1C}">
+                <a14:useLocalDpi xmlns:a14="http://schemas.microsoft.com/office/drawing/2010/main" val="0"/>
+              </a:ext>
+            </a:extLst>
+          </a:blip>
+          <a:stretch>
+            <a:fillRect/>
+          </a:stretch>
+        </p:blipFill>
+        <p:spPr>
+          <a:xfrm>
+            <a:off x="4453339" y="1937930"/>
+            <a:ext cx="7590226" cy="4059748"/>
+          </a:xfrm>
+        </p:spPr>
+      </p:pic>
+      <p:sp>
+        <p:nvSpPr>
+          <p:cNvPr id="4" name="Text Placeholder 3">
+            <a:extLst>
+              <a:ext uri="{FF2B5EF4-FFF2-40B4-BE49-F238E27FC236}">
+                <a16:creationId xmlns:a16="http://schemas.microsoft.com/office/drawing/2014/main" id="{F072F5AD-D986-C906-86AA-3BCC5C1BB0AD}"/>
+              </a:ext>
+            </a:extLst>
+          </p:cNvPr>
+          <p:cNvSpPr>
+            <a:spLocks noGrp="1"/>
+          </p:cNvSpPr>
+          <p:nvPr>
+            <p:ph type="body" sz="half" idx="2"/>
+          </p:nvPr>
+        </p:nvSpPr>
+        <p:spPr>
+          <a:xfrm>
+            <a:off x="362923" y="1810109"/>
+            <a:ext cx="3982064" cy="4492368"/>
+          </a:xfrm>
+        </p:spPr>
+        <p:txBody>
+          <a:bodyPr>
+            <a:normAutofit lnSpcReduction="10000"/>
+          </a:bodyPr>
+          <a:lstStyle/>
+          <a:p>
+            <a:pPr algn="l">
+              <a:buFont typeface="Arial" panose="020B0604020202020204" pitchFamily="34" charset="0"/>
+              <a:buChar char="•"/>
+            </a:pPr>
+            <a:r>
+              <a:rPr lang="en-GB" sz="2400" dirty="0"/>
+              <a:t> drum: red</a:t>
+            </a:r>
+          </a:p>
+          <a:p>
+            <a:pPr algn="l">
+              <a:buFont typeface="Arial" panose="020B0604020202020204" pitchFamily="34" charset="0"/>
+              <a:buChar char="•"/>
+            </a:pPr>
+            <a:r>
+              <a:rPr lang="en-GB" sz="2400" dirty="0"/>
+              <a:t> instrumental mix: brown</a:t>
+            </a:r>
+          </a:p>
+          <a:p>
+            <a:pPr algn="l">
+              <a:buFont typeface="Arial" panose="020B0604020202020204" pitchFamily="34" charset="0"/>
+              <a:buChar char="•"/>
+            </a:pPr>
+            <a:r>
+              <a:rPr lang="en-GB" sz="2400" dirty="0"/>
+              <a:t> piano: light green</a:t>
+            </a:r>
+          </a:p>
+          <a:p>
+            <a:pPr algn="l">
+              <a:buFont typeface="Arial" panose="020B0604020202020204" pitchFamily="34" charset="0"/>
+              <a:buChar char="•"/>
+            </a:pPr>
+            <a:r>
+              <a:rPr lang="en-GB" sz="2400" dirty="0"/>
+              <a:t> speech: dark green</a:t>
+            </a:r>
+          </a:p>
+          <a:p>
+            <a:pPr algn="l">
+              <a:buFont typeface="Arial" panose="020B0604020202020204" pitchFamily="34" charset="0"/>
+              <a:buChar char="•"/>
+            </a:pPr>
+            <a:r>
+              <a:rPr lang="en-GB" sz="2400" dirty="0"/>
+              <a:t> trumpet: blue</a:t>
+            </a:r>
+          </a:p>
+          <a:p>
+            <a:pPr algn="l">
+              <a:buFont typeface="Arial" panose="020B0604020202020204" pitchFamily="34" charset="0"/>
+              <a:buChar char="•"/>
+            </a:pPr>
+            <a:endParaRPr lang="en-GB" sz="2000" dirty="0"/>
+          </a:p>
+          <a:p>
+            <a:pPr algn="l">
+              <a:buFont typeface="Arial" panose="020B0604020202020204" pitchFamily="34" charset="0"/>
+              <a:buChar char="•"/>
+            </a:pPr>
+            <a:r>
+              <a:rPr lang="en-GB" sz="2400" dirty="0"/>
+              <a:t> 100 means most similar to original</a:t>
+            </a:r>
+          </a:p>
+          <a:p>
+            <a:pPr algn="l">
+              <a:buFont typeface="Arial" panose="020B0604020202020204" pitchFamily="34" charset="0"/>
+              <a:buChar char="•"/>
+            </a:pPr>
+            <a:r>
+              <a:rPr lang="en-GB" sz="2400" dirty="0"/>
+              <a:t> 0 means least similar to original</a:t>
+            </a:r>
+          </a:p>
+        </p:txBody>
+      </p:sp>
+    </p:spTree>
+    <p:extLst>
+      <p:ext uri="{BB962C8B-B14F-4D97-AF65-F5344CB8AC3E}">
+        <p14:creationId xmlns:p14="http://schemas.microsoft.com/office/powerpoint/2010/main" val="725404400"/>
+      </p:ext>
+    </p:extLst>
+  </p:cSld>
+  <p:clrMapOvr>
+    <a:masterClrMapping/>
+  </p:clrMapOvr>
+</p:sld>
+</file>
+
+<file path=ppt/slides/slide9.xml><?xml version="1.0" encoding="utf-8"?>
+<p:sld xmlns:a="http://schemas.openxmlformats.org/drawingml/2006/main" xmlns:r="http://schemas.openxmlformats.org/officeDocument/2006/relationships" xmlns:p="http://schemas.openxmlformats.org/presentationml/2006/main">
+  <p:cSld>
+    <p:spTree>
+      <p:nvGrpSpPr>
+        <p:cNvPr id="1" name=""/>
+        <p:cNvGrpSpPr/>
+        <p:nvPr/>
+      </p:nvGrpSpPr>
+      <p:grpSpPr>
+        <a:xfrm>
+          <a:off x="0" y="0"/>
+          <a:ext cx="0" cy="0"/>
+          <a:chOff x="0" y="0"/>
+          <a:chExt cx="0" cy="0"/>
+        </a:xfrm>
+      </p:grpSpPr>
+      <p:sp>
+        <p:nvSpPr>
+          <p:cNvPr id="2" name="Title 1">
+            <a:extLst>
+              <a:ext uri="{FF2B5EF4-FFF2-40B4-BE49-F238E27FC236}">
+                <a16:creationId xmlns:a16="http://schemas.microsoft.com/office/drawing/2014/main" id="{F84E07B8-5AEC-8B2F-7C62-86E95E9E064B}"/>
+              </a:ext>
+            </a:extLst>
+          </p:cNvPr>
+          <p:cNvSpPr>
+            <a:spLocks noGrp="1"/>
+          </p:cNvSpPr>
+          <p:nvPr>
+            <p:ph type="title"/>
+          </p:nvPr>
+        </p:nvSpPr>
+        <p:spPr>
+          <a:xfrm>
+            <a:off x="924443" y="415898"/>
+            <a:ext cx="10353762" cy="970450"/>
+          </a:xfrm>
+        </p:spPr>
         <p:txBody>
           <a:bodyPr/>
           <a:lstStyle/>
           <a:p>
             <a:r>
               <a:rPr lang="en-GB" dirty="0"/>
-              <a:t>Conclusion</a:t>
+              <a:t>ANOVA results</a:t>
             </a:r>
             <a:endParaRPr lang="en-FI" dirty="0"/>
           </a:p>
@@ -7439,7 +7676,7 @@
           <p:cNvPr id="3" name="Content Placeholder 2">
             <a:extLst>
               <a:ext uri="{FF2B5EF4-FFF2-40B4-BE49-F238E27FC236}">
-                <a16:creationId xmlns:a16="http://schemas.microsoft.com/office/drawing/2014/main" id="{9C05587B-089A-FA17-708E-B876B3A8EF48}"/>
+                <a16:creationId xmlns:a16="http://schemas.microsoft.com/office/drawing/2014/main" id="{86E1B148-13E6-E739-C061-F137CC0ECC88}"/>
               </a:ext>
             </a:extLst>
           </p:cNvPr>
@@ -7452,8 +7689,8 @@
         </p:nvSpPr>
         <p:spPr>
           <a:xfrm>
-            <a:off x="913795" y="1750141"/>
-            <a:ext cx="10353762" cy="4719483"/>
+            <a:off x="1130710" y="1956616"/>
+            <a:ext cx="2381465" cy="1939414"/>
           </a:xfrm>
         </p:spPr>
         <p:txBody>
@@ -7462,57 +7699,444 @@
           </a:bodyPr>
           <a:lstStyle/>
           <a:p>
+            <a:pPr marL="36900" indent="0">
+              <a:buNone/>
+            </a:pPr>
+            <a:r>
+              <a:rPr lang="el-GR" sz="3200" dirty="0"/>
+              <a:t>α=0.05</a:t>
+            </a:r>
+            <a:endParaRPr lang="en-GB" sz="3200" dirty="0"/>
+          </a:p>
+        </p:txBody>
+      </p:sp>
+      <p:sp>
+        <p:nvSpPr>
+          <p:cNvPr id="4" name="Content Placeholder 2">
+            <a:extLst>
+              <a:ext uri="{FF2B5EF4-FFF2-40B4-BE49-F238E27FC236}">
+                <a16:creationId xmlns:a16="http://schemas.microsoft.com/office/drawing/2014/main" id="{9E139920-5816-9995-6D81-299A33046C70}"/>
+              </a:ext>
+            </a:extLst>
+          </p:cNvPr>
+          <p:cNvSpPr txBox="1">
+            <a:spLocks/>
+          </p:cNvSpPr>
+          <p:nvPr/>
+        </p:nvSpPr>
+        <p:spPr>
+          <a:xfrm>
+            <a:off x="4037002" y="1956616"/>
+            <a:ext cx="7319256" cy="4670325"/>
+          </a:xfrm>
+          <a:prstGeom prst="rect">
+            <a:avLst/>
+          </a:prstGeom>
+          <a:effectLst>
+            <a:outerShdw blurRad="25400" dir="17880000">
+              <a:srgbClr val="000000">
+                <a:alpha val="46000"/>
+              </a:srgbClr>
+            </a:outerShdw>
+          </a:effectLst>
+        </p:spPr>
+        <p:txBody>
+          <a:bodyPr vert="horz" lIns="91440" tIns="45720" rIns="91440" bIns="45720" rtlCol="0" anchor="t">
+            <a:normAutofit/>
+          </a:bodyPr>
+          <a:lstStyle>
+            <a:lvl1pPr marL="342900" indent="-306000" algn="l" defTabSz="457200" rtl="0" eaLnBrk="1" latinLnBrk="0" hangingPunct="1">
+              <a:spcBef>
+                <a:spcPct val="20000"/>
+              </a:spcBef>
+              <a:spcAft>
+                <a:spcPts val="600"/>
+              </a:spcAft>
+              <a:buClr>
+                <a:schemeClr val="tx2"/>
+              </a:buClr>
+              <a:buSzPct val="70000"/>
+              <a:buFont typeface="Wingdings 2" charset="2"/>
+              <a:buChar char=""/>
+              <a:defRPr sz="2000" kern="1200">
+                <a:ln>
+                  <a:solidFill>
+                    <a:schemeClr val="bg1">
+                      <a:lumMod val="75000"/>
+                      <a:lumOff val="25000"/>
+                      <a:alpha val="10000"/>
+                    </a:schemeClr>
+                  </a:solidFill>
+                </a:ln>
+                <a:solidFill>
+                  <a:schemeClr val="tx2"/>
+                </a:solidFill>
+                <a:effectLst>
+                  <a:outerShdw blurRad="9525" dist="25400" dir="14640000" algn="tl" rotWithShape="0">
+                    <a:schemeClr val="bg1">
+                      <a:alpha val="30000"/>
+                    </a:schemeClr>
+                  </a:outerShdw>
+                </a:effectLst>
+                <a:latin typeface="+mn-lt"/>
+                <a:ea typeface="+mn-ea"/>
+                <a:cs typeface="+mn-cs"/>
+              </a:defRPr>
+            </a:lvl1pPr>
+            <a:lvl2pPr marL="720000" indent="-270000" algn="l" defTabSz="457200" rtl="0" eaLnBrk="1" latinLnBrk="0" hangingPunct="1">
+              <a:spcBef>
+                <a:spcPct val="20000"/>
+              </a:spcBef>
+              <a:spcAft>
+                <a:spcPts val="600"/>
+              </a:spcAft>
+              <a:buClr>
+                <a:schemeClr val="tx2"/>
+              </a:buClr>
+              <a:buSzPct val="70000"/>
+              <a:buFont typeface="Wingdings 2" charset="2"/>
+              <a:buChar char=""/>
+              <a:defRPr sz="1800" kern="1200">
+                <a:ln>
+                  <a:solidFill>
+                    <a:schemeClr val="bg1">
+                      <a:lumMod val="75000"/>
+                      <a:lumOff val="25000"/>
+                      <a:alpha val="10000"/>
+                    </a:schemeClr>
+                  </a:solidFill>
+                </a:ln>
+                <a:solidFill>
+                  <a:schemeClr val="tx2"/>
+                </a:solidFill>
+                <a:effectLst>
+                  <a:outerShdw blurRad="9525" dist="25400" dir="14640000" algn="tl" rotWithShape="0">
+                    <a:schemeClr val="bg1">
+                      <a:alpha val="30000"/>
+                    </a:schemeClr>
+                  </a:outerShdw>
+                </a:effectLst>
+                <a:latin typeface="+mn-lt"/>
+                <a:ea typeface="+mn-ea"/>
+                <a:cs typeface="+mn-cs"/>
+              </a:defRPr>
+            </a:lvl2pPr>
+            <a:lvl3pPr marL="1026000" indent="-216000" algn="l" defTabSz="457200" rtl="0" eaLnBrk="1" latinLnBrk="0" hangingPunct="1">
+              <a:spcBef>
+                <a:spcPct val="20000"/>
+              </a:spcBef>
+              <a:spcAft>
+                <a:spcPts val="600"/>
+              </a:spcAft>
+              <a:buClr>
+                <a:schemeClr val="tx2"/>
+              </a:buClr>
+              <a:buSzPct val="70000"/>
+              <a:buFont typeface="Wingdings 2" charset="2"/>
+              <a:buChar char=""/>
+              <a:defRPr sz="1600" kern="1200">
+                <a:ln>
+                  <a:solidFill>
+                    <a:schemeClr val="bg1">
+                      <a:lumMod val="75000"/>
+                      <a:lumOff val="25000"/>
+                      <a:alpha val="10000"/>
+                    </a:schemeClr>
+                  </a:solidFill>
+                </a:ln>
+                <a:solidFill>
+                  <a:schemeClr val="tx2"/>
+                </a:solidFill>
+                <a:effectLst>
+                  <a:outerShdw blurRad="9525" dist="25400" dir="14640000" algn="tl" rotWithShape="0">
+                    <a:schemeClr val="bg1">
+                      <a:alpha val="30000"/>
+                    </a:schemeClr>
+                  </a:outerShdw>
+                </a:effectLst>
+                <a:latin typeface="+mn-lt"/>
+                <a:ea typeface="+mn-ea"/>
+                <a:cs typeface="+mn-cs"/>
+              </a:defRPr>
+            </a:lvl3pPr>
+            <a:lvl4pPr marL="1386000" indent="-216000" algn="l" defTabSz="457200" rtl="0" eaLnBrk="1" latinLnBrk="0" hangingPunct="1">
+              <a:spcBef>
+                <a:spcPct val="20000"/>
+              </a:spcBef>
+              <a:spcAft>
+                <a:spcPts val="600"/>
+              </a:spcAft>
+              <a:buClr>
+                <a:schemeClr val="tx2"/>
+              </a:buClr>
+              <a:buSzPct val="70000"/>
+              <a:buFont typeface="Wingdings 2" charset="2"/>
+              <a:buChar char=""/>
+              <a:defRPr sz="1400" kern="1200">
+                <a:ln>
+                  <a:solidFill>
+                    <a:schemeClr val="bg1">
+                      <a:lumMod val="75000"/>
+                      <a:lumOff val="25000"/>
+                      <a:alpha val="10000"/>
+                    </a:schemeClr>
+                  </a:solidFill>
+                </a:ln>
+                <a:solidFill>
+                  <a:schemeClr val="tx2"/>
+                </a:solidFill>
+                <a:effectLst>
+                  <a:outerShdw blurRad="9525" dist="25400" dir="14640000" algn="tl" rotWithShape="0">
+                    <a:schemeClr val="bg1">
+                      <a:alpha val="30000"/>
+                    </a:schemeClr>
+                  </a:outerShdw>
+                </a:effectLst>
+                <a:latin typeface="+mn-lt"/>
+                <a:ea typeface="+mn-ea"/>
+                <a:cs typeface="+mn-cs"/>
+              </a:defRPr>
+            </a:lvl4pPr>
+            <a:lvl5pPr marL="1674000" indent="-216000" algn="l" defTabSz="457200" rtl="0" eaLnBrk="1" latinLnBrk="0" hangingPunct="1">
+              <a:spcBef>
+                <a:spcPct val="20000"/>
+              </a:spcBef>
+              <a:spcAft>
+                <a:spcPts val="600"/>
+              </a:spcAft>
+              <a:buClr>
+                <a:schemeClr val="tx2"/>
+              </a:buClr>
+              <a:buSzPct val="70000"/>
+              <a:buFont typeface="Wingdings 2" charset="2"/>
+              <a:buChar char=""/>
+              <a:defRPr sz="1400" kern="1200">
+                <a:ln>
+                  <a:solidFill>
+                    <a:schemeClr val="bg1">
+                      <a:lumMod val="75000"/>
+                      <a:lumOff val="25000"/>
+                      <a:alpha val="10000"/>
+                    </a:schemeClr>
+                  </a:solidFill>
+                </a:ln>
+                <a:solidFill>
+                  <a:schemeClr val="tx2"/>
+                </a:solidFill>
+                <a:effectLst>
+                  <a:outerShdw blurRad="9525" dist="25400" dir="14640000" algn="tl" rotWithShape="0">
+                    <a:schemeClr val="bg1">
+                      <a:alpha val="30000"/>
+                    </a:schemeClr>
+                  </a:outerShdw>
+                </a:effectLst>
+                <a:latin typeface="+mn-lt"/>
+                <a:ea typeface="+mn-ea"/>
+                <a:cs typeface="+mn-cs"/>
+              </a:defRPr>
+            </a:lvl5pPr>
+            <a:lvl6pPr marL="2014600" indent="-228600" algn="l" defTabSz="457200" rtl="0" eaLnBrk="1" latinLnBrk="0" hangingPunct="1">
+              <a:spcBef>
+                <a:spcPct val="20000"/>
+              </a:spcBef>
+              <a:spcAft>
+                <a:spcPts val="600"/>
+              </a:spcAft>
+              <a:buClr>
+                <a:schemeClr val="tx2"/>
+              </a:buClr>
+              <a:buSzPct val="70000"/>
+              <a:buFont typeface="Wingdings 2" charset="2"/>
+              <a:buChar char=""/>
+              <a:defRPr sz="1400" kern="1200">
+                <a:ln>
+                  <a:solidFill>
+                    <a:schemeClr val="bg1">
+                      <a:lumMod val="75000"/>
+                      <a:lumOff val="25000"/>
+                      <a:alpha val="10000"/>
+                    </a:schemeClr>
+                  </a:solidFill>
+                </a:ln>
+                <a:solidFill>
+                  <a:schemeClr val="tx2"/>
+                </a:solidFill>
+                <a:effectLst>
+                  <a:outerShdw blurRad="9525" dist="25400" dir="14640000" algn="tl" rotWithShape="0">
+                    <a:schemeClr val="bg1">
+                      <a:alpha val="30000"/>
+                    </a:schemeClr>
+                  </a:outerShdw>
+                </a:effectLst>
+                <a:latin typeface="+mn-lt"/>
+                <a:ea typeface="+mn-ea"/>
+                <a:cs typeface="+mn-cs"/>
+              </a:defRPr>
+            </a:lvl6pPr>
+            <a:lvl7pPr marL="2401800" indent="-228600" algn="l" defTabSz="457200" rtl="0" eaLnBrk="1" latinLnBrk="0" hangingPunct="1">
+              <a:spcBef>
+                <a:spcPct val="20000"/>
+              </a:spcBef>
+              <a:spcAft>
+                <a:spcPts val="600"/>
+              </a:spcAft>
+              <a:buClr>
+                <a:schemeClr val="tx2"/>
+              </a:buClr>
+              <a:buSzPct val="70000"/>
+              <a:buFont typeface="Wingdings 2" charset="2"/>
+              <a:buChar char=""/>
+              <a:defRPr sz="1400" kern="1200">
+                <a:ln>
+                  <a:solidFill>
+                    <a:schemeClr val="bg1">
+                      <a:lumMod val="75000"/>
+                      <a:lumOff val="25000"/>
+                      <a:alpha val="10000"/>
+                    </a:schemeClr>
+                  </a:solidFill>
+                </a:ln>
+                <a:solidFill>
+                  <a:schemeClr val="tx2"/>
+                </a:solidFill>
+                <a:effectLst>
+                  <a:outerShdw blurRad="9525" dist="25400" dir="14640000" algn="tl" rotWithShape="0">
+                    <a:schemeClr val="bg1">
+                      <a:alpha val="30000"/>
+                    </a:schemeClr>
+                  </a:outerShdw>
+                </a:effectLst>
+                <a:latin typeface="+mn-lt"/>
+                <a:ea typeface="+mn-ea"/>
+                <a:cs typeface="+mn-cs"/>
+              </a:defRPr>
+            </a:lvl7pPr>
+            <a:lvl8pPr marL="2789000" indent="-228600" algn="l" defTabSz="457200" rtl="0" eaLnBrk="1" latinLnBrk="0" hangingPunct="1">
+              <a:spcBef>
+                <a:spcPct val="20000"/>
+              </a:spcBef>
+              <a:spcAft>
+                <a:spcPts val="600"/>
+              </a:spcAft>
+              <a:buClr>
+                <a:schemeClr val="tx2"/>
+              </a:buClr>
+              <a:buSzPct val="70000"/>
+              <a:buFont typeface="Wingdings 2" charset="2"/>
+              <a:buChar char=""/>
+              <a:defRPr sz="1400" kern="1200">
+                <a:ln>
+                  <a:solidFill>
+                    <a:schemeClr val="bg1">
+                      <a:lumMod val="75000"/>
+                      <a:lumOff val="25000"/>
+                      <a:alpha val="10000"/>
+                    </a:schemeClr>
+                  </a:solidFill>
+                </a:ln>
+                <a:solidFill>
+                  <a:schemeClr val="tx2"/>
+                </a:solidFill>
+                <a:effectLst>
+                  <a:outerShdw blurRad="9525" dist="25400" dir="14640000" algn="tl" rotWithShape="0">
+                    <a:schemeClr val="bg1">
+                      <a:alpha val="30000"/>
+                    </a:schemeClr>
+                  </a:outerShdw>
+                </a:effectLst>
+                <a:latin typeface="+mn-lt"/>
+                <a:ea typeface="+mn-ea"/>
+                <a:cs typeface="+mn-cs"/>
+              </a:defRPr>
+            </a:lvl8pPr>
+            <a:lvl9pPr marL="3106200" indent="-228600" algn="l" defTabSz="457200" rtl="0" eaLnBrk="1" latinLnBrk="0" hangingPunct="1">
+              <a:spcBef>
+                <a:spcPct val="20000"/>
+              </a:spcBef>
+              <a:spcAft>
+                <a:spcPts val="600"/>
+              </a:spcAft>
+              <a:buClr>
+                <a:schemeClr val="tx2"/>
+              </a:buClr>
+              <a:buSzPct val="70000"/>
+              <a:buFont typeface="Wingdings 2" charset="2"/>
+              <a:buChar char=""/>
+              <a:defRPr sz="1400" kern="1200">
+                <a:ln>
+                  <a:solidFill>
+                    <a:schemeClr val="bg1">
+                      <a:lumMod val="75000"/>
+                      <a:lumOff val="25000"/>
+                      <a:alpha val="10000"/>
+                    </a:schemeClr>
+                  </a:solidFill>
+                </a:ln>
+                <a:solidFill>
+                  <a:schemeClr val="tx2"/>
+                </a:solidFill>
+                <a:effectLst>
+                  <a:outerShdw blurRad="9525" dist="25400" dir="14640000" algn="tl" rotWithShape="0">
+                    <a:schemeClr val="bg1">
+                      <a:alpha val="30000"/>
+                    </a:schemeClr>
+                  </a:outerShdw>
+                </a:effectLst>
+                <a:latin typeface="+mn-lt"/>
+                <a:ea typeface="+mn-ea"/>
+                <a:cs typeface="+mn-cs"/>
+              </a:defRPr>
+            </a:lvl9pPr>
+          </a:lstStyle>
+          <a:p>
+            <a:pPr marL="36900" indent="0">
+              <a:buFont typeface="Wingdings 2" charset="2"/>
+              <a:buNone/>
+            </a:pPr>
             <a:r>
               <a:rPr lang="en-GB" sz="3200" dirty="0"/>
-              <a:t>Subjective results passed the ANOVA test with </a:t>
-            </a:r>
-            <a:r>
-              <a:rPr lang="el-GR" sz="3200" dirty="0">
-                <a:latin typeface="Times New Roman" panose="02020603050405020304" pitchFamily="18" charset="0"/>
-                <a:cs typeface="Times New Roman" panose="02020603050405020304" pitchFamily="18" charset="0"/>
-              </a:rPr>
-              <a:t>α</a:t>
-            </a:r>
-            <a:r>
-              <a:rPr lang="en-GB" sz="3200" dirty="0">
-                <a:latin typeface="Times New Roman" panose="02020603050405020304" pitchFamily="18" charset="0"/>
-                <a:cs typeface="Times New Roman" panose="02020603050405020304" pitchFamily="18" charset="0"/>
-              </a:rPr>
-              <a:t>=0.05</a:t>
-            </a:r>
-            <a:endParaRPr lang="en-GB" sz="3200" dirty="0"/>
+              <a:t>p-values:</a:t>
+            </a:r>
           </a:p>
           <a:p>
             <a:r>
               <a:rPr lang="en-GB" sz="3200" dirty="0"/>
-              <a:t>Results from objective and subjective were mostly similar</a:t>
+              <a:t>0.00014818 for drum</a:t>
             </a:r>
           </a:p>
           <a:p>
             <a:r>
               <a:rPr lang="en-GB" sz="3200" dirty="0"/>
-              <a:t>Opera hall was the most different environment</a:t>
+              <a:t>0.003438 for instrumental mix</a:t>
             </a:r>
           </a:p>
           <a:p>
             <a:r>
               <a:rPr lang="en-GB" sz="3200" dirty="0"/>
-              <a:t>According to the subjective test, small office was most similar to the original audio</a:t>
+              <a:t>0.0001407 for piano</a:t>
             </a:r>
           </a:p>
           <a:p>
             <a:r>
               <a:rPr lang="en-GB" sz="3200" dirty="0"/>
-              <a:t>According to objective test, reverb hall and small office were equally similar to the original audio</a:t>
-            </a:r>
-            <a:endParaRPr lang="en-FI" sz="3200" dirty="0"/>
+              <a:t>0.000092682 for speech</a:t>
+            </a:r>
+          </a:p>
+          <a:p>
+            <a:r>
+              <a:rPr lang="en-GB" sz="3200" dirty="0"/>
+              <a:t>0.01008 for trumpet</a:t>
+            </a:r>
+          </a:p>
+          <a:p>
+            <a:endParaRPr lang="en-FI" dirty="0"/>
           </a:p>
         </p:txBody>
       </p:sp>
     </p:spTree>
     <p:extLst>
       <p:ext uri="{BB962C8B-B14F-4D97-AF65-F5344CB8AC3E}">
-        <p14:creationId xmlns:p14="http://schemas.microsoft.com/office/powerpoint/2010/main" val="3766038761"/>
+        <p14:creationId xmlns:p14="http://schemas.microsoft.com/office/powerpoint/2010/main" val="3731914960"/>
       </p:ext>
     </p:extLst>
   </p:cSld>
